--- a/poster.pptx
+++ b/poster.pptx
@@ -15579,7 +15579,11 @@
           <a:bodyPr/>
           <a:lstStyle/>
           <a:p>
-            <a:endParaRPr lang="en-US"/>
+            <a:endParaRPr lang="en-US" dirty="0">
+              <a:latin typeface="Helvetica Neue" panose="02000503000000020004" pitchFamily="2" charset="0"/>
+              <a:ea typeface="Helvetica Neue" panose="02000503000000020004" pitchFamily="2" charset="0"/>
+              <a:cs typeface="Helvetica Neue" panose="02000503000000020004" pitchFamily="2" charset="0"/>
+            </a:endParaRPr>
           </a:p>
         </p:txBody>
       </p:sp>
@@ -15612,12 +15616,21 @@
             <p:ph type="body" sz="quarter" idx="19"/>
           </p:nvPr>
         </p:nvSpPr>
-        <p:spPr/>
+        <p:spPr>
+          <a:xfrm>
+            <a:off x="845477" y="21840525"/>
+            <a:ext cx="12460125" cy="830975"/>
+          </a:xfrm>
+        </p:spPr>
         <p:txBody>
           <a:bodyPr/>
           <a:lstStyle/>
           <a:p>
-            <a:endParaRPr lang="en-US"/>
+            <a:endParaRPr lang="en-US" dirty="0">
+              <a:latin typeface="Helvetica Neue" panose="02000503000000020004" pitchFamily="2" charset="0"/>
+              <a:ea typeface="Helvetica Neue" panose="02000503000000020004" pitchFamily="2" charset="0"/>
+              <a:cs typeface="Helvetica Neue" panose="02000503000000020004" pitchFamily="2" charset="0"/>
+            </a:endParaRPr>
           </a:p>
         </p:txBody>
       </p:sp>
@@ -15636,7 +15649,7 @@
           <a:bodyPr/>
           <a:lstStyle/>
           <a:p>
-            <a:endParaRPr lang="en-US"/>
+            <a:endParaRPr lang="en-US" dirty="0"/>
           </a:p>
         </p:txBody>
       </p:sp>
@@ -15650,12 +15663,150 @@
             <p:ph type="body" sz="quarter" idx="21"/>
           </p:nvPr>
         </p:nvSpPr>
-        <p:spPr/>
+        <p:spPr>
+          <a:xfrm>
+            <a:off x="13891420" y="25828838"/>
+            <a:ext cx="12440573" cy="4598160"/>
+          </a:xfrm>
+        </p:spPr>
         <p:txBody>
           <a:bodyPr/>
           <a:lstStyle/>
           <a:p>
-            <a:endParaRPr lang="en-US"/>
+            <a:r>
+              <a:rPr lang="en-US" b="1" dirty="0">
+                <a:latin typeface="Helvetica Neue" panose="02000503000000020004" pitchFamily="2" charset="0"/>
+                <a:ea typeface="Helvetica Neue" panose="02000503000000020004" pitchFamily="2" charset="0"/>
+                <a:cs typeface="Helvetica Neue" panose="02000503000000020004" pitchFamily="2" charset="0"/>
+              </a:rPr>
+              <a:t>Dataset</a:t>
+            </a:r>
+          </a:p>
+          <a:p>
+            <a:pPr marL="342900" indent="-342900">
+              <a:buFont typeface="Arial" panose="020B0604020202020204" pitchFamily="34" charset="0"/>
+              <a:buChar char="•"/>
+            </a:pPr>
+            <a:r>
+              <a:rPr lang="en-US" i="1" dirty="0">
+                <a:latin typeface="Helvetica Neue" panose="02000503000000020004" pitchFamily="2" charset="0"/>
+                <a:ea typeface="Helvetica Neue" panose="02000503000000020004" pitchFamily="2" charset="0"/>
+                <a:cs typeface="Helvetica Neue" panose="02000503000000020004" pitchFamily="2" charset="0"/>
+              </a:rPr>
+              <a:t>Preparation: </a:t>
+            </a:r>
+            <a:r>
+              <a:rPr lang="en-US" dirty="0">
+                <a:latin typeface="Helvetica Neue" panose="02000503000000020004" pitchFamily="2" charset="0"/>
+                <a:ea typeface="Helvetica Neue" panose="02000503000000020004" pitchFamily="2" charset="0"/>
+                <a:cs typeface="Helvetica Neue" panose="02000503000000020004" pitchFamily="2" charset="0"/>
+              </a:rPr>
+              <a:t>use of </a:t>
+            </a:r>
+            <a:r>
+              <a:rPr lang="en-US" dirty="0" err="1">
+                <a:latin typeface="Helvetica Neue" panose="02000503000000020004" pitchFamily="2" charset="0"/>
+                <a:ea typeface="Helvetica Neue" panose="02000503000000020004" pitchFamily="2" charset="0"/>
+                <a:cs typeface="Helvetica Neue" panose="02000503000000020004" pitchFamily="2" charset="0"/>
+              </a:rPr>
+              <a:t>Fatkun</a:t>
+            </a:r>
+            <a:r>
+              <a:rPr lang="en-US" dirty="0">
+                <a:latin typeface="Helvetica Neue" panose="02000503000000020004" pitchFamily="2" charset="0"/>
+                <a:ea typeface="Helvetica Neue" panose="02000503000000020004" pitchFamily="2" charset="0"/>
+                <a:cs typeface="Helvetica Neue" panose="02000503000000020004" pitchFamily="2" charset="0"/>
+              </a:rPr>
+              <a:t> batch download to mass download 2,178 sample images total of varying dimensions, angles, and lighting across 15 distinct classes.</a:t>
+            </a:r>
+          </a:p>
+          <a:p>
+            <a:pPr marL="342900" indent="-342900">
+              <a:buFont typeface="Arial" panose="020B0604020202020204" pitchFamily="34" charset="0"/>
+              <a:buChar char="•"/>
+            </a:pPr>
+            <a:r>
+              <a:rPr lang="en-US" i="1" dirty="0">
+                <a:latin typeface="Helvetica Neue" panose="02000503000000020004" pitchFamily="2" charset="0"/>
+                <a:ea typeface="Helvetica Neue" panose="02000503000000020004" pitchFamily="2" charset="0"/>
+                <a:cs typeface="Helvetica Neue" panose="02000503000000020004" pitchFamily="2" charset="0"/>
+              </a:rPr>
+              <a:t>Annotation: </a:t>
+            </a:r>
+            <a:r>
+              <a:rPr lang="en-US" dirty="0">
+                <a:latin typeface="Helvetica Neue" panose="02000503000000020004" pitchFamily="2" charset="0"/>
+                <a:ea typeface="Helvetica Neue" panose="02000503000000020004" pitchFamily="2" charset="0"/>
+                <a:cs typeface="Helvetica Neue" panose="02000503000000020004" pitchFamily="2" charset="0"/>
+              </a:rPr>
+              <a:t>the bounding boxes of each item were drawn with </a:t>
+            </a:r>
+            <a:r>
+              <a:rPr lang="en-US" dirty="0" err="1">
+                <a:latin typeface="Helvetica Neue" panose="02000503000000020004" pitchFamily="2" charset="0"/>
+                <a:ea typeface="Helvetica Neue" panose="02000503000000020004" pitchFamily="2" charset="0"/>
+                <a:cs typeface="Helvetica Neue" panose="02000503000000020004" pitchFamily="2" charset="0"/>
+              </a:rPr>
+              <a:t>Vott</a:t>
+            </a:r>
+            <a:r>
+              <a:rPr lang="en-US" dirty="0">
+                <a:latin typeface="Helvetica Neue" panose="02000503000000020004" pitchFamily="2" charset="0"/>
+                <a:ea typeface="Helvetica Neue" panose="02000503000000020004" pitchFamily="2" charset="0"/>
+                <a:cs typeface="Helvetica Neue" panose="02000503000000020004" pitchFamily="2" charset="0"/>
+              </a:rPr>
+              <a:t> v1.7.2 and exported into the YOLO dataset format.</a:t>
+            </a:r>
+          </a:p>
+          <a:p>
+            <a:pPr marL="342900" indent="-342900">
+              <a:buFont typeface="Arial" panose="020B0604020202020204" pitchFamily="34" charset="0"/>
+              <a:buChar char="•"/>
+            </a:pPr>
+            <a:r>
+              <a:rPr lang="en-US" i="1" dirty="0">
+                <a:latin typeface="Helvetica Neue" panose="02000503000000020004" pitchFamily="2" charset="0"/>
+                <a:ea typeface="Helvetica Neue" panose="02000503000000020004" pitchFamily="2" charset="0"/>
+                <a:cs typeface="Helvetica Neue" panose="02000503000000020004" pitchFamily="2" charset="0"/>
+              </a:rPr>
+              <a:t>Aggregation: </a:t>
+            </a:r>
+            <a:r>
+              <a:rPr lang="en-US" dirty="0">
+                <a:latin typeface="Helvetica Neue" panose="02000503000000020004" pitchFamily="2" charset="0"/>
+                <a:ea typeface="Helvetica Neue" panose="02000503000000020004" pitchFamily="2" charset="0"/>
+                <a:cs typeface="Helvetica Neue" panose="02000503000000020004" pitchFamily="2" charset="0"/>
+              </a:rPr>
+              <a:t>each class was labeled separately, so a script was used to combine images and their corresponding annotations into one singular data directory.</a:t>
+            </a:r>
+          </a:p>
+          <a:p>
+            <a:endParaRPr lang="en-US" dirty="0">
+              <a:latin typeface="Helvetica Neue" panose="02000503000000020004" pitchFamily="2" charset="0"/>
+              <a:ea typeface="Helvetica Neue" panose="02000503000000020004" pitchFamily="2" charset="0"/>
+              <a:cs typeface="Helvetica Neue" panose="02000503000000020004" pitchFamily="2" charset="0"/>
+            </a:endParaRPr>
+          </a:p>
+          <a:p>
+            <a:r>
+              <a:rPr lang="en-US" b="1" dirty="0">
+                <a:latin typeface="Helvetica Neue" panose="02000503000000020004" pitchFamily="2" charset="0"/>
+                <a:ea typeface="Helvetica Neue" panose="02000503000000020004" pitchFamily="2" charset="0"/>
+                <a:cs typeface="Helvetica Neue" panose="02000503000000020004" pitchFamily="2" charset="0"/>
+              </a:rPr>
+              <a:t>Tiny YOLO v3</a:t>
+            </a:r>
+          </a:p>
+          <a:p>
+            <a:pPr marL="342900" indent="-342900">
+              <a:buFont typeface="Arial" panose="020B0604020202020204" pitchFamily="34" charset="0"/>
+              <a:buChar char="•"/>
+            </a:pPr>
+            <a:endParaRPr lang="en-US" b="1" dirty="0">
+              <a:latin typeface="Helvetica Neue" panose="02000503000000020004" pitchFamily="2" charset="0"/>
+              <a:ea typeface="Helvetica Neue" panose="02000503000000020004" pitchFamily="2" charset="0"/>
+              <a:cs typeface="Helvetica Neue" panose="02000503000000020004" pitchFamily="2" charset="0"/>
+            </a:endParaRPr>
           </a:p>
         </p:txBody>
       </p:sp>
@@ -15674,7 +15825,10 @@
           <a:bodyPr/>
           <a:lstStyle/>
           <a:p>
-            <a:endParaRPr lang="en-US"/>
+            <a:r>
+              <a:rPr lang="en-US" dirty="0"/>
+              <a:t>MATERIALS AND METHODS</a:t>
+            </a:r>
           </a:p>
         </p:txBody>
       </p:sp>
@@ -15693,7 +15847,11 @@
           <a:bodyPr/>
           <a:lstStyle/>
           <a:p>
-            <a:endParaRPr lang="en-US"/>
+            <a:endParaRPr lang="en-US" dirty="0">
+              <a:latin typeface="Helvetica Neue" panose="02000503000000020004" pitchFamily="2" charset="0"/>
+              <a:ea typeface="Helvetica Neue" panose="02000503000000020004" pitchFamily="2" charset="0"/>
+              <a:cs typeface="Helvetica Neue" panose="02000503000000020004" pitchFamily="2" charset="0"/>
+            </a:endParaRPr>
           </a:p>
         </p:txBody>
       </p:sp>
@@ -15712,7 +15870,7 @@
           <a:bodyPr/>
           <a:lstStyle/>
           <a:p>
-            <a:endParaRPr lang="en-US"/>
+            <a:endParaRPr lang="en-US" dirty="0"/>
           </a:p>
         </p:txBody>
       </p:sp>
@@ -15750,7 +15908,11 @@
           <a:bodyPr/>
           <a:lstStyle/>
           <a:p>
-            <a:endParaRPr lang="en-US"/>
+            <a:endParaRPr lang="en-US" dirty="0">
+              <a:latin typeface="Helvetica Neue" panose="02000503000000020004" pitchFamily="2" charset="0"/>
+              <a:ea typeface="Helvetica Neue" panose="02000503000000020004" pitchFamily="2" charset="0"/>
+              <a:cs typeface="Helvetica Neue" panose="02000503000000020004" pitchFamily="2" charset="0"/>
+            </a:endParaRPr>
           </a:p>
         </p:txBody>
       </p:sp>
@@ -15769,7 +15931,7 @@
           <a:bodyPr/>
           <a:lstStyle/>
           <a:p>
-            <a:endParaRPr lang="en-US"/>
+            <a:endParaRPr lang="en-US" dirty="0"/>
           </a:p>
         </p:txBody>
       </p:sp>
@@ -15788,7 +15950,27 @@
           <a:bodyPr/>
           <a:lstStyle/>
           <a:p>
-            <a:endParaRPr lang="en-US"/>
+            <a:pPr marL="342900" indent="-342900">
+              <a:buFont typeface="Arial" panose="020B0604020202020204" pitchFamily="34" charset="0"/>
+              <a:buChar char="•"/>
+            </a:pPr>
+            <a:r>
+              <a:rPr lang="en-US" dirty="0">
+                <a:latin typeface="Helvetica Neue" panose="02000503000000020004" pitchFamily="2" charset="0"/>
+                <a:ea typeface="Helvetica Neue" panose="02000503000000020004" pitchFamily="2" charset="0"/>
+                <a:cs typeface="Helvetica Neue" panose="02000503000000020004" pitchFamily="2" charset="0"/>
+                <a:hlinkClick r:id="rId3"/>
+              </a:rPr>
+              <a:t>https://github.com/AlexeyAB/darknet/</a:t>
+            </a:r>
+            <a:r>
+              <a:rPr lang="en-US" dirty="0">
+                <a:latin typeface="Helvetica Neue" panose="02000503000000020004" pitchFamily="2" charset="0"/>
+                <a:ea typeface="Helvetica Neue" panose="02000503000000020004" pitchFamily="2" charset="0"/>
+                <a:cs typeface="Helvetica Neue" panose="02000503000000020004" pitchFamily="2" charset="0"/>
+              </a:rPr>
+              <a:t> </a:t>
+            </a:r>
           </a:p>
         </p:txBody>
       </p:sp>
@@ -15821,12 +16003,21 @@
             <p:ph type="body" sz="quarter" idx="30"/>
           </p:nvPr>
         </p:nvSpPr>
-        <p:spPr/>
+        <p:spPr>
+          <a:xfrm>
+            <a:off x="26946098" y="32079200"/>
+            <a:ext cx="12449306" cy="830975"/>
+          </a:xfrm>
+        </p:spPr>
         <p:txBody>
           <a:bodyPr/>
           <a:lstStyle/>
           <a:p>
-            <a:endParaRPr lang="en-US"/>
+            <a:endParaRPr lang="en-US" dirty="0">
+              <a:latin typeface="Helvetica Neue" panose="02000503000000020004" pitchFamily="2" charset="0"/>
+              <a:ea typeface="Helvetica Neue" panose="02000503000000020004" pitchFamily="2" charset="0"/>
+              <a:cs typeface="Helvetica Neue" panose="02000503000000020004" pitchFamily="2" charset="0"/>
+            </a:endParaRPr>
           </a:p>
         </p:txBody>
       </p:sp>

--- a/poster.pptx
+++ b/poster.pptx
@@ -15574,12 +15574,17 @@
             <p:ph type="body" sz="quarter" idx="10"/>
           </p:nvPr>
         </p:nvSpPr>
-        <p:spPr/>
+        <p:spPr>
+          <a:xfrm>
+            <a:off x="1049883" y="7201699"/>
+            <a:ext cx="12132653" cy="923307"/>
+          </a:xfrm>
+        </p:spPr>
         <p:txBody>
           <a:bodyPr/>
           <a:lstStyle/>
           <a:p>
-            <a:endParaRPr lang="en-US" dirty="0">
+            <a:endParaRPr lang="en-US" sz="3000" dirty="0">
               <a:latin typeface="Helvetica Neue" panose="02000503000000020004" pitchFamily="2" charset="0"/>
               <a:ea typeface="Helvetica Neue" panose="02000503000000020004" pitchFamily="2" charset="0"/>
               <a:cs typeface="Helvetica Neue" panose="02000503000000020004" pitchFamily="2" charset="0"/>
@@ -15597,12 +15602,20 @@
             <p:ph type="body" sz="quarter" idx="11"/>
           </p:nvPr>
         </p:nvSpPr>
-        <p:spPr/>
+        <p:spPr>
+          <a:xfrm>
+            <a:off x="845477" y="6319848"/>
+            <a:ext cx="12442032" cy="923322"/>
+          </a:xfrm>
+        </p:spPr>
         <p:txBody>
           <a:bodyPr/>
           <a:lstStyle/>
           <a:p>
-            <a:endParaRPr lang="en-US"/>
+            <a:r>
+              <a:rPr lang="en-US" sz="4800" dirty="0"/>
+              <a:t>INTRODUCTION AND ABSTRACT</a:t>
+            </a:r>
           </a:p>
         </p:txBody>
       </p:sp>
@@ -15618,15 +15631,15 @@
         </p:nvSpPr>
         <p:spPr>
           <a:xfrm>
-            <a:off x="845477" y="21840525"/>
-            <a:ext cx="12460125" cy="830975"/>
+            <a:off x="1049883" y="21840525"/>
+            <a:ext cx="12132653" cy="923307"/>
           </a:xfrm>
         </p:spPr>
         <p:txBody>
           <a:bodyPr/>
           <a:lstStyle/>
           <a:p>
-            <a:endParaRPr lang="en-US" dirty="0">
+            <a:endParaRPr lang="en-US" sz="3000" dirty="0">
               <a:latin typeface="Helvetica Neue" panose="02000503000000020004" pitchFamily="2" charset="0"/>
               <a:ea typeface="Helvetica Neue" panose="02000503000000020004" pitchFamily="2" charset="0"/>
               <a:cs typeface="Helvetica Neue" panose="02000503000000020004" pitchFamily="2" charset="0"/>
@@ -15644,12 +15657,20 @@
             <p:ph type="body" sz="quarter" idx="20"/>
           </p:nvPr>
         </p:nvSpPr>
-        <p:spPr/>
+        <p:spPr>
+          <a:xfrm>
+            <a:off x="863574" y="20958689"/>
+            <a:ext cx="12442031" cy="923322"/>
+          </a:xfrm>
+        </p:spPr>
         <p:txBody>
           <a:bodyPr/>
           <a:lstStyle/>
           <a:p>
-            <a:endParaRPr lang="en-US" dirty="0"/>
+            <a:r>
+              <a:rPr lang="en-US" sz="4800" dirty="0"/>
+              <a:t>OBJECTIVES</a:t>
+            </a:r>
           </a:p>
         </p:txBody>
       </p:sp>
@@ -15665,8 +15686,8 @@
         </p:nvSpPr>
         <p:spPr>
           <a:xfrm>
-            <a:off x="13891420" y="25828838"/>
-            <a:ext cx="12440573" cy="4598160"/>
+            <a:off x="14050476" y="25828838"/>
+            <a:ext cx="12132653" cy="6555619"/>
           </a:xfrm>
         </p:spPr>
         <p:txBody>
@@ -15674,7 +15695,7 @@
           <a:lstStyle/>
           <a:p>
             <a:r>
-              <a:rPr lang="en-US" b="1" dirty="0">
+              <a:rPr lang="en-US" sz="3000" b="1" dirty="0">
                 <a:latin typeface="Helvetica Neue" panose="02000503000000020004" pitchFamily="2" charset="0"/>
                 <a:ea typeface="Helvetica Neue" panose="02000503000000020004" pitchFamily="2" charset="0"/>
                 <a:cs typeface="Helvetica Neue" panose="02000503000000020004" pitchFamily="2" charset="0"/>
@@ -15688,7 +15709,7 @@
               <a:buChar char="•"/>
             </a:pPr>
             <a:r>
-              <a:rPr lang="en-US" i="1" dirty="0">
+              <a:rPr lang="en-US" sz="3000" i="1" dirty="0">
                 <a:latin typeface="Helvetica Neue" panose="02000503000000020004" pitchFamily="2" charset="0"/>
                 <a:ea typeface="Helvetica Neue" panose="02000503000000020004" pitchFamily="2" charset="0"/>
                 <a:cs typeface="Helvetica Neue" panose="02000503000000020004" pitchFamily="2" charset="0"/>
@@ -15696,7 +15717,7 @@
               <a:t>Preparation: </a:t>
             </a:r>
             <a:r>
-              <a:rPr lang="en-US" dirty="0">
+              <a:rPr lang="en-US" sz="3000" dirty="0">
                 <a:latin typeface="Helvetica Neue" panose="02000503000000020004" pitchFamily="2" charset="0"/>
                 <a:ea typeface="Helvetica Neue" panose="02000503000000020004" pitchFamily="2" charset="0"/>
                 <a:cs typeface="Helvetica Neue" panose="02000503000000020004" pitchFamily="2" charset="0"/>
@@ -15704,7 +15725,7 @@
               <a:t>use of </a:t>
             </a:r>
             <a:r>
-              <a:rPr lang="en-US" dirty="0" err="1">
+              <a:rPr lang="en-US" sz="3000" dirty="0" err="1">
                 <a:latin typeface="Helvetica Neue" panose="02000503000000020004" pitchFamily="2" charset="0"/>
                 <a:ea typeface="Helvetica Neue" panose="02000503000000020004" pitchFamily="2" charset="0"/>
                 <a:cs typeface="Helvetica Neue" panose="02000503000000020004" pitchFamily="2" charset="0"/>
@@ -15712,7 +15733,7 @@
               <a:t>Fatkun</a:t>
             </a:r>
             <a:r>
-              <a:rPr lang="en-US" dirty="0">
+              <a:rPr lang="en-US" sz="3000" dirty="0">
                 <a:latin typeface="Helvetica Neue" panose="02000503000000020004" pitchFamily="2" charset="0"/>
                 <a:ea typeface="Helvetica Neue" panose="02000503000000020004" pitchFamily="2" charset="0"/>
                 <a:cs typeface="Helvetica Neue" panose="02000503000000020004" pitchFamily="2" charset="0"/>
@@ -15726,7 +15747,7 @@
               <a:buChar char="•"/>
             </a:pPr>
             <a:r>
-              <a:rPr lang="en-US" i="1" dirty="0">
+              <a:rPr lang="en-US" sz="3000" i="1" dirty="0">
                 <a:latin typeface="Helvetica Neue" panose="02000503000000020004" pitchFamily="2" charset="0"/>
                 <a:ea typeface="Helvetica Neue" panose="02000503000000020004" pitchFamily="2" charset="0"/>
                 <a:cs typeface="Helvetica Neue" panose="02000503000000020004" pitchFamily="2" charset="0"/>
@@ -15734,7 +15755,7 @@
               <a:t>Annotation: </a:t>
             </a:r>
             <a:r>
-              <a:rPr lang="en-US" dirty="0">
+              <a:rPr lang="en-US" sz="3000" dirty="0">
                 <a:latin typeface="Helvetica Neue" panose="02000503000000020004" pitchFamily="2" charset="0"/>
                 <a:ea typeface="Helvetica Neue" panose="02000503000000020004" pitchFamily="2" charset="0"/>
                 <a:cs typeface="Helvetica Neue" panose="02000503000000020004" pitchFamily="2" charset="0"/>
@@ -15742,7 +15763,7 @@
               <a:t>the bounding boxes of each item were drawn with </a:t>
             </a:r>
             <a:r>
-              <a:rPr lang="en-US" dirty="0" err="1">
+              <a:rPr lang="en-US" sz="3000" dirty="0" err="1">
                 <a:latin typeface="Helvetica Neue" panose="02000503000000020004" pitchFamily="2" charset="0"/>
                 <a:ea typeface="Helvetica Neue" panose="02000503000000020004" pitchFamily="2" charset="0"/>
                 <a:cs typeface="Helvetica Neue" panose="02000503000000020004" pitchFamily="2" charset="0"/>
@@ -15750,7 +15771,7 @@
               <a:t>Vott</a:t>
             </a:r>
             <a:r>
-              <a:rPr lang="en-US" dirty="0">
+              <a:rPr lang="en-US" sz="3000" dirty="0">
                 <a:latin typeface="Helvetica Neue" panose="02000503000000020004" pitchFamily="2" charset="0"/>
                 <a:ea typeface="Helvetica Neue" panose="02000503000000020004" pitchFamily="2" charset="0"/>
                 <a:cs typeface="Helvetica Neue" panose="02000503000000020004" pitchFamily="2" charset="0"/>
@@ -15764,7 +15785,7 @@
               <a:buChar char="•"/>
             </a:pPr>
             <a:r>
-              <a:rPr lang="en-US" i="1" dirty="0">
+              <a:rPr lang="en-US" sz="3000" i="1" dirty="0">
                 <a:latin typeface="Helvetica Neue" panose="02000503000000020004" pitchFamily="2" charset="0"/>
                 <a:ea typeface="Helvetica Neue" panose="02000503000000020004" pitchFamily="2" charset="0"/>
                 <a:cs typeface="Helvetica Neue" panose="02000503000000020004" pitchFamily="2" charset="0"/>
@@ -15772,7 +15793,7 @@
               <a:t>Aggregation: </a:t>
             </a:r>
             <a:r>
-              <a:rPr lang="en-US" dirty="0">
+              <a:rPr lang="en-US" sz="3000" dirty="0">
                 <a:latin typeface="Helvetica Neue" panose="02000503000000020004" pitchFamily="2" charset="0"/>
                 <a:ea typeface="Helvetica Neue" panose="02000503000000020004" pitchFamily="2" charset="0"/>
                 <a:cs typeface="Helvetica Neue" panose="02000503000000020004" pitchFamily="2" charset="0"/>
@@ -15781,7 +15802,7 @@
             </a:r>
           </a:p>
           <a:p>
-            <a:endParaRPr lang="en-US" dirty="0">
+            <a:endParaRPr lang="en-US" sz="3000" dirty="0">
               <a:latin typeface="Helvetica Neue" panose="02000503000000020004" pitchFamily="2" charset="0"/>
               <a:ea typeface="Helvetica Neue" panose="02000503000000020004" pitchFamily="2" charset="0"/>
               <a:cs typeface="Helvetica Neue" panose="02000503000000020004" pitchFamily="2" charset="0"/>
@@ -15789,7 +15810,7 @@
           </a:p>
           <a:p>
             <a:r>
-              <a:rPr lang="en-US" b="1" dirty="0">
+              <a:rPr lang="en-US" sz="3000" b="1" dirty="0">
                 <a:latin typeface="Helvetica Neue" panose="02000503000000020004" pitchFamily="2" charset="0"/>
                 <a:ea typeface="Helvetica Neue" panose="02000503000000020004" pitchFamily="2" charset="0"/>
                 <a:cs typeface="Helvetica Neue" panose="02000503000000020004" pitchFamily="2" charset="0"/>
@@ -15802,7 +15823,7 @@
               <a:buFont typeface="Arial" panose="020B0604020202020204" pitchFamily="34" charset="0"/>
               <a:buChar char="•"/>
             </a:pPr>
-            <a:endParaRPr lang="en-US" b="1" dirty="0">
+            <a:endParaRPr lang="en-US" sz="3000" b="1" dirty="0">
               <a:latin typeface="Helvetica Neue" panose="02000503000000020004" pitchFamily="2" charset="0"/>
               <a:ea typeface="Helvetica Neue" panose="02000503000000020004" pitchFamily="2" charset="0"/>
               <a:cs typeface="Helvetica Neue" panose="02000503000000020004" pitchFamily="2" charset="0"/>
@@ -15820,13 +15841,18 @@
             <p:ph type="body" sz="quarter" idx="22"/>
           </p:nvPr>
         </p:nvSpPr>
-        <p:spPr/>
+        <p:spPr>
+          <a:xfrm>
+            <a:off x="13891420" y="25029219"/>
+            <a:ext cx="12440573" cy="923322"/>
+          </a:xfrm>
+        </p:spPr>
         <p:txBody>
           <a:bodyPr/>
           <a:lstStyle/>
           <a:p>
             <a:r>
-              <a:rPr lang="en-US" dirty="0"/>
+              <a:rPr lang="en-US" sz="4800" dirty="0"/>
               <a:t>MATERIALS AND METHODS</a:t>
             </a:r>
           </a:p>
@@ -15842,12 +15868,105 @@
             <p:ph type="body" sz="quarter" idx="23"/>
           </p:nvPr>
         </p:nvSpPr>
-        <p:spPr/>
+        <p:spPr>
+          <a:xfrm>
+            <a:off x="14050476" y="7102294"/>
+            <a:ext cx="12132653" cy="4237592"/>
+          </a:xfrm>
+        </p:spPr>
         <p:txBody>
           <a:bodyPr/>
           <a:lstStyle/>
           <a:p>
-            <a:endParaRPr lang="en-US" dirty="0">
+            <a:r>
+              <a:rPr lang="en-US" sz="3000" b="1" dirty="0">
+                <a:latin typeface="Helvetica Neue" panose="02000503000000020004" pitchFamily="2" charset="0"/>
+                <a:ea typeface="Helvetica Neue" panose="02000503000000020004" pitchFamily="2" charset="0"/>
+                <a:cs typeface="Helvetica Neue" panose="02000503000000020004" pitchFamily="2" charset="0"/>
+              </a:rPr>
+              <a:t>Mean Average Precision (</a:t>
+            </a:r>
+            <a:r>
+              <a:rPr lang="en-US" sz="3000" b="1" dirty="0" err="1">
+                <a:latin typeface="Helvetica Neue" panose="02000503000000020004" pitchFamily="2" charset="0"/>
+                <a:ea typeface="Helvetica Neue" panose="02000503000000020004" pitchFamily="2" charset="0"/>
+                <a:cs typeface="Helvetica Neue" panose="02000503000000020004" pitchFamily="2" charset="0"/>
+              </a:rPr>
+              <a:t>mAP</a:t>
+            </a:r>
+            <a:r>
+              <a:rPr lang="en-US" sz="3000" b="1" dirty="0">
+                <a:latin typeface="Helvetica Neue" panose="02000503000000020004" pitchFamily="2" charset="0"/>
+                <a:ea typeface="Helvetica Neue" panose="02000503000000020004" pitchFamily="2" charset="0"/>
+                <a:cs typeface="Helvetica Neue" panose="02000503000000020004" pitchFamily="2" charset="0"/>
+              </a:rPr>
+              <a:t>) Analysis</a:t>
+            </a:r>
+          </a:p>
+          <a:p>
+            <a:endParaRPr lang="en-US" sz="3000" b="1" dirty="0">
+              <a:latin typeface="Helvetica Neue" panose="02000503000000020004" pitchFamily="2" charset="0"/>
+              <a:ea typeface="Helvetica Neue" panose="02000503000000020004" pitchFamily="2" charset="0"/>
+              <a:cs typeface="Helvetica Neue" panose="02000503000000020004" pitchFamily="2" charset="0"/>
+            </a:endParaRPr>
+          </a:p>
+          <a:p>
+            <a:endParaRPr lang="en-US" sz="3000" b="1" dirty="0">
+              <a:latin typeface="Helvetica Neue" panose="02000503000000020004" pitchFamily="2" charset="0"/>
+              <a:ea typeface="Helvetica Neue" panose="02000503000000020004" pitchFamily="2" charset="0"/>
+              <a:cs typeface="Helvetica Neue" panose="02000503000000020004" pitchFamily="2" charset="0"/>
+            </a:endParaRPr>
+          </a:p>
+          <a:p>
+            <a:endParaRPr lang="en-US" sz="3000" b="1" dirty="0">
+              <a:latin typeface="Helvetica Neue" panose="02000503000000020004" pitchFamily="2" charset="0"/>
+              <a:ea typeface="Helvetica Neue" panose="02000503000000020004" pitchFamily="2" charset="0"/>
+              <a:cs typeface="Helvetica Neue" panose="02000503000000020004" pitchFamily="2" charset="0"/>
+            </a:endParaRPr>
+          </a:p>
+          <a:p>
+            <a:endParaRPr lang="en-US" sz="3000" b="1" dirty="0">
+              <a:latin typeface="Helvetica Neue" panose="02000503000000020004" pitchFamily="2" charset="0"/>
+              <a:ea typeface="Helvetica Neue" panose="02000503000000020004" pitchFamily="2" charset="0"/>
+              <a:cs typeface="Helvetica Neue" panose="02000503000000020004" pitchFamily="2" charset="0"/>
+            </a:endParaRPr>
+          </a:p>
+          <a:p>
+            <a:endParaRPr lang="en-US" sz="3000" b="1" dirty="0">
+              <a:latin typeface="Helvetica Neue" panose="02000503000000020004" pitchFamily="2" charset="0"/>
+              <a:ea typeface="Helvetica Neue" panose="02000503000000020004" pitchFamily="2" charset="0"/>
+              <a:cs typeface="Helvetica Neue" panose="02000503000000020004" pitchFamily="2" charset="0"/>
+            </a:endParaRPr>
+          </a:p>
+          <a:p>
+            <a:pPr marL="342900" indent="-342900">
+              <a:buFont typeface="Arial" panose="020B0604020202020204" pitchFamily="34" charset="0"/>
+              <a:buChar char="•"/>
+            </a:pPr>
+            <a:r>
+              <a:rPr lang="en-US" sz="3000" dirty="0">
+                <a:latin typeface="Helvetica Neue" panose="02000503000000020004" pitchFamily="2" charset="0"/>
+                <a:ea typeface="Helvetica Neue" panose="02000503000000020004" pitchFamily="2" charset="0"/>
+                <a:cs typeface="Helvetica Neue" panose="02000503000000020004" pitchFamily="2" charset="0"/>
+              </a:rPr>
+              <a:t>3000 weights optimal, with __ </a:t>
+            </a:r>
+            <a:r>
+              <a:rPr lang="en-US" sz="3000" dirty="0" err="1">
+                <a:latin typeface="Helvetica Neue" panose="02000503000000020004" pitchFamily="2" charset="0"/>
+                <a:ea typeface="Helvetica Neue" panose="02000503000000020004" pitchFamily="2" charset="0"/>
+                <a:cs typeface="Helvetica Neue" panose="02000503000000020004" pitchFamily="2" charset="0"/>
+              </a:rPr>
+              <a:t>mAP</a:t>
+            </a:r>
+            <a:endParaRPr lang="en-US" sz="3000" dirty="0">
+              <a:latin typeface="Helvetica Neue" panose="02000503000000020004" pitchFamily="2" charset="0"/>
+              <a:ea typeface="Helvetica Neue" panose="02000503000000020004" pitchFamily="2" charset="0"/>
+              <a:cs typeface="Helvetica Neue" panose="02000503000000020004" pitchFamily="2" charset="0"/>
+            </a:endParaRPr>
+          </a:p>
+          <a:p>
+            <a:endParaRPr lang="en-US" sz="3000" dirty="0">
               <a:latin typeface="Helvetica Neue" panose="02000503000000020004" pitchFamily="2" charset="0"/>
               <a:ea typeface="Helvetica Neue" panose="02000503000000020004" pitchFamily="2" charset="0"/>
               <a:cs typeface="Helvetica Neue" panose="02000503000000020004" pitchFamily="2" charset="0"/>
@@ -15865,12 +15984,20 @@
             <p:ph type="body" sz="quarter" idx="24"/>
           </p:nvPr>
         </p:nvSpPr>
-        <p:spPr/>
+        <p:spPr>
+          <a:xfrm>
+            <a:off x="13892878" y="6319847"/>
+            <a:ext cx="12447852" cy="923322"/>
+          </a:xfrm>
+        </p:spPr>
         <p:txBody>
           <a:bodyPr/>
           <a:lstStyle/>
           <a:p>
-            <a:endParaRPr lang="en-US" dirty="0"/>
+            <a:r>
+              <a:rPr lang="en-US" sz="4800" dirty="0"/>
+              <a:t>RESULTS</a:t>
+            </a:r>
           </a:p>
         </p:txBody>
       </p:sp>
@@ -15884,12 +16011,20 @@
             <p:ph type="body" sz="quarter" idx="25"/>
           </p:nvPr>
         </p:nvSpPr>
-        <p:spPr/>
+        <p:spPr>
+          <a:xfrm>
+            <a:off x="26946097" y="6319847"/>
+            <a:ext cx="12444693" cy="923322"/>
+          </a:xfrm>
+        </p:spPr>
         <p:txBody>
           <a:bodyPr/>
           <a:lstStyle/>
           <a:p>
-            <a:endParaRPr lang="en-US"/>
+            <a:r>
+              <a:rPr lang="en-US" sz="4800" dirty="0"/>
+              <a:t>CONCLUSIONS</a:t>
+            </a:r>
           </a:p>
         </p:txBody>
       </p:sp>
@@ -15903,12 +16038,93 @@
             <p:ph type="body" sz="quarter" idx="26"/>
           </p:nvPr>
         </p:nvSpPr>
-        <p:spPr/>
+        <p:spPr>
+          <a:xfrm>
+            <a:off x="27111833" y="7129168"/>
+            <a:ext cx="12132653" cy="4247294"/>
+          </a:xfrm>
+        </p:spPr>
         <p:txBody>
           <a:bodyPr/>
           <a:lstStyle/>
           <a:p>
-            <a:endParaRPr lang="en-US" dirty="0">
+            <a:r>
+              <a:rPr lang="en-US" sz="3000" b="1" dirty="0">
+                <a:latin typeface="Helvetica Neue" panose="02000503000000020004" pitchFamily="2" charset="0"/>
+                <a:ea typeface="Helvetica Neue" panose="02000503000000020004" pitchFamily="2" charset="0"/>
+                <a:cs typeface="Helvetica Neue" panose="02000503000000020004" pitchFamily="2" charset="0"/>
+              </a:rPr>
+              <a:t>Strengths</a:t>
+            </a:r>
+          </a:p>
+          <a:p>
+            <a:pPr marL="342900" indent="-342900">
+              <a:buFont typeface="Arial" panose="020B0604020202020204" pitchFamily="34" charset="0"/>
+              <a:buChar char="•"/>
+            </a:pPr>
+            <a:r>
+              <a:rPr lang="en-US" sz="3000" dirty="0">
+                <a:latin typeface="Helvetica Neue" panose="02000503000000020004" pitchFamily="2" charset="0"/>
+                <a:ea typeface="Helvetica Neue" panose="02000503000000020004" pitchFamily="2" charset="0"/>
+                <a:cs typeface="Helvetica Neue" panose="02000503000000020004" pitchFamily="2" charset="0"/>
+              </a:rPr>
+              <a:t>Dd</a:t>
+            </a:r>
+          </a:p>
+          <a:p>
+            <a:r>
+              <a:rPr lang="en-US" sz="3000" b="1" dirty="0">
+                <a:latin typeface="Helvetica Neue" panose="02000503000000020004" pitchFamily="2" charset="0"/>
+                <a:ea typeface="Helvetica Neue" panose="02000503000000020004" pitchFamily="2" charset="0"/>
+                <a:cs typeface="Helvetica Neue" panose="02000503000000020004" pitchFamily="2" charset="0"/>
+              </a:rPr>
+              <a:t>Weaknesses</a:t>
+            </a:r>
+          </a:p>
+          <a:p>
+            <a:pPr marL="342900" indent="-342900">
+              <a:buFont typeface="Arial" panose="020B0604020202020204" pitchFamily="34" charset="0"/>
+              <a:buChar char="•"/>
+            </a:pPr>
+            <a:r>
+              <a:rPr lang="en-US" sz="3000" dirty="0">
+                <a:latin typeface="Helvetica Neue" panose="02000503000000020004" pitchFamily="2" charset="0"/>
+                <a:ea typeface="Helvetica Neue" panose="02000503000000020004" pitchFamily="2" charset="0"/>
+                <a:cs typeface="Helvetica Neue" panose="02000503000000020004" pitchFamily="2" charset="0"/>
+              </a:rPr>
+              <a:t>Dd</a:t>
+            </a:r>
+          </a:p>
+          <a:p>
+            <a:r>
+              <a:rPr lang="en-US" sz="3000" b="1" dirty="0">
+                <a:latin typeface="Helvetica Neue" panose="02000503000000020004" pitchFamily="2" charset="0"/>
+                <a:ea typeface="Helvetica Neue" panose="02000503000000020004" pitchFamily="2" charset="0"/>
+                <a:cs typeface="Helvetica Neue" panose="02000503000000020004" pitchFamily="2" charset="0"/>
+              </a:rPr>
+              <a:t>Future Work</a:t>
+            </a:r>
+          </a:p>
+          <a:p>
+            <a:pPr marL="342900" indent="-342900">
+              <a:buFont typeface="Arial" panose="020B0604020202020204" pitchFamily="34" charset="0"/>
+              <a:buChar char="•"/>
+            </a:pPr>
+            <a:r>
+              <a:rPr lang="en-US" sz="3000" dirty="0">
+                <a:latin typeface="Helvetica Neue" panose="02000503000000020004" pitchFamily="2" charset="0"/>
+                <a:ea typeface="Helvetica Neue" panose="02000503000000020004" pitchFamily="2" charset="0"/>
+                <a:cs typeface="Helvetica Neue" panose="02000503000000020004" pitchFamily="2" charset="0"/>
+              </a:rPr>
+              <a:t>Dd</a:t>
+            </a:r>
+          </a:p>
+          <a:p>
+            <a:pPr marL="342900" indent="-342900">
+              <a:buFont typeface="Arial" panose="020B0604020202020204" pitchFamily="34" charset="0"/>
+              <a:buChar char="•"/>
+            </a:pPr>
+            <a:endParaRPr lang="en-US" sz="3000" b="1" dirty="0">
               <a:latin typeface="Helvetica Neue" panose="02000503000000020004" pitchFamily="2" charset="0"/>
               <a:ea typeface="Helvetica Neue" panose="02000503000000020004" pitchFamily="2" charset="0"/>
               <a:cs typeface="Helvetica Neue" panose="02000503000000020004" pitchFamily="2" charset="0"/>
@@ -15926,12 +16142,20 @@
             <p:ph type="body" sz="quarter" idx="27"/>
           </p:nvPr>
         </p:nvSpPr>
-        <p:spPr/>
+        <p:spPr>
+          <a:xfrm>
+            <a:off x="26946097" y="20919447"/>
+            <a:ext cx="12444693" cy="923322"/>
+          </a:xfrm>
+        </p:spPr>
         <p:txBody>
           <a:bodyPr/>
           <a:lstStyle/>
           <a:p>
-            <a:endParaRPr lang="en-US" dirty="0"/>
+            <a:r>
+              <a:rPr lang="en-US" sz="4800" dirty="0"/>
+              <a:t>REFERENCES</a:t>
+            </a:r>
           </a:p>
         </p:txBody>
       </p:sp>
@@ -15945,7 +16169,12 @@
             <p:ph type="body" sz="quarter" idx="28"/>
           </p:nvPr>
         </p:nvSpPr>
-        <p:spPr/>
+        <p:spPr>
+          <a:xfrm>
+            <a:off x="27111832" y="21728765"/>
+            <a:ext cx="12132653" cy="923307"/>
+          </a:xfrm>
+        </p:spPr>
         <p:txBody>
           <a:bodyPr/>
           <a:lstStyle/>
@@ -15955,7 +16184,7 @@
               <a:buChar char="•"/>
             </a:pPr>
             <a:r>
-              <a:rPr lang="en-US" dirty="0">
+              <a:rPr lang="en-US" sz="3000" dirty="0">
                 <a:latin typeface="Helvetica Neue" panose="02000503000000020004" pitchFamily="2" charset="0"/>
                 <a:ea typeface="Helvetica Neue" panose="02000503000000020004" pitchFamily="2" charset="0"/>
                 <a:cs typeface="Helvetica Neue" panose="02000503000000020004" pitchFamily="2" charset="0"/>
@@ -15964,7 +16193,7 @@
               <a:t>https://github.com/AlexeyAB/darknet/</a:t>
             </a:r>
             <a:r>
-              <a:rPr lang="en-US" dirty="0">
+              <a:rPr lang="en-US" sz="3000" dirty="0">
                 <a:latin typeface="Helvetica Neue" panose="02000503000000020004" pitchFamily="2" charset="0"/>
                 <a:ea typeface="Helvetica Neue" panose="02000503000000020004" pitchFamily="2" charset="0"/>
                 <a:cs typeface="Helvetica Neue" panose="02000503000000020004" pitchFamily="2" charset="0"/>
@@ -15984,12 +16213,20 @@
             <p:ph type="body" sz="quarter" idx="29"/>
           </p:nvPr>
         </p:nvSpPr>
-        <p:spPr/>
+        <p:spPr>
+          <a:xfrm>
+            <a:off x="26946097" y="31269879"/>
+            <a:ext cx="12444693" cy="923322"/>
+          </a:xfrm>
+        </p:spPr>
         <p:txBody>
           <a:bodyPr/>
           <a:lstStyle/>
           <a:p>
-            <a:endParaRPr lang="en-US"/>
+            <a:r>
+              <a:rPr lang="en-US" sz="4800" dirty="0"/>
+              <a:t>ACKNOWLEDGEMENTS</a:t>
+            </a:r>
           </a:p>
         </p:txBody>
       </p:sp>
@@ -16005,15 +16242,15 @@
         </p:nvSpPr>
         <p:spPr>
           <a:xfrm>
-            <a:off x="26946098" y="32079200"/>
-            <a:ext cx="12449306" cy="830975"/>
+            <a:off x="27111832" y="32079200"/>
+            <a:ext cx="12132653" cy="923307"/>
           </a:xfrm>
         </p:spPr>
         <p:txBody>
           <a:bodyPr/>
           <a:lstStyle/>
           <a:p>
-            <a:endParaRPr lang="en-US" dirty="0">
+            <a:endParaRPr lang="en-US" sz="3000" dirty="0">
               <a:latin typeface="Helvetica Neue" panose="02000503000000020004" pitchFamily="2" charset="0"/>
               <a:ea typeface="Helvetica Neue" panose="02000503000000020004" pitchFamily="2" charset="0"/>
               <a:cs typeface="Helvetica Neue" panose="02000503000000020004" pitchFamily="2" charset="0"/>
@@ -16091,7 +16328,12 @@
             <p:ph type="body" sz="quarter" idx="151"/>
           </p:nvPr>
         </p:nvSpPr>
-        <p:spPr/>
+        <p:spPr>
+          <a:xfrm>
+            <a:off x="5343525" y="3015740"/>
+            <a:ext cx="29546550" cy="1697355"/>
+          </a:xfrm>
+        </p:spPr>
         <p:txBody>
           <a:bodyPr>
             <a:normAutofit fontScale="92500"/>
@@ -16158,13 +16400,20 @@
             <p:ph type="body" sz="quarter" idx="153"/>
           </p:nvPr>
         </p:nvSpPr>
-        <p:spPr/>
+        <p:spPr>
+          <a:xfrm>
+            <a:off x="5343525" y="864850"/>
+            <a:ext cx="29546550" cy="2077738"/>
+          </a:xfrm>
+        </p:spPr>
         <p:txBody>
-          <a:bodyPr/>
+          <a:bodyPr>
+            <a:normAutofit fontScale="92500" lnSpcReduction="10000"/>
+          </a:bodyPr>
           <a:lstStyle/>
           <a:p>
             <a:r>
-              <a:rPr lang="en-US" dirty="0">
+              <a:rPr lang="en-US" sz="15400" dirty="0">
                 <a:solidFill>
                   <a:schemeClr val="accent5">
                     <a:lumMod val="50000"/>
@@ -16172,6 +16421,301 @@
                 </a:solidFill>
               </a:rPr>
               <a:t>YOLO!</a:t>
+            </a:r>
+          </a:p>
+        </p:txBody>
+      </p:sp>
+      <p:pic>
+        <p:nvPicPr>
+          <p:cNvPr id="16" name="Graphic 15">
+            <a:extLst>
+              <a:ext uri="{FF2B5EF4-FFF2-40B4-BE49-F238E27FC236}">
+                <a16:creationId xmlns:a16="http://schemas.microsoft.com/office/drawing/2014/main" id="{0516DDA5-B5DF-A143-AA47-4E1546D4ED6D}"/>
+              </a:ext>
+            </a:extLst>
+          </p:cNvPr>
+          <p:cNvPicPr>
+            <a:picLocks noChangeAspect="1"/>
+          </p:cNvPicPr>
+          <p:nvPr/>
+        </p:nvPicPr>
+        <p:blipFill>
+          <a:blip r:embed="rId4">
+            <a:extLst>
+              <a:ext uri="{28A0092B-C50C-407E-A947-70E740481C1C}">
+                <a14:useLocalDpi xmlns:a14="http://schemas.microsoft.com/office/drawing/2010/main" val="0"/>
+              </a:ext>
+              <a:ext uri="{96DAC541-7B7A-43D3-8B79-37D633B846F1}">
+                <asvg:svgBlip xmlns:asvg="http://schemas.microsoft.com/office/drawing/2016/SVG/main" r:embed="rId5"/>
+              </a:ext>
+            </a:extLst>
+          </a:blip>
+          <a:stretch>
+            <a:fillRect/>
+          </a:stretch>
+        </p:blipFill>
+        <p:spPr>
+          <a:xfrm>
+            <a:off x="14050476" y="7847712"/>
+            <a:ext cx="4044217" cy="2696145"/>
+          </a:xfrm>
+          <a:prstGeom prst="rect">
+            <a:avLst/>
+          </a:prstGeom>
+        </p:spPr>
+      </p:pic>
+      <p:pic>
+        <p:nvPicPr>
+          <p:cNvPr id="18" name="Graphic 17">
+            <a:extLst>
+              <a:ext uri="{FF2B5EF4-FFF2-40B4-BE49-F238E27FC236}">
+                <a16:creationId xmlns:a16="http://schemas.microsoft.com/office/drawing/2014/main" id="{BDBDF0FD-EBC9-4949-8DCF-45E6741D5785}"/>
+              </a:ext>
+            </a:extLst>
+          </p:cNvPr>
+          <p:cNvPicPr>
+            <a:picLocks noChangeAspect="1"/>
+          </p:cNvPicPr>
+          <p:nvPr/>
+        </p:nvPicPr>
+        <p:blipFill>
+          <a:blip r:embed="rId6">
+            <a:extLst>
+              <a:ext uri="{28A0092B-C50C-407E-A947-70E740481C1C}">
+                <a14:useLocalDpi xmlns:a14="http://schemas.microsoft.com/office/drawing/2010/main" val="0"/>
+              </a:ext>
+              <a:ext uri="{96DAC541-7B7A-43D3-8B79-37D633B846F1}">
+                <asvg:svgBlip xmlns:asvg="http://schemas.microsoft.com/office/drawing/2016/SVG/main" r:embed="rId7"/>
+              </a:ext>
+            </a:extLst>
+          </a:blip>
+          <a:stretch>
+            <a:fillRect/>
+          </a:stretch>
+        </p:blipFill>
+        <p:spPr>
+          <a:xfrm>
+            <a:off x="18094693" y="7850260"/>
+            <a:ext cx="4044219" cy="2696145"/>
+          </a:xfrm>
+          <a:prstGeom prst="rect">
+            <a:avLst/>
+          </a:prstGeom>
+        </p:spPr>
+      </p:pic>
+      <p:pic>
+        <p:nvPicPr>
+          <p:cNvPr id="20" name="Graphic 19">
+            <a:extLst>
+              <a:ext uri="{FF2B5EF4-FFF2-40B4-BE49-F238E27FC236}">
+                <a16:creationId xmlns:a16="http://schemas.microsoft.com/office/drawing/2014/main" id="{31202E62-E73E-6E47-AB50-49C9040EF939}"/>
+              </a:ext>
+            </a:extLst>
+          </p:cNvPr>
+          <p:cNvPicPr>
+            <a:picLocks noChangeAspect="1"/>
+          </p:cNvPicPr>
+          <p:nvPr/>
+        </p:nvPicPr>
+        <p:blipFill>
+          <a:blip r:embed="rId8">
+            <a:extLst>
+              <a:ext uri="{28A0092B-C50C-407E-A947-70E740481C1C}">
+                <a14:useLocalDpi xmlns:a14="http://schemas.microsoft.com/office/drawing/2010/main" val="0"/>
+              </a:ext>
+              <a:ext uri="{96DAC541-7B7A-43D3-8B79-37D633B846F1}">
+                <asvg:svgBlip xmlns:asvg="http://schemas.microsoft.com/office/drawing/2016/SVG/main" r:embed="rId9"/>
+              </a:ext>
+            </a:extLst>
+          </a:blip>
+          <a:stretch>
+            <a:fillRect/>
+          </a:stretch>
+        </p:blipFill>
+        <p:spPr>
+          <a:xfrm>
+            <a:off x="22138912" y="7847712"/>
+            <a:ext cx="4044217" cy="2696145"/>
+          </a:xfrm>
+          <a:prstGeom prst="rect">
+            <a:avLst/>
+          </a:prstGeom>
+        </p:spPr>
+      </p:pic>
+      <p:sp>
+        <p:nvSpPr>
+          <p:cNvPr id="38" name="Text Placeholder 358">
+            <a:extLst>
+              <a:ext uri="{FF2B5EF4-FFF2-40B4-BE49-F238E27FC236}">
+                <a16:creationId xmlns:a16="http://schemas.microsoft.com/office/drawing/2014/main" id="{B0798DC3-4C24-B14F-9172-5AFF41BB9E04}"/>
+              </a:ext>
+            </a:extLst>
+          </p:cNvPr>
+          <p:cNvSpPr txBox="1">
+            <a:spLocks/>
+          </p:cNvSpPr>
+          <p:nvPr/>
+        </p:nvSpPr>
+        <p:spPr>
+          <a:xfrm>
+            <a:off x="14050476" y="11196986"/>
+            <a:ext cx="12132653" cy="923307"/>
+          </a:xfrm>
+          <a:prstGeom prst="rect">
+            <a:avLst/>
+          </a:prstGeom>
+        </p:spPr>
+        <p:txBody>
+          <a:bodyPr wrap="square" lIns="228589" tIns="228589" rIns="228589" bIns="228589">
+            <a:spAutoFit/>
+          </a:bodyPr>
+          <a:lstStyle>
+            <a:lvl1pPr marL="0" indent="0" algn="l" defTabSz="4023305" rtl="0" eaLnBrk="1" latinLnBrk="0" hangingPunct="1">
+              <a:spcBef>
+                <a:spcPct val="20000"/>
+              </a:spcBef>
+              <a:buFont typeface="Arial" pitchFamily="34" charset="0"/>
+              <a:buNone/>
+              <a:defRPr sz="2400" kern="1200">
+                <a:solidFill>
+                  <a:schemeClr val="accent5">
+                    <a:lumMod val="50000"/>
+                  </a:schemeClr>
+                </a:solidFill>
+                <a:latin typeface="Times New Roman" panose="02020603050405020304" pitchFamily="18" charset="0"/>
+                <a:ea typeface="+mn-ea"/>
+                <a:cs typeface="Times New Roman" panose="02020603050405020304" pitchFamily="18" charset="0"/>
+              </a:defRPr>
+            </a:lvl1pPr>
+            <a:lvl2pPr marL="1362056" indent="-523867" algn="l" defTabSz="4023305" rtl="0" eaLnBrk="1" latinLnBrk="0" hangingPunct="1">
+              <a:spcBef>
+                <a:spcPct val="20000"/>
+              </a:spcBef>
+              <a:buFont typeface="Arial" pitchFamily="34" charset="0"/>
+              <a:buChar char="–"/>
+              <a:defRPr sz="2292" kern="1200">
+                <a:solidFill>
+                  <a:schemeClr val="tx1"/>
+                </a:solidFill>
+                <a:latin typeface="Trebuchet MS" pitchFamily="34" charset="0"/>
+                <a:ea typeface="+mn-ea"/>
+                <a:cs typeface="+mn-cs"/>
+              </a:defRPr>
+            </a:lvl2pPr>
+            <a:lvl3pPr marL="1885924" indent="-523867" algn="l" defTabSz="4023305" rtl="0" eaLnBrk="1" latinLnBrk="0" hangingPunct="1">
+              <a:spcBef>
+                <a:spcPct val="20000"/>
+              </a:spcBef>
+              <a:buFont typeface="Arial" pitchFamily="34" charset="0"/>
+              <a:buChar char="•"/>
+              <a:defRPr sz="2292" kern="1200">
+                <a:solidFill>
+                  <a:schemeClr val="tx1"/>
+                </a:solidFill>
+                <a:latin typeface="Trebuchet MS" pitchFamily="34" charset="0"/>
+                <a:ea typeface="+mn-ea"/>
+                <a:cs typeface="+mn-cs"/>
+              </a:defRPr>
+            </a:lvl3pPr>
+            <a:lvl4pPr marL="2462179" indent="-576255" algn="l" defTabSz="4023305" rtl="0" eaLnBrk="1" latinLnBrk="0" hangingPunct="1">
+              <a:spcBef>
+                <a:spcPct val="20000"/>
+              </a:spcBef>
+              <a:buFont typeface="Arial" pitchFamily="34" charset="0"/>
+              <a:buChar char="–"/>
+              <a:defRPr sz="2292" kern="1200">
+                <a:solidFill>
+                  <a:schemeClr val="tx1"/>
+                </a:solidFill>
+                <a:latin typeface="Trebuchet MS" pitchFamily="34" charset="0"/>
+                <a:ea typeface="+mn-ea"/>
+                <a:cs typeface="+mn-cs"/>
+              </a:defRPr>
+            </a:lvl4pPr>
+            <a:lvl5pPr marL="2881273" indent="-419094" algn="l" defTabSz="4023305" rtl="0" eaLnBrk="1" latinLnBrk="0" hangingPunct="1">
+              <a:spcBef>
+                <a:spcPct val="20000"/>
+              </a:spcBef>
+              <a:buFont typeface="Arial" pitchFamily="34" charset="0"/>
+              <a:buChar char="»"/>
+              <a:defRPr sz="2292" kern="1200">
+                <a:solidFill>
+                  <a:schemeClr val="tx1"/>
+                </a:solidFill>
+                <a:latin typeface="Trebuchet MS" pitchFamily="34" charset="0"/>
+                <a:ea typeface="+mn-ea"/>
+                <a:cs typeface="+mn-cs"/>
+              </a:defRPr>
+            </a:lvl5pPr>
+            <a:lvl6pPr marL="11064090" indent="-1005827" algn="l" defTabSz="4023305" rtl="0" eaLnBrk="1" latinLnBrk="0" hangingPunct="1">
+              <a:spcBef>
+                <a:spcPct val="20000"/>
+              </a:spcBef>
+              <a:buFont typeface="Arial" pitchFamily="34" charset="0"/>
+              <a:buChar char="•"/>
+              <a:defRPr sz="8800" kern="1200">
+                <a:solidFill>
+                  <a:schemeClr val="tx1"/>
+                </a:solidFill>
+                <a:latin typeface="+mn-lt"/>
+                <a:ea typeface="+mn-ea"/>
+                <a:cs typeface="+mn-cs"/>
+              </a:defRPr>
+            </a:lvl6pPr>
+            <a:lvl7pPr marL="13075741" indent="-1005827" algn="l" defTabSz="4023305" rtl="0" eaLnBrk="1" latinLnBrk="0" hangingPunct="1">
+              <a:spcBef>
+                <a:spcPct val="20000"/>
+              </a:spcBef>
+              <a:buFont typeface="Arial" pitchFamily="34" charset="0"/>
+              <a:buChar char="•"/>
+              <a:defRPr sz="8800" kern="1200">
+                <a:solidFill>
+                  <a:schemeClr val="tx1"/>
+                </a:solidFill>
+                <a:latin typeface="+mn-lt"/>
+                <a:ea typeface="+mn-ea"/>
+                <a:cs typeface="+mn-cs"/>
+              </a:defRPr>
+            </a:lvl7pPr>
+            <a:lvl8pPr marL="15087394" indent="-1005827" algn="l" defTabSz="4023305" rtl="0" eaLnBrk="1" latinLnBrk="0" hangingPunct="1">
+              <a:spcBef>
+                <a:spcPct val="20000"/>
+              </a:spcBef>
+              <a:buFont typeface="Arial" pitchFamily="34" charset="0"/>
+              <a:buChar char="•"/>
+              <a:defRPr sz="8800" kern="1200">
+                <a:solidFill>
+                  <a:schemeClr val="tx1"/>
+                </a:solidFill>
+                <a:latin typeface="+mn-lt"/>
+                <a:ea typeface="+mn-ea"/>
+                <a:cs typeface="+mn-cs"/>
+              </a:defRPr>
+            </a:lvl8pPr>
+            <a:lvl9pPr marL="17099047" indent="-1005827" algn="l" defTabSz="4023305" rtl="0" eaLnBrk="1" latinLnBrk="0" hangingPunct="1">
+              <a:spcBef>
+                <a:spcPct val="20000"/>
+              </a:spcBef>
+              <a:buFont typeface="Arial" pitchFamily="34" charset="0"/>
+              <a:buChar char="•"/>
+              <a:defRPr sz="8800" kern="1200">
+                <a:solidFill>
+                  <a:schemeClr val="tx1"/>
+                </a:solidFill>
+                <a:latin typeface="+mn-lt"/>
+                <a:ea typeface="+mn-ea"/>
+                <a:cs typeface="+mn-cs"/>
+              </a:defRPr>
+            </a:lvl9pPr>
+          </a:lstStyle>
+          <a:p>
+            <a:r>
+              <a:rPr lang="en-US" sz="3000" b="1" dirty="0">
+                <a:latin typeface="Helvetica Neue" panose="02000503000000020004" pitchFamily="2" charset="0"/>
+                <a:ea typeface="Helvetica Neue" panose="02000503000000020004" pitchFamily="2" charset="0"/>
+                <a:cs typeface="Helvetica Neue" panose="02000503000000020004" pitchFamily="2" charset="0"/>
+              </a:rPr>
+              <a:t>Multi-Class vs. Single-Class Detection</a:t>
             </a:r>
           </a:p>
         </p:txBody>

--- a/poster.pptx
+++ b/poster.pptx
@@ -3619,6 +3619,1041 @@
 </p:sldLayout>
 </file>
 
+<file path=ppt/slideLayouts/slideLayout4.xml><?xml version="1.0" encoding="utf-8"?>
+<p:sldLayout xmlns:a="http://schemas.openxmlformats.org/drawingml/2006/main" xmlns:r="http://schemas.openxmlformats.org/officeDocument/2006/relationships" xmlns:p="http://schemas.openxmlformats.org/presentationml/2006/main" userDrawn="1">
+  <p:cSld name="Standard 3 columns">
+    <p:spTree>
+      <p:nvGrpSpPr>
+        <p:cNvPr id="1" name=""/>
+        <p:cNvGrpSpPr/>
+        <p:nvPr/>
+      </p:nvGrpSpPr>
+      <p:grpSpPr>
+        <a:xfrm>
+          <a:off x="0" y="0"/>
+          <a:ext cx="0" cy="0"/>
+          <a:chOff x="0" y="0"/>
+          <a:chExt cx="0" cy="0"/>
+        </a:xfrm>
+      </p:grpSpPr>
+      <p:sp>
+        <p:nvSpPr>
+          <p:cNvPr id="4" name="Text Placeholder 3"/>
+          <p:cNvSpPr>
+            <a:spLocks noGrp="1"/>
+          </p:cNvSpPr>
+          <p:nvPr>
+            <p:ph type="body" sz="quarter" idx="10" hasCustomPrompt="1"/>
+          </p:nvPr>
+        </p:nvSpPr>
+        <p:spPr>
+          <a:xfrm>
+            <a:off x="828837" y="7129168"/>
+            <a:ext cx="12458671" cy="830975"/>
+          </a:xfrm>
+          <a:prstGeom prst="rect">
+            <a:avLst/>
+          </a:prstGeom>
+        </p:spPr>
+        <p:txBody>
+          <a:bodyPr wrap="square" lIns="228589" tIns="228589" rIns="228589" bIns="228589">
+            <a:spAutoFit/>
+          </a:bodyPr>
+          <a:lstStyle>
+            <a:lvl1pPr marL="0" indent="0">
+              <a:buNone/>
+              <a:defRPr sz="2400">
+                <a:solidFill>
+                  <a:schemeClr val="accent5">
+                    <a:lumMod val="50000"/>
+                  </a:schemeClr>
+                </a:solidFill>
+                <a:latin typeface="Times New Roman" panose="02020603050405020304" pitchFamily="18" charset="0"/>
+                <a:cs typeface="Times New Roman" panose="02020603050405020304" pitchFamily="18" charset="0"/>
+              </a:defRPr>
+            </a:lvl1pPr>
+            <a:lvl2pPr marL="1362056" indent="-523867">
+              <a:defRPr sz="2292">
+                <a:latin typeface="Trebuchet MS" pitchFamily="34" charset="0"/>
+              </a:defRPr>
+            </a:lvl2pPr>
+            <a:lvl3pPr marL="1885924" indent="-523867">
+              <a:defRPr sz="2292">
+                <a:latin typeface="Trebuchet MS" pitchFamily="34" charset="0"/>
+              </a:defRPr>
+            </a:lvl3pPr>
+            <a:lvl4pPr marL="2462179" indent="-576255">
+              <a:defRPr sz="2292">
+                <a:latin typeface="Trebuchet MS" pitchFamily="34" charset="0"/>
+              </a:defRPr>
+            </a:lvl4pPr>
+            <a:lvl5pPr marL="2881273" indent="-419094">
+              <a:defRPr sz="2292">
+                <a:latin typeface="Trebuchet MS" pitchFamily="34" charset="0"/>
+              </a:defRPr>
+            </a:lvl5pPr>
+          </a:lstStyle>
+          <a:p>
+            <a:pPr lvl="0"/>
+            <a:r>
+              <a:rPr lang="en-US" dirty="0"/>
+              <a:t>Type in or paste your text here</a:t>
+            </a:r>
+          </a:p>
+        </p:txBody>
+      </p:sp>
+      <p:sp>
+        <p:nvSpPr>
+          <p:cNvPr id="6" name="Text Placeholder 5"/>
+          <p:cNvSpPr>
+            <a:spLocks noGrp="1"/>
+          </p:cNvSpPr>
+          <p:nvPr>
+            <p:ph type="body" sz="quarter" idx="11" hasCustomPrompt="1"/>
+          </p:nvPr>
+        </p:nvSpPr>
+        <p:spPr>
+          <a:xfrm>
+            <a:off x="845477" y="6428178"/>
+            <a:ext cx="12442032" cy="706660"/>
+          </a:xfrm>
+          <a:prstGeom prst="rect">
+            <a:avLst/>
+          </a:prstGeom>
+          <a:noFill/>
+        </p:spPr>
+        <p:txBody>
+          <a:bodyPr wrap="square" lIns="91436" tIns="91436" rIns="91436" bIns="91436" anchor="ctr" anchorCtr="0">
+            <a:spAutoFit/>
+          </a:bodyPr>
+          <a:lstStyle>
+            <a:lvl1pPr marL="0" indent="0" algn="ctr">
+              <a:buNone/>
+              <a:defRPr sz="3392" b="1" u="sng" baseline="0">
+                <a:solidFill>
+                  <a:schemeClr val="accent5">
+                    <a:lumMod val="50000"/>
+                  </a:schemeClr>
+                </a:solidFill>
+              </a:defRPr>
+            </a:lvl1pPr>
+          </a:lstStyle>
+          <a:p>
+            <a:pPr lvl="0"/>
+            <a:r>
+              <a:rPr lang="en-US" dirty="0"/>
+              <a:t>(click to add) INTRODUCTION or ABSTRACT</a:t>
+            </a:r>
+          </a:p>
+        </p:txBody>
+      </p:sp>
+      <p:sp>
+        <p:nvSpPr>
+          <p:cNvPr id="19" name="Text Placeholder 3"/>
+          <p:cNvSpPr>
+            <a:spLocks noGrp="1"/>
+          </p:cNvSpPr>
+          <p:nvPr>
+            <p:ph type="body" sz="quarter" idx="19" hasCustomPrompt="1"/>
+          </p:nvPr>
+        </p:nvSpPr>
+        <p:spPr>
+          <a:xfrm>
+            <a:off x="845477" y="21840525"/>
+            <a:ext cx="12460125" cy="830975"/>
+          </a:xfrm>
+          <a:prstGeom prst="rect">
+            <a:avLst/>
+          </a:prstGeom>
+        </p:spPr>
+        <p:txBody>
+          <a:bodyPr wrap="square" lIns="228589" tIns="228589" rIns="228589" bIns="228589">
+            <a:spAutoFit/>
+          </a:bodyPr>
+          <a:lstStyle>
+            <a:lvl1pPr marL="0" indent="0">
+              <a:buNone/>
+              <a:defRPr sz="2400">
+                <a:solidFill>
+                  <a:schemeClr val="accent5">
+                    <a:lumMod val="50000"/>
+                  </a:schemeClr>
+                </a:solidFill>
+                <a:latin typeface="Times New Roman" panose="02020603050405020304" pitchFamily="18" charset="0"/>
+                <a:cs typeface="Times New Roman" panose="02020603050405020304" pitchFamily="18" charset="0"/>
+              </a:defRPr>
+            </a:lvl1pPr>
+            <a:lvl2pPr marL="1362056" indent="-523867">
+              <a:defRPr sz="2292">
+                <a:latin typeface="Trebuchet MS" pitchFamily="34" charset="0"/>
+              </a:defRPr>
+            </a:lvl2pPr>
+            <a:lvl3pPr marL="1885924" indent="-523867">
+              <a:defRPr sz="2292">
+                <a:latin typeface="Trebuchet MS" pitchFamily="34" charset="0"/>
+              </a:defRPr>
+            </a:lvl3pPr>
+            <a:lvl4pPr marL="2462179" indent="-576255">
+              <a:defRPr sz="2292">
+                <a:latin typeface="Trebuchet MS" pitchFamily="34" charset="0"/>
+              </a:defRPr>
+            </a:lvl4pPr>
+            <a:lvl5pPr marL="2881273" indent="-419094">
+              <a:defRPr sz="2292">
+                <a:latin typeface="Trebuchet MS" pitchFamily="34" charset="0"/>
+              </a:defRPr>
+            </a:lvl5pPr>
+          </a:lstStyle>
+          <a:p>
+            <a:pPr lvl="0"/>
+            <a:r>
+              <a:rPr lang="en-US" dirty="0"/>
+              <a:t>Type in or paste your text here</a:t>
+            </a:r>
+          </a:p>
+        </p:txBody>
+      </p:sp>
+      <p:sp>
+        <p:nvSpPr>
+          <p:cNvPr id="20" name="Text Placeholder 5"/>
+          <p:cNvSpPr>
+            <a:spLocks noGrp="1"/>
+          </p:cNvSpPr>
+          <p:nvPr>
+            <p:ph type="body" sz="quarter" idx="20" hasCustomPrompt="1"/>
+          </p:nvPr>
+        </p:nvSpPr>
+        <p:spPr>
+          <a:xfrm>
+            <a:off x="863574" y="21067020"/>
+            <a:ext cx="12442031" cy="706660"/>
+          </a:xfrm>
+          <a:prstGeom prst="rect">
+            <a:avLst/>
+          </a:prstGeom>
+          <a:noFill/>
+        </p:spPr>
+        <p:txBody>
+          <a:bodyPr wrap="square" lIns="91436" tIns="91436" rIns="91436" bIns="91436" anchor="ctr" anchorCtr="0">
+            <a:spAutoFit/>
+          </a:bodyPr>
+          <a:lstStyle>
+            <a:lvl1pPr marL="0" indent="0" algn="ctr">
+              <a:buNone/>
+              <a:defRPr sz="3392" b="1" u="sng" baseline="0">
+                <a:solidFill>
+                  <a:schemeClr val="accent5">
+                    <a:lumMod val="50000"/>
+                  </a:schemeClr>
+                </a:solidFill>
+              </a:defRPr>
+            </a:lvl1pPr>
+          </a:lstStyle>
+          <a:p>
+            <a:pPr lvl="0"/>
+            <a:r>
+              <a:rPr lang="en-US" dirty="0"/>
+              <a:t>(click to add)  OBJECTIVES</a:t>
+            </a:r>
+          </a:p>
+        </p:txBody>
+      </p:sp>
+      <p:sp>
+        <p:nvSpPr>
+          <p:cNvPr id="21" name="Text Placeholder 3"/>
+          <p:cNvSpPr>
+            <a:spLocks noGrp="1"/>
+          </p:cNvSpPr>
+          <p:nvPr>
+            <p:ph type="body" sz="quarter" idx="21" hasCustomPrompt="1"/>
+          </p:nvPr>
+        </p:nvSpPr>
+        <p:spPr>
+          <a:xfrm>
+            <a:off x="13891420" y="25828838"/>
+            <a:ext cx="12440573" cy="830975"/>
+          </a:xfrm>
+          <a:prstGeom prst="rect">
+            <a:avLst/>
+          </a:prstGeom>
+        </p:spPr>
+        <p:txBody>
+          <a:bodyPr wrap="square" lIns="228589" tIns="228589" rIns="228589" bIns="228589">
+            <a:spAutoFit/>
+          </a:bodyPr>
+          <a:lstStyle>
+            <a:lvl1pPr marL="0" indent="0">
+              <a:buNone/>
+              <a:defRPr sz="2400">
+                <a:solidFill>
+                  <a:schemeClr val="accent5">
+                    <a:lumMod val="50000"/>
+                  </a:schemeClr>
+                </a:solidFill>
+                <a:latin typeface="Times New Roman" panose="02020603050405020304" pitchFamily="18" charset="0"/>
+                <a:cs typeface="Times New Roman" panose="02020603050405020304" pitchFamily="18" charset="0"/>
+              </a:defRPr>
+            </a:lvl1pPr>
+            <a:lvl2pPr marL="1362056" indent="-523867">
+              <a:defRPr sz="2292">
+                <a:latin typeface="Trebuchet MS" pitchFamily="34" charset="0"/>
+              </a:defRPr>
+            </a:lvl2pPr>
+            <a:lvl3pPr marL="1885924" indent="-523867">
+              <a:defRPr sz="2292">
+                <a:latin typeface="Trebuchet MS" pitchFamily="34" charset="0"/>
+              </a:defRPr>
+            </a:lvl3pPr>
+            <a:lvl4pPr marL="2462179" indent="-576255">
+              <a:defRPr sz="2292">
+                <a:latin typeface="Trebuchet MS" pitchFamily="34" charset="0"/>
+              </a:defRPr>
+            </a:lvl4pPr>
+            <a:lvl5pPr marL="2881273" indent="-419094">
+              <a:defRPr sz="2292">
+                <a:latin typeface="Trebuchet MS" pitchFamily="34" charset="0"/>
+              </a:defRPr>
+            </a:lvl5pPr>
+          </a:lstStyle>
+          <a:p>
+            <a:pPr lvl="0"/>
+            <a:r>
+              <a:rPr lang="en-US" dirty="0"/>
+              <a:t>Type in or paste your text here</a:t>
+            </a:r>
+          </a:p>
+        </p:txBody>
+      </p:sp>
+      <p:sp>
+        <p:nvSpPr>
+          <p:cNvPr id="22" name="Text Placeholder 5"/>
+          <p:cNvSpPr>
+            <a:spLocks noGrp="1"/>
+          </p:cNvSpPr>
+          <p:nvPr>
+            <p:ph type="body" sz="quarter" idx="22" hasCustomPrompt="1"/>
+          </p:nvPr>
+        </p:nvSpPr>
+        <p:spPr>
+          <a:xfrm>
+            <a:off x="13891420" y="25137550"/>
+            <a:ext cx="12440573" cy="706660"/>
+          </a:xfrm>
+          <a:prstGeom prst="rect">
+            <a:avLst/>
+          </a:prstGeom>
+          <a:noFill/>
+        </p:spPr>
+        <p:txBody>
+          <a:bodyPr wrap="square" lIns="91436" tIns="91436" rIns="91436" bIns="91436" anchor="ctr" anchorCtr="0">
+            <a:spAutoFit/>
+          </a:bodyPr>
+          <a:lstStyle>
+            <a:lvl1pPr marL="0" indent="0" algn="ctr">
+              <a:buNone/>
+              <a:defRPr sz="3392" b="1" u="sng" baseline="0">
+                <a:solidFill>
+                  <a:schemeClr val="accent5">
+                    <a:lumMod val="50000"/>
+                  </a:schemeClr>
+                </a:solidFill>
+              </a:defRPr>
+            </a:lvl1pPr>
+          </a:lstStyle>
+          <a:p>
+            <a:pPr lvl="0"/>
+            <a:r>
+              <a:rPr lang="en-US" dirty="0"/>
+              <a:t>(click to add)  MATERIALS &amp; METHODS</a:t>
+            </a:r>
+          </a:p>
+        </p:txBody>
+      </p:sp>
+      <p:sp>
+        <p:nvSpPr>
+          <p:cNvPr id="23" name="Text Placeholder 3"/>
+          <p:cNvSpPr>
+            <a:spLocks noGrp="1"/>
+          </p:cNvSpPr>
+          <p:nvPr>
+            <p:ph type="body" sz="quarter" idx="23" hasCustomPrompt="1"/>
+          </p:nvPr>
+        </p:nvSpPr>
+        <p:spPr>
+          <a:xfrm>
+            <a:off x="13898697" y="7138870"/>
+            <a:ext cx="12440573" cy="830975"/>
+          </a:xfrm>
+          <a:prstGeom prst="rect">
+            <a:avLst/>
+          </a:prstGeom>
+        </p:spPr>
+        <p:txBody>
+          <a:bodyPr wrap="square" lIns="228589" tIns="228589" rIns="228589" bIns="228589">
+            <a:spAutoFit/>
+          </a:bodyPr>
+          <a:lstStyle>
+            <a:lvl1pPr marL="0" indent="0">
+              <a:buNone/>
+              <a:defRPr sz="2400">
+                <a:solidFill>
+                  <a:schemeClr val="accent5">
+                    <a:lumMod val="50000"/>
+                  </a:schemeClr>
+                </a:solidFill>
+                <a:latin typeface="Times New Roman" panose="02020603050405020304" pitchFamily="18" charset="0"/>
+                <a:cs typeface="Times New Roman" panose="02020603050405020304" pitchFamily="18" charset="0"/>
+              </a:defRPr>
+            </a:lvl1pPr>
+            <a:lvl2pPr marL="1362056" indent="-523867">
+              <a:defRPr sz="2292">
+                <a:latin typeface="Trebuchet MS" pitchFamily="34" charset="0"/>
+              </a:defRPr>
+            </a:lvl2pPr>
+            <a:lvl3pPr marL="1885924" indent="-523867">
+              <a:defRPr sz="2292">
+                <a:latin typeface="Trebuchet MS" pitchFamily="34" charset="0"/>
+              </a:defRPr>
+            </a:lvl3pPr>
+            <a:lvl4pPr marL="2462179" indent="-576255">
+              <a:defRPr sz="2292">
+                <a:latin typeface="Trebuchet MS" pitchFamily="34" charset="0"/>
+              </a:defRPr>
+            </a:lvl4pPr>
+            <a:lvl5pPr marL="2881273" indent="-419094">
+              <a:defRPr sz="2292">
+                <a:latin typeface="Trebuchet MS" pitchFamily="34" charset="0"/>
+              </a:defRPr>
+            </a:lvl5pPr>
+          </a:lstStyle>
+          <a:p>
+            <a:pPr lvl="0"/>
+            <a:r>
+              <a:rPr lang="en-US" dirty="0"/>
+              <a:t>Type in or paste your text here</a:t>
+            </a:r>
+          </a:p>
+        </p:txBody>
+      </p:sp>
+      <p:sp>
+        <p:nvSpPr>
+          <p:cNvPr id="24" name="Text Placeholder 5"/>
+          <p:cNvSpPr>
+            <a:spLocks noGrp="1"/>
+          </p:cNvSpPr>
+          <p:nvPr>
+            <p:ph type="body" sz="quarter" idx="24" hasCustomPrompt="1"/>
+          </p:nvPr>
+        </p:nvSpPr>
+        <p:spPr>
+          <a:xfrm>
+            <a:off x="13892878" y="6428178"/>
+            <a:ext cx="12447852" cy="706660"/>
+          </a:xfrm>
+          <a:prstGeom prst="rect">
+            <a:avLst/>
+          </a:prstGeom>
+          <a:noFill/>
+        </p:spPr>
+        <p:txBody>
+          <a:bodyPr wrap="square" lIns="91436" tIns="91436" rIns="91436" bIns="91436" anchor="ctr" anchorCtr="0">
+            <a:spAutoFit/>
+          </a:bodyPr>
+          <a:lstStyle>
+            <a:lvl1pPr marL="0" indent="0" algn="ctr">
+              <a:buNone/>
+              <a:tabLst/>
+              <a:defRPr sz="3392" b="1" u="sng" baseline="0">
+                <a:solidFill>
+                  <a:schemeClr val="accent5">
+                    <a:lumMod val="50000"/>
+                  </a:schemeClr>
+                </a:solidFill>
+              </a:defRPr>
+            </a:lvl1pPr>
+          </a:lstStyle>
+          <a:p>
+            <a:pPr lvl="0"/>
+            <a:r>
+              <a:rPr lang="en-US" dirty="0"/>
+              <a:t>(click to add)  RESULTS</a:t>
+            </a:r>
+          </a:p>
+        </p:txBody>
+      </p:sp>
+      <p:sp>
+        <p:nvSpPr>
+          <p:cNvPr id="25" name="Text Placeholder 5"/>
+          <p:cNvSpPr>
+            <a:spLocks noGrp="1"/>
+          </p:cNvSpPr>
+          <p:nvPr>
+            <p:ph type="body" sz="quarter" idx="25" hasCustomPrompt="1"/>
+          </p:nvPr>
+        </p:nvSpPr>
+        <p:spPr>
+          <a:xfrm>
+            <a:off x="26946097" y="6428178"/>
+            <a:ext cx="12444693" cy="706660"/>
+          </a:xfrm>
+          <a:prstGeom prst="rect">
+            <a:avLst/>
+          </a:prstGeom>
+          <a:noFill/>
+        </p:spPr>
+        <p:txBody>
+          <a:bodyPr wrap="square" lIns="91436" tIns="91436" rIns="91436" bIns="91436" anchor="ctr" anchorCtr="0">
+            <a:spAutoFit/>
+          </a:bodyPr>
+          <a:lstStyle>
+            <a:lvl1pPr marL="0" indent="0" algn="ctr">
+              <a:buNone/>
+              <a:defRPr sz="3392" b="1" u="sng" baseline="0">
+                <a:solidFill>
+                  <a:schemeClr val="accent5">
+                    <a:lumMod val="50000"/>
+                  </a:schemeClr>
+                </a:solidFill>
+              </a:defRPr>
+            </a:lvl1pPr>
+          </a:lstStyle>
+          <a:p>
+            <a:pPr lvl="0"/>
+            <a:r>
+              <a:rPr lang="en-US" dirty="0"/>
+              <a:t>(click to add)  CONCLUSIONS</a:t>
+            </a:r>
+          </a:p>
+        </p:txBody>
+      </p:sp>
+      <p:sp>
+        <p:nvSpPr>
+          <p:cNvPr id="26" name="Text Placeholder 3"/>
+          <p:cNvSpPr>
+            <a:spLocks noGrp="1"/>
+          </p:cNvSpPr>
+          <p:nvPr>
+            <p:ph type="body" sz="quarter" idx="26" hasCustomPrompt="1"/>
+          </p:nvPr>
+        </p:nvSpPr>
+        <p:spPr>
+          <a:xfrm>
+            <a:off x="26946097" y="7129168"/>
+            <a:ext cx="12444693" cy="830975"/>
+          </a:xfrm>
+          <a:prstGeom prst="rect">
+            <a:avLst/>
+          </a:prstGeom>
+        </p:spPr>
+        <p:txBody>
+          <a:bodyPr wrap="square" lIns="228589" tIns="228589" rIns="228589" bIns="228589">
+            <a:spAutoFit/>
+          </a:bodyPr>
+          <a:lstStyle>
+            <a:lvl1pPr marL="0" indent="0">
+              <a:buNone/>
+              <a:defRPr sz="2400">
+                <a:solidFill>
+                  <a:schemeClr val="accent5">
+                    <a:lumMod val="50000"/>
+                  </a:schemeClr>
+                </a:solidFill>
+                <a:latin typeface="Times New Roman" panose="02020603050405020304" pitchFamily="18" charset="0"/>
+                <a:cs typeface="Times New Roman" panose="02020603050405020304" pitchFamily="18" charset="0"/>
+              </a:defRPr>
+            </a:lvl1pPr>
+            <a:lvl2pPr marL="1362056" indent="-523867">
+              <a:defRPr sz="2292">
+                <a:latin typeface="Trebuchet MS" pitchFamily="34" charset="0"/>
+              </a:defRPr>
+            </a:lvl2pPr>
+            <a:lvl3pPr marL="1885924" indent="-523867">
+              <a:defRPr sz="2292">
+                <a:latin typeface="Trebuchet MS" pitchFamily="34" charset="0"/>
+              </a:defRPr>
+            </a:lvl3pPr>
+            <a:lvl4pPr marL="2462179" indent="-576255">
+              <a:defRPr sz="2292">
+                <a:latin typeface="Trebuchet MS" pitchFamily="34" charset="0"/>
+              </a:defRPr>
+            </a:lvl4pPr>
+            <a:lvl5pPr marL="2881273" indent="-419094">
+              <a:defRPr sz="2292">
+                <a:latin typeface="Trebuchet MS" pitchFamily="34" charset="0"/>
+              </a:defRPr>
+            </a:lvl5pPr>
+          </a:lstStyle>
+          <a:p>
+            <a:pPr lvl="0"/>
+            <a:r>
+              <a:rPr lang="en-US" dirty="0"/>
+              <a:t>Type in or paste your text here</a:t>
+            </a:r>
+          </a:p>
+        </p:txBody>
+      </p:sp>
+      <p:sp>
+        <p:nvSpPr>
+          <p:cNvPr id="27" name="Text Placeholder 5"/>
+          <p:cNvSpPr>
+            <a:spLocks noGrp="1"/>
+          </p:cNvSpPr>
+          <p:nvPr>
+            <p:ph type="body" sz="quarter" idx="27" hasCustomPrompt="1"/>
+          </p:nvPr>
+        </p:nvSpPr>
+        <p:spPr>
+          <a:xfrm>
+            <a:off x="26946097" y="21027778"/>
+            <a:ext cx="12444693" cy="706660"/>
+          </a:xfrm>
+          <a:prstGeom prst="rect">
+            <a:avLst/>
+          </a:prstGeom>
+          <a:noFill/>
+        </p:spPr>
+        <p:txBody>
+          <a:bodyPr wrap="square" lIns="91436" tIns="91436" rIns="91436" bIns="91436" anchor="ctr" anchorCtr="0">
+            <a:spAutoFit/>
+          </a:bodyPr>
+          <a:lstStyle>
+            <a:lvl1pPr marL="0" indent="0" algn="ctr">
+              <a:buNone/>
+              <a:defRPr sz="3392" b="1" u="sng" baseline="0">
+                <a:solidFill>
+                  <a:schemeClr val="accent5">
+                    <a:lumMod val="50000"/>
+                  </a:schemeClr>
+                </a:solidFill>
+              </a:defRPr>
+            </a:lvl1pPr>
+          </a:lstStyle>
+          <a:p>
+            <a:pPr lvl="0"/>
+            <a:r>
+              <a:rPr lang="en-US" dirty="0"/>
+              <a:t>(click to add)  REFERENCES</a:t>
+            </a:r>
+          </a:p>
+        </p:txBody>
+      </p:sp>
+      <p:sp>
+        <p:nvSpPr>
+          <p:cNvPr id="28" name="Text Placeholder 3"/>
+          <p:cNvSpPr>
+            <a:spLocks noGrp="1"/>
+          </p:cNvSpPr>
+          <p:nvPr>
+            <p:ph type="body" sz="quarter" idx="28" hasCustomPrompt="1"/>
+          </p:nvPr>
+        </p:nvSpPr>
+        <p:spPr>
+          <a:xfrm>
+            <a:off x="26941486" y="21728765"/>
+            <a:ext cx="12449306" cy="830975"/>
+          </a:xfrm>
+          <a:prstGeom prst="rect">
+            <a:avLst/>
+          </a:prstGeom>
+        </p:spPr>
+        <p:txBody>
+          <a:bodyPr wrap="square" lIns="228589" tIns="228589" rIns="228589" bIns="228589">
+            <a:spAutoFit/>
+          </a:bodyPr>
+          <a:lstStyle>
+            <a:lvl1pPr marL="0" indent="0">
+              <a:buNone/>
+              <a:defRPr sz="2400">
+                <a:solidFill>
+                  <a:schemeClr val="accent5">
+                    <a:lumMod val="50000"/>
+                  </a:schemeClr>
+                </a:solidFill>
+                <a:latin typeface="Times New Roman" panose="02020603050405020304" pitchFamily="18" charset="0"/>
+                <a:cs typeface="Times New Roman" panose="02020603050405020304" pitchFamily="18" charset="0"/>
+              </a:defRPr>
+            </a:lvl1pPr>
+            <a:lvl2pPr marL="1362056" indent="-523867">
+              <a:defRPr sz="2292">
+                <a:latin typeface="Trebuchet MS" pitchFamily="34" charset="0"/>
+              </a:defRPr>
+            </a:lvl2pPr>
+            <a:lvl3pPr marL="1885924" indent="-523867">
+              <a:defRPr sz="2292">
+                <a:latin typeface="Trebuchet MS" pitchFamily="34" charset="0"/>
+              </a:defRPr>
+            </a:lvl3pPr>
+            <a:lvl4pPr marL="2462179" indent="-576255">
+              <a:defRPr sz="2292">
+                <a:latin typeface="Trebuchet MS" pitchFamily="34" charset="0"/>
+              </a:defRPr>
+            </a:lvl4pPr>
+            <a:lvl5pPr marL="2881273" indent="-419094">
+              <a:defRPr sz="2292">
+                <a:latin typeface="Trebuchet MS" pitchFamily="34" charset="0"/>
+              </a:defRPr>
+            </a:lvl5pPr>
+          </a:lstStyle>
+          <a:p>
+            <a:pPr lvl="0"/>
+            <a:r>
+              <a:rPr lang="en-US" dirty="0"/>
+              <a:t>Type in or paste your text here</a:t>
+            </a:r>
+          </a:p>
+        </p:txBody>
+      </p:sp>
+      <p:sp>
+        <p:nvSpPr>
+          <p:cNvPr id="29" name="Text Placeholder 5"/>
+          <p:cNvSpPr>
+            <a:spLocks noGrp="1"/>
+          </p:cNvSpPr>
+          <p:nvPr>
+            <p:ph type="body" sz="quarter" idx="29" hasCustomPrompt="1"/>
+          </p:nvPr>
+        </p:nvSpPr>
+        <p:spPr>
+          <a:xfrm>
+            <a:off x="26946097" y="31378210"/>
+            <a:ext cx="12444693" cy="706660"/>
+          </a:xfrm>
+          <a:prstGeom prst="rect">
+            <a:avLst/>
+          </a:prstGeom>
+          <a:noFill/>
+        </p:spPr>
+        <p:txBody>
+          <a:bodyPr wrap="square" lIns="91436" tIns="91436" rIns="91436" bIns="91436" anchor="ctr" anchorCtr="0">
+            <a:spAutoFit/>
+          </a:bodyPr>
+          <a:lstStyle>
+            <a:lvl1pPr marL="0" indent="0" algn="ctr">
+              <a:buNone/>
+              <a:defRPr sz="3392" b="1" u="sng" baseline="0">
+                <a:solidFill>
+                  <a:schemeClr val="accent5">
+                    <a:lumMod val="50000"/>
+                  </a:schemeClr>
+                </a:solidFill>
+              </a:defRPr>
+            </a:lvl1pPr>
+          </a:lstStyle>
+          <a:p>
+            <a:pPr lvl="0"/>
+            <a:r>
+              <a:rPr lang="en-US" dirty="0"/>
+              <a:t>(click to add)  ACKNOWLEDGEMENTS  or  CONTACT</a:t>
+            </a:r>
+          </a:p>
+        </p:txBody>
+      </p:sp>
+      <p:sp>
+        <p:nvSpPr>
+          <p:cNvPr id="30" name="Text Placeholder 3"/>
+          <p:cNvSpPr>
+            <a:spLocks noGrp="1"/>
+          </p:cNvSpPr>
+          <p:nvPr>
+            <p:ph type="body" sz="quarter" idx="30" hasCustomPrompt="1"/>
+          </p:nvPr>
+        </p:nvSpPr>
+        <p:spPr>
+          <a:xfrm>
+            <a:off x="26946098" y="32079200"/>
+            <a:ext cx="12449306" cy="830975"/>
+          </a:xfrm>
+          <a:prstGeom prst="rect">
+            <a:avLst/>
+          </a:prstGeom>
+        </p:spPr>
+        <p:txBody>
+          <a:bodyPr wrap="square" lIns="228589" tIns="228589" rIns="228589" bIns="228589">
+            <a:spAutoFit/>
+          </a:bodyPr>
+          <a:lstStyle>
+            <a:lvl1pPr marL="0" indent="0">
+              <a:buNone/>
+              <a:defRPr sz="2400">
+                <a:solidFill>
+                  <a:schemeClr val="accent5">
+                    <a:lumMod val="50000"/>
+                  </a:schemeClr>
+                </a:solidFill>
+                <a:latin typeface="Times New Roman" panose="02020603050405020304" pitchFamily="18" charset="0"/>
+                <a:cs typeface="Times New Roman" panose="02020603050405020304" pitchFamily="18" charset="0"/>
+              </a:defRPr>
+            </a:lvl1pPr>
+            <a:lvl2pPr marL="1362056" indent="-523867">
+              <a:defRPr sz="2292">
+                <a:latin typeface="Trebuchet MS" pitchFamily="34" charset="0"/>
+              </a:defRPr>
+            </a:lvl2pPr>
+            <a:lvl3pPr marL="1885924" indent="-523867">
+              <a:defRPr sz="2292">
+                <a:latin typeface="Trebuchet MS" pitchFamily="34" charset="0"/>
+              </a:defRPr>
+            </a:lvl3pPr>
+            <a:lvl4pPr marL="2462179" indent="-576255">
+              <a:defRPr sz="2292">
+                <a:latin typeface="Trebuchet MS" pitchFamily="34" charset="0"/>
+              </a:defRPr>
+            </a:lvl4pPr>
+            <a:lvl5pPr marL="2881273" indent="-419094">
+              <a:defRPr sz="2292">
+                <a:latin typeface="Trebuchet MS" pitchFamily="34" charset="0"/>
+              </a:defRPr>
+            </a:lvl5pPr>
+          </a:lstStyle>
+          <a:p>
+            <a:pPr lvl="0"/>
+            <a:r>
+              <a:rPr lang="en-US" dirty="0"/>
+              <a:t>Type in or paste your text here</a:t>
+            </a:r>
+          </a:p>
+        </p:txBody>
+      </p:sp>
+      <p:sp>
+        <p:nvSpPr>
+          <p:cNvPr id="77" name="Text Placeholder 76"/>
+          <p:cNvSpPr>
+            <a:spLocks noGrp="1"/>
+          </p:cNvSpPr>
+          <p:nvPr>
+            <p:ph type="body" sz="quarter" idx="150" hasCustomPrompt="1"/>
+          </p:nvPr>
+        </p:nvSpPr>
+        <p:spPr>
+          <a:xfrm>
+            <a:off x="5343525" y="4310759"/>
+            <a:ext cx="29546550" cy="1173480"/>
+          </a:xfrm>
+          <a:prstGeom prst="rect">
+            <a:avLst/>
+          </a:prstGeom>
+        </p:spPr>
+        <p:txBody>
+          <a:bodyPr>
+            <a:normAutofit/>
+          </a:bodyPr>
+          <a:lstStyle>
+            <a:lvl1pPr marL="0" indent="0" algn="ctr">
+              <a:buFontTx/>
+              <a:buNone/>
+              <a:defRPr sz="5500">
+                <a:solidFill>
+                  <a:schemeClr val="accent5">
+                    <a:lumMod val="50000"/>
+                  </a:schemeClr>
+                </a:solidFill>
+                <a:latin typeface="+mj-lt"/>
+              </a:defRPr>
+            </a:lvl1pPr>
+            <a:lvl2pPr>
+              <a:buFontTx/>
+              <a:buNone/>
+              <a:defRPr sz="6600"/>
+            </a:lvl2pPr>
+            <a:lvl3pPr>
+              <a:buFontTx/>
+              <a:buNone/>
+              <a:defRPr sz="6600"/>
+            </a:lvl3pPr>
+            <a:lvl4pPr>
+              <a:buFontTx/>
+              <a:buNone/>
+              <a:defRPr sz="6600"/>
+            </a:lvl4pPr>
+            <a:lvl5pPr>
+              <a:buFontTx/>
+              <a:buNone/>
+              <a:defRPr sz="6600"/>
+            </a:lvl5pPr>
+          </a:lstStyle>
+          <a:p>
+            <a:pPr lvl="0"/>
+            <a:r>
+              <a:rPr lang="en-US" dirty="0"/>
+              <a:t>Click here to add affiliations</a:t>
+            </a:r>
+          </a:p>
+        </p:txBody>
+      </p:sp>
+      <p:sp>
+        <p:nvSpPr>
+          <p:cNvPr id="78" name="Text Placeholder 76"/>
+          <p:cNvSpPr>
+            <a:spLocks noGrp="1"/>
+          </p:cNvSpPr>
+          <p:nvPr>
+            <p:ph type="body" sz="quarter" idx="151" hasCustomPrompt="1"/>
+          </p:nvPr>
+        </p:nvSpPr>
+        <p:spPr>
+          <a:xfrm>
+            <a:off x="5343525" y="2613404"/>
+            <a:ext cx="29546550" cy="1697355"/>
+          </a:xfrm>
+          <a:prstGeom prst="rect">
+            <a:avLst/>
+          </a:prstGeom>
+        </p:spPr>
+        <p:txBody>
+          <a:bodyPr anchor="t" anchorCtr="1">
+            <a:normAutofit/>
+          </a:bodyPr>
+          <a:lstStyle>
+            <a:lvl1pPr marL="0" indent="0" algn="ctr">
+              <a:buFontTx/>
+              <a:buNone/>
+              <a:defRPr sz="8067">
+                <a:solidFill>
+                  <a:schemeClr val="accent5">
+                    <a:lumMod val="50000"/>
+                  </a:schemeClr>
+                </a:solidFill>
+                <a:latin typeface="+mj-lt"/>
+              </a:defRPr>
+            </a:lvl1pPr>
+            <a:lvl2pPr>
+              <a:buFontTx/>
+              <a:buNone/>
+              <a:defRPr sz="6600"/>
+            </a:lvl2pPr>
+            <a:lvl3pPr>
+              <a:buFontTx/>
+              <a:buNone/>
+              <a:defRPr sz="6600"/>
+            </a:lvl3pPr>
+            <a:lvl4pPr>
+              <a:buFontTx/>
+              <a:buNone/>
+              <a:defRPr sz="6600"/>
+            </a:lvl4pPr>
+            <a:lvl5pPr>
+              <a:buFontTx/>
+              <a:buNone/>
+              <a:defRPr sz="6600"/>
+            </a:lvl5pPr>
+          </a:lstStyle>
+          <a:p>
+            <a:pPr lvl="0"/>
+            <a:r>
+              <a:rPr lang="en-US" dirty="0"/>
+              <a:t>Click here to add authors</a:t>
+            </a:r>
+          </a:p>
+        </p:txBody>
+      </p:sp>
+      <p:sp>
+        <p:nvSpPr>
+          <p:cNvPr id="79" name="Text Placeholder 76"/>
+          <p:cNvSpPr>
+            <a:spLocks noGrp="1"/>
+          </p:cNvSpPr>
+          <p:nvPr>
+            <p:ph type="body" sz="quarter" idx="153" hasCustomPrompt="1"/>
+          </p:nvPr>
+        </p:nvSpPr>
+        <p:spPr>
+          <a:xfrm>
+            <a:off x="5343525" y="535666"/>
+            <a:ext cx="29546550" cy="2077738"/>
+          </a:xfrm>
+          <a:prstGeom prst="rect">
+            <a:avLst/>
+          </a:prstGeom>
+        </p:spPr>
+        <p:txBody>
+          <a:bodyPr anchor="t" anchorCtr="1">
+            <a:normAutofit/>
+          </a:bodyPr>
+          <a:lstStyle>
+            <a:lvl1pPr marL="0" indent="0" algn="ctr">
+              <a:buFontTx/>
+              <a:buNone/>
+              <a:defRPr sz="9600" b="1">
+                <a:solidFill>
+                  <a:schemeClr val="accent5">
+                    <a:lumMod val="50000"/>
+                  </a:schemeClr>
+                </a:solidFill>
+                <a:latin typeface="+mj-lt"/>
+              </a:defRPr>
+            </a:lvl1pPr>
+            <a:lvl2pPr>
+              <a:buFontTx/>
+              <a:buNone/>
+              <a:defRPr sz="6600"/>
+            </a:lvl2pPr>
+            <a:lvl3pPr>
+              <a:buFontTx/>
+              <a:buNone/>
+              <a:defRPr sz="6600"/>
+            </a:lvl3pPr>
+            <a:lvl4pPr>
+              <a:buFontTx/>
+              <a:buNone/>
+              <a:defRPr sz="6600"/>
+            </a:lvl4pPr>
+            <a:lvl5pPr>
+              <a:buFontTx/>
+              <a:buNone/>
+              <a:defRPr sz="6600"/>
+            </a:lvl5pPr>
+          </a:lstStyle>
+          <a:p>
+            <a:pPr lvl="0"/>
+            <a:r>
+              <a:rPr lang="en-US" dirty="0"/>
+              <a:t>Click here to add title</a:t>
+            </a:r>
+          </a:p>
+        </p:txBody>
+      </p:sp>
+      <p:sp>
+        <p:nvSpPr>
+          <p:cNvPr id="31" name="TextBox 30"/>
+          <p:cNvSpPr txBox="1"/>
+          <p:nvPr userDrawn="1"/>
+        </p:nvSpPr>
+        <p:spPr>
+          <a:xfrm>
+            <a:off x="16620565" y="12801600"/>
+            <a:ext cx="8659906" cy="461665"/>
+          </a:xfrm>
+          <a:prstGeom prst="rect">
+            <a:avLst/>
+          </a:prstGeom>
+          <a:noFill/>
+        </p:spPr>
+        <p:txBody>
+          <a:bodyPr wrap="square" rtlCol="0">
+            <a:spAutoFit/>
+          </a:bodyPr>
+          <a:lstStyle/>
+          <a:p>
+            <a:endParaRPr lang="en-US" sz="2400" dirty="0">
+              <a:latin typeface="Times New Roman" panose="02020603050405020304" pitchFamily="18" charset="0"/>
+              <a:cs typeface="Times New Roman" panose="02020603050405020304" pitchFamily="18" charset="0"/>
+            </a:endParaRPr>
+          </a:p>
+        </p:txBody>
+      </p:sp>
+    </p:spTree>
+    <p:extLst>
+      <p:ext uri="{BB962C8B-B14F-4D97-AF65-F5344CB8AC3E}">
+        <p14:creationId xmlns:p14="http://schemas.microsoft.com/office/powerpoint/2010/main" val="3317902218"/>
+      </p:ext>
+    </p:extLst>
+  </p:cSld>
+  <p:clrMapOvr>
+    <a:masterClrMapping/>
+  </p:clrMapOvr>
+</p:sldLayout>
+</file>
+
 <file path=ppt/slideMasters/slideMaster1.xml><?xml version="1.0" encoding="utf-8"?>
 <p:sldMaster xmlns:a="http://schemas.openxmlformats.org/drawingml/2006/main" xmlns:r="http://schemas.openxmlformats.org/officeDocument/2006/relationships" xmlns:p="http://schemas.openxmlformats.org/presentationml/2006/main" preserve="1">
   <p:cSld>
@@ -12574,7 +13609,7 @@
                   </a:txBody>
                   <a:tcPr>
                     <a:blipFill rotWithShape="1">
-                      <a:blip r:embed="rId3"/>
+                      <a:blip r:embed="rId4"/>
                       <a:stretch>
                         <a:fillRect/>
                       </a:stretch>
@@ -12823,7 +13858,7 @@
                   </a:txBody>
                   <a:tcPr>
                     <a:blipFill rotWithShape="1">
-                      <a:blip r:embed="rId4"/>
+                      <a:blip r:embed="rId5"/>
                       <a:stretch>
                         <a:fillRect/>
                       </a:stretch>
@@ -13211,7 +14246,7 @@
                   </a:txBody>
                   <a:tcPr marL="182880" marT="137160">
                     <a:blipFill rotWithShape="1">
-                      <a:blip r:embed="rId5"/>
+                      <a:blip r:embed="rId6"/>
                       <a:stretch>
                         <a:fillRect/>
                       </a:stretch>
@@ -13369,7 +14404,7 @@
                   </a:txBody>
                   <a:tcPr marL="182880" marT="137160">
                     <a:blipFill rotWithShape="1">
-                      <a:blip r:embed="rId6"/>
+                      <a:blip r:embed="rId7"/>
                       <a:stretch>
                         <a:fillRect/>
                       </a:stretch>
@@ -13573,7 +14608,7 @@
                           <a:solidFill>
                             <a:srgbClr val="FFC000"/>
                           </a:solidFill>
-                          <a:hlinkClick r:id="rId7">
+                          <a:hlinkClick r:id="rId8">
                             <a:extLst>
                               <a:ext uri="{A12FA001-AC4F-418D-AE19-62706E023703}">
                                 <ahyp:hlinkClr xmlns:ahyp="http://schemas.microsoft.com/office/drawing/2018/hyperlinkcolor" val="tx"/>
@@ -13842,7 +14877,7 @@
                   </a:txBody>
                   <a:tcPr marL="182880" marT="137160">
                     <a:blipFill dpi="0" rotWithShape="1">
-                      <a:blip r:embed="rId8">
+                      <a:blip r:embed="rId9">
                         <a:extLst>
                           <a:ext uri="{28A0092B-C50C-407E-A947-70E740481C1C}">
                             <a14:useLocalDpi xmlns:a14="http://schemas.microsoft.com/office/drawing/2010/main" val="0"/>
@@ -14983,7 +16018,7 @@
                   </a:txBody>
                   <a:tcPr marL="182880" marT="137160">
                     <a:blipFill dpi="0" rotWithShape="1">
-                      <a:blip r:embed="rId9">
+                      <a:blip r:embed="rId10">
                         <a:extLst>
                           <a:ext uri="{28A0092B-C50C-407E-A947-70E740481C1C}">
                             <a14:useLocalDpi xmlns:a14="http://schemas.microsoft.com/office/drawing/2010/main" val="0"/>
@@ -15293,6 +16328,7 @@
   <p:clrMap bg1="lt1" tx1="dk1" bg2="lt2" tx2="dk2" accent1="accent1" accent2="accent2" accent3="accent3" accent4="accent4" accent5="accent5" accent6="accent6" hlink="hlink" folHlink="folHlink"/>
   <p:sldLayoutIdLst>
     <p:sldLayoutId id="2147483654" r:id="rId1"/>
+    <p:sldLayoutId id="2147483660" r:id="rId2"/>
   </p:sldLayoutIdLst>
   <p:txStyles>
     <p:titleStyle>
@@ -15576,19 +16612,188 @@
         </p:nvSpPr>
         <p:spPr>
           <a:xfrm>
-            <a:off x="1049883" y="7201699"/>
-            <a:ext cx="12132653" cy="923307"/>
+            <a:off x="1049883" y="7337167"/>
+            <a:ext cx="12756563" cy="14089989"/>
           </a:xfrm>
         </p:spPr>
         <p:txBody>
           <a:bodyPr/>
           <a:lstStyle/>
           <a:p>
-            <a:endParaRPr lang="en-US" sz="3000" dirty="0">
+            <a:r>
+              <a:rPr lang="en-US" sz="3600" b="1" dirty="0">
+                <a:latin typeface="Helvetica Neue" panose="02000503000000020004" pitchFamily="2" charset="0"/>
+                <a:ea typeface="Helvetica Neue" panose="02000503000000020004" pitchFamily="2" charset="0"/>
+                <a:cs typeface="Helvetica Neue" panose="02000503000000020004" pitchFamily="2" charset="0"/>
+              </a:rPr>
+              <a:t>Goals</a:t>
+            </a:r>
+          </a:p>
+          <a:p>
+            <a:pPr marL="457200" indent="-457200">
+              <a:buFont typeface="Arial" panose="020B0604020202020204" pitchFamily="34" charset="0"/>
+              <a:buChar char="•"/>
+            </a:pPr>
+            <a:r>
+              <a:rPr lang="en-US" sz="3600" dirty="0">
+                <a:latin typeface="Helvetica Neue" panose="02000503000000020004" pitchFamily="2" charset="0"/>
+                <a:ea typeface="Helvetica Neue" panose="02000503000000020004" pitchFamily="2" charset="0"/>
+                <a:cs typeface="Helvetica Neue" panose="02000503000000020004" pitchFamily="2" charset="0"/>
+              </a:rPr>
+              <a:t>To create an object detector that detects Grab n' Go items from the Frist Gallery that can be expanded into a price calculation application which determines the total price of the items present in an image.</a:t>
+            </a:r>
+          </a:p>
+          <a:p>
+            <a:pPr marL="457200" indent="-457200">
+              <a:buFont typeface="Arial" panose="020B0604020202020204" pitchFamily="34" charset="0"/>
+              <a:buChar char="•"/>
+            </a:pPr>
+            <a:r>
+              <a:rPr lang="en-US" sz="3600" dirty="0">
+                <a:latin typeface="Helvetica Neue" panose="02000503000000020004" pitchFamily="2" charset="0"/>
+                <a:ea typeface="Helvetica Neue" panose="02000503000000020004" pitchFamily="2" charset="0"/>
+                <a:cs typeface="Helvetica Neue" panose="02000503000000020004" pitchFamily="2" charset="0"/>
+              </a:rPr>
+              <a:t>To analyze how YOLO’s algorithm responds to different numbers of classes, different weights generated in training, and various challenges of inconsistency which are common in everyday objects; this will allow optimization in both detection and classification in new datasets.</a:t>
+            </a:r>
+          </a:p>
+          <a:p>
+            <a:endParaRPr lang="en-US" dirty="0">
               <a:latin typeface="Helvetica Neue" panose="02000503000000020004" pitchFamily="2" charset="0"/>
               <a:ea typeface="Helvetica Neue" panose="02000503000000020004" pitchFamily="2" charset="0"/>
               <a:cs typeface="Helvetica Neue" panose="02000503000000020004" pitchFamily="2" charset="0"/>
             </a:endParaRPr>
+          </a:p>
+          <a:p>
+            <a:r>
+              <a:rPr lang="en-US" sz="3600" b="1" dirty="0">
+                <a:latin typeface="Helvetica Neue" panose="02000503000000020004" pitchFamily="2" charset="0"/>
+                <a:ea typeface="Helvetica Neue" panose="02000503000000020004" pitchFamily="2" charset="0"/>
+                <a:cs typeface="Helvetica Neue" panose="02000503000000020004" pitchFamily="2" charset="0"/>
+              </a:rPr>
+              <a:t>Related Works</a:t>
+            </a:r>
+          </a:p>
+          <a:p>
+            <a:pPr marL="571500" indent="-571500">
+              <a:buFont typeface="Arial" panose="020B0604020202020204" pitchFamily="34" charset="0"/>
+              <a:buChar char="•"/>
+            </a:pPr>
+            <a:r>
+              <a:rPr lang="en-US" sz="3600" dirty="0">
+                <a:latin typeface="Helvetica Neue" panose="02000503000000020004" pitchFamily="2" charset="0"/>
+                <a:ea typeface="Helvetica Neue" panose="02000503000000020004" pitchFamily="2" charset="0"/>
+                <a:cs typeface="Helvetica Neue" panose="02000503000000020004" pitchFamily="2" charset="0"/>
+              </a:rPr>
+              <a:t>Yi, Zhang, et al. “An Improved Tiny-yolov3 Pedestrian Detection Algorithm.” </a:t>
+            </a:r>
+            <a:r>
+              <a:rPr lang="en-US" sz="3600" dirty="0" err="1">
+                <a:latin typeface="Helvetica Neue" panose="02000503000000020004" pitchFamily="2" charset="0"/>
+                <a:ea typeface="Helvetica Neue" panose="02000503000000020004" pitchFamily="2" charset="0"/>
+                <a:cs typeface="Helvetica Neue" panose="02000503000000020004" pitchFamily="2" charset="0"/>
+              </a:rPr>
+              <a:t>Optik</a:t>
+            </a:r>
+            <a:r>
+              <a:rPr lang="en-US" sz="3600" dirty="0">
+                <a:latin typeface="Helvetica Neue" panose="02000503000000020004" pitchFamily="2" charset="0"/>
+                <a:ea typeface="Helvetica Neue" panose="02000503000000020004" pitchFamily="2" charset="0"/>
+                <a:cs typeface="Helvetica Neue" panose="02000503000000020004" pitchFamily="2" charset="0"/>
+              </a:rPr>
+              <a:t>, Urban &amp; Fischer, 13 Feb. 2019.</a:t>
+            </a:r>
+          </a:p>
+          <a:p>
+            <a:pPr marL="571500" indent="-571500">
+              <a:buFont typeface="Arial" panose="020B0604020202020204" pitchFamily="34" charset="0"/>
+              <a:buChar char="•"/>
+            </a:pPr>
+            <a:r>
+              <a:rPr lang="en-US" sz="3600" dirty="0">
+                <a:latin typeface="Helvetica Neue" panose="02000503000000020004" pitchFamily="2" charset="0"/>
+                <a:ea typeface="Helvetica Neue" panose="02000503000000020004" pitchFamily="2" charset="0"/>
+                <a:cs typeface="Helvetica Neue" panose="02000503000000020004" pitchFamily="2" charset="0"/>
+              </a:rPr>
+              <a:t>Amazon Go</a:t>
+            </a:r>
+          </a:p>
+          <a:p>
+            <a:pPr marL="571500" indent="-571500">
+              <a:buFont typeface="Arial" panose="020B0604020202020204" pitchFamily="34" charset="0"/>
+              <a:buChar char="•"/>
+            </a:pPr>
+            <a:r>
+              <a:rPr lang="en-US" sz="3600" dirty="0">
+                <a:latin typeface="Helvetica Neue" panose="02000503000000020004" pitchFamily="2" charset="0"/>
+                <a:ea typeface="Helvetica Neue" panose="02000503000000020004" pitchFamily="2" charset="0"/>
+                <a:cs typeface="Helvetica Neue" panose="02000503000000020004" pitchFamily="2" charset="0"/>
+              </a:rPr>
+              <a:t>85ºC Bakery Autonomous Checkout</a:t>
+            </a:r>
+          </a:p>
+          <a:p>
+            <a:pPr marL="571500" indent="-571500">
+              <a:buFont typeface="Arial" panose="020B0604020202020204" pitchFamily="34" charset="0"/>
+              <a:buChar char="•"/>
+            </a:pPr>
+            <a:endParaRPr lang="en-US" b="1" dirty="0">
+              <a:latin typeface="Helvetica Neue" panose="02000503000000020004" pitchFamily="2" charset="0"/>
+              <a:ea typeface="Helvetica Neue" panose="02000503000000020004" pitchFamily="2" charset="0"/>
+              <a:cs typeface="Helvetica Neue" panose="02000503000000020004" pitchFamily="2" charset="0"/>
+            </a:endParaRPr>
+          </a:p>
+          <a:p>
+            <a:r>
+              <a:rPr lang="en-US" sz="3600" b="1" dirty="0">
+                <a:latin typeface="Helvetica Neue" panose="02000503000000020004" pitchFamily="2" charset="0"/>
+                <a:ea typeface="Helvetica Neue" panose="02000503000000020004" pitchFamily="2" charset="0"/>
+                <a:cs typeface="Helvetica Neue" panose="02000503000000020004" pitchFamily="2" charset="0"/>
+              </a:rPr>
+              <a:t>Challenges</a:t>
+            </a:r>
+          </a:p>
+          <a:p>
+            <a:pPr marL="571500" indent="-571500">
+              <a:buFont typeface="Arial" panose="020B0604020202020204" pitchFamily="34" charset="0"/>
+              <a:buChar char="•"/>
+            </a:pPr>
+            <a:r>
+              <a:rPr lang="en-US" sz="3600" dirty="0">
+                <a:latin typeface="Helvetica Neue" panose="02000503000000020004" pitchFamily="2" charset="0"/>
+                <a:ea typeface="Helvetica Neue" panose="02000503000000020004" pitchFamily="2" charset="0"/>
+                <a:cs typeface="Helvetica Neue" panose="02000503000000020004" pitchFamily="2" charset="0"/>
+              </a:rPr>
+              <a:t>Object Color Variation</a:t>
+            </a:r>
+          </a:p>
+          <a:p>
+            <a:pPr marL="571500" indent="-571500">
+              <a:buFont typeface="Arial" panose="020B0604020202020204" pitchFamily="34" charset="0"/>
+              <a:buChar char="•"/>
+            </a:pPr>
+            <a:r>
+              <a:rPr lang="en-US" sz="3600" dirty="0">
+                <a:latin typeface="Helvetica Neue" panose="02000503000000020004" pitchFamily="2" charset="0"/>
+                <a:ea typeface="Helvetica Neue" panose="02000503000000020004" pitchFamily="2" charset="0"/>
+                <a:cs typeface="Helvetica Neue" panose="02000503000000020004" pitchFamily="2" charset="0"/>
+              </a:rPr>
+              <a:t>Object Logo Distinction</a:t>
+            </a:r>
+          </a:p>
+          <a:p>
+            <a:pPr marL="571500" indent="-571500">
+              <a:buFont typeface="Arial" panose="020B0604020202020204" pitchFamily="34" charset="0"/>
+              <a:buChar char="•"/>
+            </a:pPr>
+            <a:r>
+              <a:rPr lang="en-US" sz="3600" dirty="0">
+                <a:latin typeface="Helvetica Neue" panose="02000503000000020004" pitchFamily="2" charset="0"/>
+                <a:ea typeface="Helvetica Neue" panose="02000503000000020004" pitchFamily="2" charset="0"/>
+                <a:cs typeface="Helvetica Neue" panose="02000503000000020004" pitchFamily="2" charset="0"/>
+              </a:rPr>
+              <a:t>Object Shape Distortion</a:t>
+            </a:r>
           </a:p>
         </p:txBody>
       </p:sp>
@@ -15604,7 +16809,7 @@
         </p:nvSpPr>
         <p:spPr>
           <a:xfrm>
-            <a:off x="845477" y="6319848"/>
+            <a:off x="845477" y="6455316"/>
             <a:ext cx="12442032" cy="923322"/>
           </a:xfrm>
         </p:spPr>
@@ -15613,221 +16818,13 @@
           <a:lstStyle/>
           <a:p>
             <a:r>
-              <a:rPr lang="en-US" sz="4800" dirty="0"/>
-              <a:t>INTRODUCTION AND ABSTRACT</a:t>
-            </a:r>
-          </a:p>
-        </p:txBody>
-      </p:sp>
-      <p:sp>
-        <p:nvSpPr>
-          <p:cNvPr id="355" name="Text Placeholder 354"/>
-          <p:cNvSpPr>
-            <a:spLocks noGrp="1"/>
-          </p:cNvSpPr>
-          <p:nvPr>
-            <p:ph type="body" sz="quarter" idx="19"/>
-          </p:nvPr>
-        </p:nvSpPr>
-        <p:spPr>
-          <a:xfrm>
-            <a:off x="1049883" y="21840525"/>
-            <a:ext cx="12132653" cy="923307"/>
-          </a:xfrm>
-        </p:spPr>
-        <p:txBody>
-          <a:bodyPr/>
-          <a:lstStyle/>
-          <a:p>
-            <a:endParaRPr lang="en-US" sz="3000" dirty="0">
-              <a:latin typeface="Helvetica Neue" panose="02000503000000020004" pitchFamily="2" charset="0"/>
-              <a:ea typeface="Helvetica Neue" panose="02000503000000020004" pitchFamily="2" charset="0"/>
-              <a:cs typeface="Helvetica Neue" panose="02000503000000020004" pitchFamily="2" charset="0"/>
-            </a:endParaRPr>
-          </a:p>
-        </p:txBody>
-      </p:sp>
-      <p:sp>
-        <p:nvSpPr>
-          <p:cNvPr id="356" name="Text Placeholder 355"/>
-          <p:cNvSpPr>
-            <a:spLocks noGrp="1"/>
-          </p:cNvSpPr>
-          <p:nvPr>
-            <p:ph type="body" sz="quarter" idx="20"/>
-          </p:nvPr>
-        </p:nvSpPr>
-        <p:spPr>
-          <a:xfrm>
-            <a:off x="863574" y="20958689"/>
-            <a:ext cx="12442031" cy="923322"/>
-          </a:xfrm>
-        </p:spPr>
-        <p:txBody>
-          <a:bodyPr/>
-          <a:lstStyle/>
-          <a:p>
-            <a:r>
-              <a:rPr lang="en-US" sz="4800" dirty="0"/>
-              <a:t>OBJECTIVES</a:t>
-            </a:r>
-          </a:p>
-        </p:txBody>
-      </p:sp>
-      <p:sp>
-        <p:nvSpPr>
-          <p:cNvPr id="357" name="Text Placeholder 356"/>
-          <p:cNvSpPr>
-            <a:spLocks noGrp="1"/>
-          </p:cNvSpPr>
-          <p:nvPr>
-            <p:ph type="body" sz="quarter" idx="21"/>
-          </p:nvPr>
-        </p:nvSpPr>
-        <p:spPr>
-          <a:xfrm>
-            <a:off x="14050476" y="25828838"/>
-            <a:ext cx="12132653" cy="6555619"/>
-          </a:xfrm>
-        </p:spPr>
-        <p:txBody>
-          <a:bodyPr/>
-          <a:lstStyle/>
-          <a:p>
-            <a:r>
-              <a:rPr lang="en-US" sz="3000" b="1" dirty="0">
+              <a:rPr lang="en-US" sz="4800" dirty="0">
                 <a:latin typeface="Helvetica Neue" panose="02000503000000020004" pitchFamily="2" charset="0"/>
                 <a:ea typeface="Helvetica Neue" panose="02000503000000020004" pitchFamily="2" charset="0"/>
                 <a:cs typeface="Helvetica Neue" panose="02000503000000020004" pitchFamily="2" charset="0"/>
               </a:rPr>
-              <a:t>Dataset</a:t>
+              <a:t>INTRODUCTION</a:t>
             </a:r>
-          </a:p>
-          <a:p>
-            <a:pPr marL="342900" indent="-342900">
-              <a:buFont typeface="Arial" panose="020B0604020202020204" pitchFamily="34" charset="0"/>
-              <a:buChar char="•"/>
-            </a:pPr>
-            <a:r>
-              <a:rPr lang="en-US" sz="3000" i="1" dirty="0">
-                <a:latin typeface="Helvetica Neue" panose="02000503000000020004" pitchFamily="2" charset="0"/>
-                <a:ea typeface="Helvetica Neue" panose="02000503000000020004" pitchFamily="2" charset="0"/>
-                <a:cs typeface="Helvetica Neue" panose="02000503000000020004" pitchFamily="2" charset="0"/>
-              </a:rPr>
-              <a:t>Preparation: </a:t>
-            </a:r>
-            <a:r>
-              <a:rPr lang="en-US" sz="3000" dirty="0">
-                <a:latin typeface="Helvetica Neue" panose="02000503000000020004" pitchFamily="2" charset="0"/>
-                <a:ea typeface="Helvetica Neue" panose="02000503000000020004" pitchFamily="2" charset="0"/>
-                <a:cs typeface="Helvetica Neue" panose="02000503000000020004" pitchFamily="2" charset="0"/>
-              </a:rPr>
-              <a:t>use of </a:t>
-            </a:r>
-            <a:r>
-              <a:rPr lang="en-US" sz="3000" dirty="0" err="1">
-                <a:latin typeface="Helvetica Neue" panose="02000503000000020004" pitchFamily="2" charset="0"/>
-                <a:ea typeface="Helvetica Neue" panose="02000503000000020004" pitchFamily="2" charset="0"/>
-                <a:cs typeface="Helvetica Neue" panose="02000503000000020004" pitchFamily="2" charset="0"/>
-              </a:rPr>
-              <a:t>Fatkun</a:t>
-            </a:r>
-            <a:r>
-              <a:rPr lang="en-US" sz="3000" dirty="0">
-                <a:latin typeface="Helvetica Neue" panose="02000503000000020004" pitchFamily="2" charset="0"/>
-                <a:ea typeface="Helvetica Neue" panose="02000503000000020004" pitchFamily="2" charset="0"/>
-                <a:cs typeface="Helvetica Neue" panose="02000503000000020004" pitchFamily="2" charset="0"/>
-              </a:rPr>
-              <a:t> batch download to mass download 2,178 sample images total of varying dimensions, angles, and lighting across 15 distinct classes.</a:t>
-            </a:r>
-          </a:p>
-          <a:p>
-            <a:pPr marL="342900" indent="-342900">
-              <a:buFont typeface="Arial" panose="020B0604020202020204" pitchFamily="34" charset="0"/>
-              <a:buChar char="•"/>
-            </a:pPr>
-            <a:r>
-              <a:rPr lang="en-US" sz="3000" i="1" dirty="0">
-                <a:latin typeface="Helvetica Neue" panose="02000503000000020004" pitchFamily="2" charset="0"/>
-                <a:ea typeface="Helvetica Neue" panose="02000503000000020004" pitchFamily="2" charset="0"/>
-                <a:cs typeface="Helvetica Neue" panose="02000503000000020004" pitchFamily="2" charset="0"/>
-              </a:rPr>
-              <a:t>Annotation: </a:t>
-            </a:r>
-            <a:r>
-              <a:rPr lang="en-US" sz="3000" dirty="0">
-                <a:latin typeface="Helvetica Neue" panose="02000503000000020004" pitchFamily="2" charset="0"/>
-                <a:ea typeface="Helvetica Neue" panose="02000503000000020004" pitchFamily="2" charset="0"/>
-                <a:cs typeface="Helvetica Neue" panose="02000503000000020004" pitchFamily="2" charset="0"/>
-              </a:rPr>
-              <a:t>the bounding boxes of each item were drawn with </a:t>
-            </a:r>
-            <a:r>
-              <a:rPr lang="en-US" sz="3000" dirty="0" err="1">
-                <a:latin typeface="Helvetica Neue" panose="02000503000000020004" pitchFamily="2" charset="0"/>
-                <a:ea typeface="Helvetica Neue" panose="02000503000000020004" pitchFamily="2" charset="0"/>
-                <a:cs typeface="Helvetica Neue" panose="02000503000000020004" pitchFamily="2" charset="0"/>
-              </a:rPr>
-              <a:t>Vott</a:t>
-            </a:r>
-            <a:r>
-              <a:rPr lang="en-US" sz="3000" dirty="0">
-                <a:latin typeface="Helvetica Neue" panose="02000503000000020004" pitchFamily="2" charset="0"/>
-                <a:ea typeface="Helvetica Neue" panose="02000503000000020004" pitchFamily="2" charset="0"/>
-                <a:cs typeface="Helvetica Neue" panose="02000503000000020004" pitchFamily="2" charset="0"/>
-              </a:rPr>
-              <a:t> v1.7.2 and exported into the YOLO dataset format.</a:t>
-            </a:r>
-          </a:p>
-          <a:p>
-            <a:pPr marL="342900" indent="-342900">
-              <a:buFont typeface="Arial" panose="020B0604020202020204" pitchFamily="34" charset="0"/>
-              <a:buChar char="•"/>
-            </a:pPr>
-            <a:r>
-              <a:rPr lang="en-US" sz="3000" i="1" dirty="0">
-                <a:latin typeface="Helvetica Neue" panose="02000503000000020004" pitchFamily="2" charset="0"/>
-                <a:ea typeface="Helvetica Neue" panose="02000503000000020004" pitchFamily="2" charset="0"/>
-                <a:cs typeface="Helvetica Neue" panose="02000503000000020004" pitchFamily="2" charset="0"/>
-              </a:rPr>
-              <a:t>Aggregation: </a:t>
-            </a:r>
-            <a:r>
-              <a:rPr lang="en-US" sz="3000" dirty="0">
-                <a:latin typeface="Helvetica Neue" panose="02000503000000020004" pitchFamily="2" charset="0"/>
-                <a:ea typeface="Helvetica Neue" panose="02000503000000020004" pitchFamily="2" charset="0"/>
-                <a:cs typeface="Helvetica Neue" panose="02000503000000020004" pitchFamily="2" charset="0"/>
-              </a:rPr>
-              <a:t>each class was labeled separately, so a script was used to combine images and their corresponding annotations into one singular data directory.</a:t>
-            </a:r>
-          </a:p>
-          <a:p>
-            <a:endParaRPr lang="en-US" sz="3000" dirty="0">
-              <a:latin typeface="Helvetica Neue" panose="02000503000000020004" pitchFamily="2" charset="0"/>
-              <a:ea typeface="Helvetica Neue" panose="02000503000000020004" pitchFamily="2" charset="0"/>
-              <a:cs typeface="Helvetica Neue" panose="02000503000000020004" pitchFamily="2" charset="0"/>
-            </a:endParaRPr>
-          </a:p>
-          <a:p>
-            <a:r>
-              <a:rPr lang="en-US" sz="3000" b="1" dirty="0">
-                <a:latin typeface="Helvetica Neue" panose="02000503000000020004" pitchFamily="2" charset="0"/>
-                <a:ea typeface="Helvetica Neue" panose="02000503000000020004" pitchFamily="2" charset="0"/>
-                <a:cs typeface="Helvetica Neue" panose="02000503000000020004" pitchFamily="2" charset="0"/>
-              </a:rPr>
-              <a:t>Tiny YOLO v3</a:t>
-            </a:r>
-          </a:p>
-          <a:p>
-            <a:pPr marL="342900" indent="-342900">
-              <a:buFont typeface="Arial" panose="020B0604020202020204" pitchFamily="34" charset="0"/>
-              <a:buChar char="•"/>
-            </a:pPr>
-            <a:endParaRPr lang="en-US" sz="3000" b="1" dirty="0">
-              <a:latin typeface="Helvetica Neue" panose="02000503000000020004" pitchFamily="2" charset="0"/>
-              <a:ea typeface="Helvetica Neue" panose="02000503000000020004" pitchFamily="2" charset="0"/>
-              <a:cs typeface="Helvetica Neue" panose="02000503000000020004" pitchFamily="2" charset="0"/>
-            </a:endParaRPr>
           </a:p>
         </p:txBody>
       </p:sp>
@@ -15843,8 +16840,8 @@
         </p:nvSpPr>
         <p:spPr>
           <a:xfrm>
-            <a:off x="13891420" y="25029219"/>
-            <a:ext cx="12440573" cy="923322"/>
+            <a:off x="989115" y="21026423"/>
+            <a:ext cx="25351615" cy="923322"/>
           </a:xfrm>
         </p:spPr>
         <p:txBody>
@@ -15852,8 +16849,12 @@
           <a:lstStyle/>
           <a:p>
             <a:r>
-              <a:rPr lang="en-US" sz="4800" dirty="0"/>
-              <a:t>MATERIALS AND METHODS</a:t>
+              <a:rPr lang="en-US" sz="4800" dirty="0">
+                <a:latin typeface="Helvetica Neue" panose="02000503000000020004" pitchFamily="2" charset="0"/>
+                <a:ea typeface="Helvetica Neue" panose="02000503000000020004" pitchFamily="2" charset="0"/>
+                <a:cs typeface="Helvetica Neue" panose="02000503000000020004" pitchFamily="2" charset="0"/>
+              </a:rPr>
+              <a:t>METHODS</a:t>
             </a:r>
           </a:p>
         </p:txBody>
@@ -15870,8 +16871,8 @@
         </p:nvSpPr>
         <p:spPr>
           <a:xfrm>
-            <a:off x="14050476" y="7102294"/>
-            <a:ext cx="12132653" cy="4237592"/>
+            <a:off x="14050476" y="7237763"/>
+            <a:ext cx="25245913" cy="8808543"/>
           </a:xfrm>
         </p:spPr>
         <p:txBody>
@@ -15879,7 +16880,7 @@
           <a:lstStyle/>
           <a:p>
             <a:r>
-              <a:rPr lang="en-US" sz="3000" b="1" dirty="0">
+              <a:rPr lang="en-US" sz="3600" b="1" dirty="0">
                 <a:latin typeface="Helvetica Neue" panose="02000503000000020004" pitchFamily="2" charset="0"/>
                 <a:ea typeface="Helvetica Neue" panose="02000503000000020004" pitchFamily="2" charset="0"/>
                 <a:cs typeface="Helvetica Neue" panose="02000503000000020004" pitchFamily="2" charset="0"/>
@@ -15887,7 +16888,7 @@
               <a:t>Mean Average Precision (</a:t>
             </a:r>
             <a:r>
-              <a:rPr lang="en-US" sz="3000" b="1" dirty="0" err="1">
+              <a:rPr lang="en-US" sz="3600" b="1" dirty="0" err="1">
                 <a:latin typeface="Helvetica Neue" panose="02000503000000020004" pitchFamily="2" charset="0"/>
                 <a:ea typeface="Helvetica Neue" panose="02000503000000020004" pitchFamily="2" charset="0"/>
                 <a:cs typeface="Helvetica Neue" panose="02000503000000020004" pitchFamily="2" charset="0"/>
@@ -15895,7 +16896,7 @@
               <a:t>mAP</a:t>
             </a:r>
             <a:r>
-              <a:rPr lang="en-US" sz="3000" b="1" dirty="0">
+              <a:rPr lang="en-US" sz="3600" b="1" dirty="0">
                 <a:latin typeface="Helvetica Neue" panose="02000503000000020004" pitchFamily="2" charset="0"/>
                 <a:ea typeface="Helvetica Neue" panose="02000503000000020004" pitchFamily="2" charset="0"/>
                 <a:cs typeface="Helvetica Neue" panose="02000503000000020004" pitchFamily="2" charset="0"/>
@@ -15904,73 +16905,138 @@
             </a:r>
           </a:p>
           <a:p>
-            <a:endParaRPr lang="en-US" sz="3000" b="1" dirty="0">
+            <a:endParaRPr lang="en-US" sz="3600" b="1" dirty="0">
               <a:latin typeface="Helvetica Neue" panose="02000503000000020004" pitchFamily="2" charset="0"/>
               <a:ea typeface="Helvetica Neue" panose="02000503000000020004" pitchFamily="2" charset="0"/>
               <a:cs typeface="Helvetica Neue" panose="02000503000000020004" pitchFamily="2" charset="0"/>
             </a:endParaRPr>
           </a:p>
           <a:p>
-            <a:endParaRPr lang="en-US" sz="3000" b="1" dirty="0">
+            <a:endParaRPr lang="en-US" sz="3600" b="1" dirty="0">
               <a:latin typeface="Helvetica Neue" panose="02000503000000020004" pitchFamily="2" charset="0"/>
               <a:ea typeface="Helvetica Neue" panose="02000503000000020004" pitchFamily="2" charset="0"/>
               <a:cs typeface="Helvetica Neue" panose="02000503000000020004" pitchFamily="2" charset="0"/>
             </a:endParaRPr>
           </a:p>
           <a:p>
-            <a:endParaRPr lang="en-US" sz="3000" b="1" dirty="0">
+            <a:endParaRPr lang="en-US" sz="3600" b="1" dirty="0">
               <a:latin typeface="Helvetica Neue" panose="02000503000000020004" pitchFamily="2" charset="0"/>
               <a:ea typeface="Helvetica Neue" panose="02000503000000020004" pitchFamily="2" charset="0"/>
               <a:cs typeface="Helvetica Neue" panose="02000503000000020004" pitchFamily="2" charset="0"/>
             </a:endParaRPr>
           </a:p>
           <a:p>
-            <a:endParaRPr lang="en-US" sz="3000" b="1" dirty="0">
+            <a:endParaRPr lang="en-US" sz="3600" b="1" dirty="0">
               <a:latin typeface="Helvetica Neue" panose="02000503000000020004" pitchFamily="2" charset="0"/>
               <a:ea typeface="Helvetica Neue" panose="02000503000000020004" pitchFamily="2" charset="0"/>
               <a:cs typeface="Helvetica Neue" panose="02000503000000020004" pitchFamily="2" charset="0"/>
             </a:endParaRPr>
           </a:p>
           <a:p>
-            <a:endParaRPr lang="en-US" sz="3000" b="1" dirty="0">
+            <a:endParaRPr lang="en-US" sz="3600" b="1" dirty="0">
               <a:latin typeface="Helvetica Neue" panose="02000503000000020004" pitchFamily="2" charset="0"/>
               <a:ea typeface="Helvetica Neue" panose="02000503000000020004" pitchFamily="2" charset="0"/>
               <a:cs typeface="Helvetica Neue" panose="02000503000000020004" pitchFamily="2" charset="0"/>
             </a:endParaRPr>
           </a:p>
           <a:p>
-            <a:pPr marL="342900" indent="-342900">
+            <a:endParaRPr lang="en-US" sz="3600" b="1" dirty="0">
+              <a:latin typeface="Helvetica Neue" panose="02000503000000020004" pitchFamily="2" charset="0"/>
+              <a:ea typeface="Helvetica Neue" panose="02000503000000020004" pitchFamily="2" charset="0"/>
+              <a:cs typeface="Helvetica Neue" panose="02000503000000020004" pitchFamily="2" charset="0"/>
+            </a:endParaRPr>
+          </a:p>
+          <a:p>
+            <a:pPr algn="ctr"/>
+            <a:endParaRPr lang="en-US" dirty="0">
+              <a:solidFill>
+                <a:schemeClr val="accent5"/>
+              </a:solidFill>
+              <a:latin typeface="Helvetica Neue" panose="02000503000000020004" pitchFamily="2" charset="0"/>
+              <a:ea typeface="Helvetica Neue" panose="02000503000000020004" pitchFamily="2" charset="0"/>
+              <a:cs typeface="Helvetica Neue" panose="02000503000000020004" pitchFamily="2" charset="0"/>
+            </a:endParaRPr>
+          </a:p>
+          <a:p>
+            <a:pPr algn="ctr"/>
+            <a:r>
+              <a:rPr lang="en-US" dirty="0">
+                <a:solidFill>
+                  <a:schemeClr val="accent5"/>
+                </a:solidFill>
+                <a:latin typeface="Helvetica Neue" panose="02000503000000020004" pitchFamily="2" charset="0"/>
+                <a:ea typeface="Helvetica Neue" panose="02000503000000020004" pitchFamily="2" charset="0"/>
+                <a:cs typeface="Helvetica Neue" panose="02000503000000020004" pitchFamily="2" charset="0"/>
+              </a:rPr>
+              <a:t>Figure 1: The first 3 graphs show the average precision (AP) or a 15-class detector with weights after 1000, 2000, and 3000 epochs, respectively. The last graph shows the AP for a single-class detector with weights after 1000, 2000, and 3000 training epochs, respectively.</a:t>
+            </a:r>
+          </a:p>
+          <a:p>
+            <a:pPr marL="571500" indent="-571500">
               <a:buFont typeface="Arial" panose="020B0604020202020204" pitchFamily="34" charset="0"/>
               <a:buChar char="•"/>
             </a:pPr>
             <a:r>
-              <a:rPr lang="en-US" sz="3000" dirty="0">
+              <a:rPr lang="en-US" sz="3600" dirty="0">
                 <a:latin typeface="Helvetica Neue" panose="02000503000000020004" pitchFamily="2" charset="0"/>
                 <a:ea typeface="Helvetica Neue" panose="02000503000000020004" pitchFamily="2" charset="0"/>
                 <a:cs typeface="Helvetica Neue" panose="02000503000000020004" pitchFamily="2" charset="0"/>
               </a:rPr>
-              <a:t>3000 weights optimal, with __ </a:t>
+              <a:t>For the multi-class detector, the </a:t>
             </a:r>
             <a:r>
-              <a:rPr lang="en-US" sz="3000" dirty="0" err="1">
+              <a:rPr lang="en-US" sz="3600" dirty="0" err="1">
                 <a:latin typeface="Helvetica Neue" panose="02000503000000020004" pitchFamily="2" charset="0"/>
                 <a:ea typeface="Helvetica Neue" panose="02000503000000020004" pitchFamily="2" charset="0"/>
                 <a:cs typeface="Helvetica Neue" panose="02000503000000020004" pitchFamily="2" charset="0"/>
               </a:rPr>
               <a:t>mAP</a:t>
             </a:r>
-            <a:endParaRPr lang="en-US" sz="3000" dirty="0">
+            <a:r>
+              <a:rPr lang="en-US" sz="3600" dirty="0">
+                <a:latin typeface="Helvetica Neue" panose="02000503000000020004" pitchFamily="2" charset="0"/>
+                <a:ea typeface="Helvetica Neue" panose="02000503000000020004" pitchFamily="2" charset="0"/>
+                <a:cs typeface="Helvetica Neue" panose="02000503000000020004" pitchFamily="2" charset="0"/>
+              </a:rPr>
+              <a:t> for using the weights after 3000 epochs is highest at 73%. However, the </a:t>
+            </a:r>
+            <a:r>
+              <a:rPr lang="en-US" sz="3600" dirty="0" err="1">
+                <a:latin typeface="Helvetica Neue" panose="02000503000000020004" pitchFamily="2" charset="0"/>
+                <a:ea typeface="Helvetica Neue" panose="02000503000000020004" pitchFamily="2" charset="0"/>
+                <a:cs typeface="Helvetica Neue" panose="02000503000000020004" pitchFamily="2" charset="0"/>
+              </a:rPr>
+              <a:t>mAP</a:t>
+            </a:r>
+            <a:r>
+              <a:rPr lang="en-US" sz="3600" dirty="0">
+                <a:latin typeface="Helvetica Neue" panose="02000503000000020004" pitchFamily="2" charset="0"/>
+                <a:ea typeface="Helvetica Neue" panose="02000503000000020004" pitchFamily="2" charset="0"/>
+                <a:cs typeface="Helvetica Neue" panose="02000503000000020004" pitchFamily="2" charset="0"/>
+              </a:rPr>
+              <a:t> for the single-class detector was highest while using the weights after 2000 epochs at 85.71%</a:t>
+            </a:r>
+          </a:p>
+          <a:p>
+            <a:pPr marL="571500" indent="-571500">
+              <a:buFont typeface="Arial" panose="020B0604020202020204" pitchFamily="34" charset="0"/>
+              <a:buChar char="•"/>
+            </a:pPr>
+            <a:endParaRPr lang="en-US" sz="1800" dirty="0">
               <a:latin typeface="Helvetica Neue" panose="02000503000000020004" pitchFamily="2" charset="0"/>
               <a:ea typeface="Helvetica Neue" panose="02000503000000020004" pitchFamily="2" charset="0"/>
               <a:cs typeface="Helvetica Neue" panose="02000503000000020004" pitchFamily="2" charset="0"/>
             </a:endParaRPr>
           </a:p>
           <a:p>
-            <a:endParaRPr lang="en-US" sz="3000" dirty="0">
-              <a:latin typeface="Helvetica Neue" panose="02000503000000020004" pitchFamily="2" charset="0"/>
-              <a:ea typeface="Helvetica Neue" panose="02000503000000020004" pitchFamily="2" charset="0"/>
-              <a:cs typeface="Helvetica Neue" panose="02000503000000020004" pitchFamily="2" charset="0"/>
-            </a:endParaRPr>
+            <a:r>
+              <a:rPr lang="en-US" sz="3600" b="1" dirty="0">
+                <a:latin typeface="Helvetica Neue" panose="02000503000000020004" pitchFamily="2" charset="0"/>
+                <a:ea typeface="Helvetica Neue" panose="02000503000000020004" pitchFamily="2" charset="0"/>
+                <a:cs typeface="Helvetica Neue" panose="02000503000000020004" pitchFamily="2" charset="0"/>
+              </a:rPr>
+              <a:t>Multi-Class vs. Single-Class Detection</a:t>
+            </a:r>
           </a:p>
         </p:txBody>
       </p:sp>
@@ -15986,8 +17052,8 @@
         </p:nvSpPr>
         <p:spPr>
           <a:xfrm>
-            <a:off x="13892878" y="6319847"/>
-            <a:ext cx="12447852" cy="923322"/>
+            <a:off x="13892878" y="6455315"/>
+            <a:ext cx="25346996" cy="923322"/>
           </a:xfrm>
         </p:spPr>
         <p:txBody>
@@ -15995,266 +17061,13 @@
           <a:lstStyle/>
           <a:p>
             <a:r>
-              <a:rPr lang="en-US" sz="4800" dirty="0"/>
-              <a:t>RESULTS</a:t>
-            </a:r>
-          </a:p>
-        </p:txBody>
-      </p:sp>
-      <p:sp>
-        <p:nvSpPr>
-          <p:cNvPr id="361" name="Text Placeholder 360"/>
-          <p:cNvSpPr>
-            <a:spLocks noGrp="1"/>
-          </p:cNvSpPr>
-          <p:nvPr>
-            <p:ph type="body" sz="quarter" idx="25"/>
-          </p:nvPr>
-        </p:nvSpPr>
-        <p:spPr>
-          <a:xfrm>
-            <a:off x="26946097" y="6319847"/>
-            <a:ext cx="12444693" cy="923322"/>
-          </a:xfrm>
-        </p:spPr>
-        <p:txBody>
-          <a:bodyPr/>
-          <a:lstStyle/>
-          <a:p>
-            <a:r>
-              <a:rPr lang="en-US" sz="4800" dirty="0"/>
-              <a:t>CONCLUSIONS</a:t>
-            </a:r>
-          </a:p>
-        </p:txBody>
-      </p:sp>
-      <p:sp>
-        <p:nvSpPr>
-          <p:cNvPr id="362" name="Text Placeholder 361"/>
-          <p:cNvSpPr>
-            <a:spLocks noGrp="1"/>
-          </p:cNvSpPr>
-          <p:nvPr>
-            <p:ph type="body" sz="quarter" idx="26"/>
-          </p:nvPr>
-        </p:nvSpPr>
-        <p:spPr>
-          <a:xfrm>
-            <a:off x="27111833" y="7129168"/>
-            <a:ext cx="12132653" cy="4247294"/>
-          </a:xfrm>
-        </p:spPr>
-        <p:txBody>
-          <a:bodyPr/>
-          <a:lstStyle/>
-          <a:p>
-            <a:r>
-              <a:rPr lang="en-US" sz="3000" b="1" dirty="0">
+              <a:rPr lang="en-US" sz="4800" dirty="0">
                 <a:latin typeface="Helvetica Neue" panose="02000503000000020004" pitchFamily="2" charset="0"/>
                 <a:ea typeface="Helvetica Neue" panose="02000503000000020004" pitchFamily="2" charset="0"/>
                 <a:cs typeface="Helvetica Neue" panose="02000503000000020004" pitchFamily="2" charset="0"/>
               </a:rPr>
-              <a:t>Strengths</a:t>
+              <a:t>RESULTS</a:t>
             </a:r>
-          </a:p>
-          <a:p>
-            <a:pPr marL="342900" indent="-342900">
-              <a:buFont typeface="Arial" panose="020B0604020202020204" pitchFamily="34" charset="0"/>
-              <a:buChar char="•"/>
-            </a:pPr>
-            <a:r>
-              <a:rPr lang="en-US" sz="3000" dirty="0">
-                <a:latin typeface="Helvetica Neue" panose="02000503000000020004" pitchFamily="2" charset="0"/>
-                <a:ea typeface="Helvetica Neue" panose="02000503000000020004" pitchFamily="2" charset="0"/>
-                <a:cs typeface="Helvetica Neue" panose="02000503000000020004" pitchFamily="2" charset="0"/>
-              </a:rPr>
-              <a:t>Dd</a:t>
-            </a:r>
-          </a:p>
-          <a:p>
-            <a:r>
-              <a:rPr lang="en-US" sz="3000" b="1" dirty="0">
-                <a:latin typeface="Helvetica Neue" panose="02000503000000020004" pitchFamily="2" charset="0"/>
-                <a:ea typeface="Helvetica Neue" panose="02000503000000020004" pitchFamily="2" charset="0"/>
-                <a:cs typeface="Helvetica Neue" panose="02000503000000020004" pitchFamily="2" charset="0"/>
-              </a:rPr>
-              <a:t>Weaknesses</a:t>
-            </a:r>
-          </a:p>
-          <a:p>
-            <a:pPr marL="342900" indent="-342900">
-              <a:buFont typeface="Arial" panose="020B0604020202020204" pitchFamily="34" charset="0"/>
-              <a:buChar char="•"/>
-            </a:pPr>
-            <a:r>
-              <a:rPr lang="en-US" sz="3000" dirty="0">
-                <a:latin typeface="Helvetica Neue" panose="02000503000000020004" pitchFamily="2" charset="0"/>
-                <a:ea typeface="Helvetica Neue" panose="02000503000000020004" pitchFamily="2" charset="0"/>
-                <a:cs typeface="Helvetica Neue" panose="02000503000000020004" pitchFamily="2" charset="0"/>
-              </a:rPr>
-              <a:t>Dd</a:t>
-            </a:r>
-          </a:p>
-          <a:p>
-            <a:r>
-              <a:rPr lang="en-US" sz="3000" b="1" dirty="0">
-                <a:latin typeface="Helvetica Neue" panose="02000503000000020004" pitchFamily="2" charset="0"/>
-                <a:ea typeface="Helvetica Neue" panose="02000503000000020004" pitchFamily="2" charset="0"/>
-                <a:cs typeface="Helvetica Neue" panose="02000503000000020004" pitchFamily="2" charset="0"/>
-              </a:rPr>
-              <a:t>Future Work</a:t>
-            </a:r>
-          </a:p>
-          <a:p>
-            <a:pPr marL="342900" indent="-342900">
-              <a:buFont typeface="Arial" panose="020B0604020202020204" pitchFamily="34" charset="0"/>
-              <a:buChar char="•"/>
-            </a:pPr>
-            <a:r>
-              <a:rPr lang="en-US" sz="3000" dirty="0">
-                <a:latin typeface="Helvetica Neue" panose="02000503000000020004" pitchFamily="2" charset="0"/>
-                <a:ea typeface="Helvetica Neue" panose="02000503000000020004" pitchFamily="2" charset="0"/>
-                <a:cs typeface="Helvetica Neue" panose="02000503000000020004" pitchFamily="2" charset="0"/>
-              </a:rPr>
-              <a:t>Dd</a:t>
-            </a:r>
-          </a:p>
-          <a:p>
-            <a:pPr marL="342900" indent="-342900">
-              <a:buFont typeface="Arial" panose="020B0604020202020204" pitchFamily="34" charset="0"/>
-              <a:buChar char="•"/>
-            </a:pPr>
-            <a:endParaRPr lang="en-US" sz="3000" b="1" dirty="0">
-              <a:latin typeface="Helvetica Neue" panose="02000503000000020004" pitchFamily="2" charset="0"/>
-              <a:ea typeface="Helvetica Neue" panose="02000503000000020004" pitchFamily="2" charset="0"/>
-              <a:cs typeface="Helvetica Neue" panose="02000503000000020004" pitchFamily="2" charset="0"/>
-            </a:endParaRPr>
-          </a:p>
-        </p:txBody>
-      </p:sp>
-      <p:sp>
-        <p:nvSpPr>
-          <p:cNvPr id="363" name="Text Placeholder 362"/>
-          <p:cNvSpPr>
-            <a:spLocks noGrp="1"/>
-          </p:cNvSpPr>
-          <p:nvPr>
-            <p:ph type="body" sz="quarter" idx="27"/>
-          </p:nvPr>
-        </p:nvSpPr>
-        <p:spPr>
-          <a:xfrm>
-            <a:off x="26946097" y="20919447"/>
-            <a:ext cx="12444693" cy="923322"/>
-          </a:xfrm>
-        </p:spPr>
-        <p:txBody>
-          <a:bodyPr/>
-          <a:lstStyle/>
-          <a:p>
-            <a:r>
-              <a:rPr lang="en-US" sz="4800" dirty="0"/>
-              <a:t>REFERENCES</a:t>
-            </a:r>
-          </a:p>
-        </p:txBody>
-      </p:sp>
-      <p:sp>
-        <p:nvSpPr>
-          <p:cNvPr id="364" name="Text Placeholder 363"/>
-          <p:cNvSpPr>
-            <a:spLocks noGrp="1"/>
-          </p:cNvSpPr>
-          <p:nvPr>
-            <p:ph type="body" sz="quarter" idx="28"/>
-          </p:nvPr>
-        </p:nvSpPr>
-        <p:spPr>
-          <a:xfrm>
-            <a:off x="27111832" y="21728765"/>
-            <a:ext cx="12132653" cy="923307"/>
-          </a:xfrm>
-        </p:spPr>
-        <p:txBody>
-          <a:bodyPr/>
-          <a:lstStyle/>
-          <a:p>
-            <a:pPr marL="342900" indent="-342900">
-              <a:buFont typeface="Arial" panose="020B0604020202020204" pitchFamily="34" charset="0"/>
-              <a:buChar char="•"/>
-            </a:pPr>
-            <a:r>
-              <a:rPr lang="en-US" sz="3000" dirty="0">
-                <a:latin typeface="Helvetica Neue" panose="02000503000000020004" pitchFamily="2" charset="0"/>
-                <a:ea typeface="Helvetica Neue" panose="02000503000000020004" pitchFamily="2" charset="0"/>
-                <a:cs typeface="Helvetica Neue" panose="02000503000000020004" pitchFamily="2" charset="0"/>
-                <a:hlinkClick r:id="rId3"/>
-              </a:rPr>
-              <a:t>https://github.com/AlexeyAB/darknet/</a:t>
-            </a:r>
-            <a:r>
-              <a:rPr lang="en-US" sz="3000" dirty="0">
-                <a:latin typeface="Helvetica Neue" panose="02000503000000020004" pitchFamily="2" charset="0"/>
-                <a:ea typeface="Helvetica Neue" panose="02000503000000020004" pitchFamily="2" charset="0"/>
-                <a:cs typeface="Helvetica Neue" panose="02000503000000020004" pitchFamily="2" charset="0"/>
-              </a:rPr>
-              <a:t> </a:t>
-            </a:r>
-          </a:p>
-        </p:txBody>
-      </p:sp>
-      <p:sp>
-        <p:nvSpPr>
-          <p:cNvPr id="365" name="Text Placeholder 364"/>
-          <p:cNvSpPr>
-            <a:spLocks noGrp="1"/>
-          </p:cNvSpPr>
-          <p:nvPr>
-            <p:ph type="body" sz="quarter" idx="29"/>
-          </p:nvPr>
-        </p:nvSpPr>
-        <p:spPr>
-          <a:xfrm>
-            <a:off x="26946097" y="31269879"/>
-            <a:ext cx="12444693" cy="923322"/>
-          </a:xfrm>
-        </p:spPr>
-        <p:txBody>
-          <a:bodyPr/>
-          <a:lstStyle/>
-          <a:p>
-            <a:r>
-              <a:rPr lang="en-US" sz="4800" dirty="0"/>
-              <a:t>ACKNOWLEDGEMENTS</a:t>
-            </a:r>
-          </a:p>
-        </p:txBody>
-      </p:sp>
-      <p:sp>
-        <p:nvSpPr>
-          <p:cNvPr id="366" name="Text Placeholder 365"/>
-          <p:cNvSpPr>
-            <a:spLocks noGrp="1"/>
-          </p:cNvSpPr>
-          <p:nvPr>
-            <p:ph type="body" sz="quarter" idx="30"/>
-          </p:nvPr>
-        </p:nvSpPr>
-        <p:spPr>
-          <a:xfrm>
-            <a:off x="27111832" y="32079200"/>
-            <a:ext cx="12132653" cy="923307"/>
-          </a:xfrm>
-        </p:spPr>
-        <p:txBody>
-          <a:bodyPr/>
-          <a:lstStyle/>
-          <a:p>
-            <a:endParaRPr lang="en-US" sz="3000" dirty="0">
-              <a:latin typeface="Helvetica Neue" panose="02000503000000020004" pitchFamily="2" charset="0"/>
-              <a:ea typeface="Helvetica Neue" panose="02000503000000020004" pitchFamily="2" charset="0"/>
-              <a:cs typeface="Helvetica Neue" panose="02000503000000020004" pitchFamily="2" charset="0"/>
-            </a:endParaRPr>
           </a:p>
         </p:txBody>
       </p:sp>
@@ -16330,7 +17143,7 @@
         </p:nvSpPr>
         <p:spPr>
           <a:xfrm>
-            <a:off x="5343525" y="3015740"/>
+            <a:off x="5343525" y="2939540"/>
             <a:ext cx="29546550" cy="1697355"/>
           </a:xfrm>
         </p:spPr>
@@ -16440,13 +17253,13 @@
           <p:nvPr/>
         </p:nvPicPr>
         <p:blipFill>
-          <a:blip r:embed="rId4">
+          <a:blip r:embed="rId3">
             <a:extLst>
               <a:ext uri="{28A0092B-C50C-407E-A947-70E740481C1C}">
                 <a14:useLocalDpi xmlns:a14="http://schemas.microsoft.com/office/drawing/2010/main" val="0"/>
               </a:ext>
               <a:ext uri="{96DAC541-7B7A-43D3-8B79-37D633B846F1}">
-                <asvg:svgBlip xmlns:asvg="http://schemas.microsoft.com/office/drawing/2016/SVG/main" r:embed="rId5"/>
+                <asvg:svgBlip xmlns:asvg="http://schemas.microsoft.com/office/drawing/2016/SVG/main" r:embed="rId4"/>
               </a:ext>
             </a:extLst>
           </a:blip>
@@ -16456,8 +17269,8 @@
         </p:blipFill>
         <p:spPr>
           <a:xfrm>
-            <a:off x="14050476" y="7847712"/>
-            <a:ext cx="4044217" cy="2696145"/>
+            <a:off x="14185163" y="8086318"/>
+            <a:ext cx="6157352" cy="4104902"/>
           </a:xfrm>
           <a:prstGeom prst="rect">
             <a:avLst/>
@@ -16479,13 +17292,13 @@
           <p:nvPr/>
         </p:nvPicPr>
         <p:blipFill>
-          <a:blip r:embed="rId6">
+          <a:blip r:embed="rId5">
             <a:extLst>
               <a:ext uri="{28A0092B-C50C-407E-A947-70E740481C1C}">
                 <a14:useLocalDpi xmlns:a14="http://schemas.microsoft.com/office/drawing/2010/main" val="0"/>
               </a:ext>
               <a:ext uri="{96DAC541-7B7A-43D3-8B79-37D633B846F1}">
-                <asvg:svgBlip xmlns:asvg="http://schemas.microsoft.com/office/drawing/2016/SVG/main" r:embed="rId7"/>
+                <asvg:svgBlip xmlns:asvg="http://schemas.microsoft.com/office/drawing/2016/SVG/main" r:embed="rId6"/>
               </a:ext>
             </a:extLst>
           </a:blip>
@@ -16495,8 +17308,8 @@
         </p:blipFill>
         <p:spPr>
           <a:xfrm>
-            <a:off x="18094693" y="7850260"/>
-            <a:ext cx="4044219" cy="2696145"/>
+            <a:off x="20536596" y="8086318"/>
+            <a:ext cx="6157355" cy="4104902"/>
           </a:xfrm>
           <a:prstGeom prst="rect">
             <a:avLst/>
@@ -16518,13 +17331,13 @@
           <p:nvPr/>
         </p:nvPicPr>
         <p:blipFill>
-          <a:blip r:embed="rId8">
+          <a:blip r:embed="rId7">
             <a:extLst>
               <a:ext uri="{28A0092B-C50C-407E-A947-70E740481C1C}">
                 <a14:useLocalDpi xmlns:a14="http://schemas.microsoft.com/office/drawing/2010/main" val="0"/>
               </a:ext>
               <a:ext uri="{96DAC541-7B7A-43D3-8B79-37D633B846F1}">
-                <asvg:svgBlip xmlns:asvg="http://schemas.microsoft.com/office/drawing/2016/SVG/main" r:embed="rId9"/>
+                <asvg:svgBlip xmlns:asvg="http://schemas.microsoft.com/office/drawing/2016/SVG/main" r:embed="rId8"/>
               </a:ext>
             </a:extLst>
           </a:blip>
@@ -16534,8 +17347,47 @@
         </p:blipFill>
         <p:spPr>
           <a:xfrm>
-            <a:off x="22138912" y="7847712"/>
-            <a:ext cx="4044217" cy="2696145"/>
+            <a:off x="26888032" y="8086318"/>
+            <a:ext cx="6157352" cy="4104902"/>
+          </a:xfrm>
+          <a:prstGeom prst="rect">
+            <a:avLst/>
+          </a:prstGeom>
+        </p:spPr>
+      </p:pic>
+      <p:pic>
+        <p:nvPicPr>
+          <p:cNvPr id="23" name="Graphic 22">
+            <a:extLst>
+              <a:ext uri="{FF2B5EF4-FFF2-40B4-BE49-F238E27FC236}">
+                <a16:creationId xmlns:a16="http://schemas.microsoft.com/office/drawing/2014/main" id="{7DFED878-A39F-D04A-BB6E-CD11B13C7080}"/>
+              </a:ext>
+            </a:extLst>
+          </p:cNvPr>
+          <p:cNvPicPr>
+            <a:picLocks noChangeAspect="1"/>
+          </p:cNvPicPr>
+          <p:nvPr/>
+        </p:nvPicPr>
+        <p:blipFill>
+          <a:blip r:embed="rId9">
+            <a:extLst>
+              <a:ext uri="{28A0092B-C50C-407E-A947-70E740481C1C}">
+                <a14:useLocalDpi xmlns:a14="http://schemas.microsoft.com/office/drawing/2010/main" val="0"/>
+              </a:ext>
+              <a:ext uri="{96DAC541-7B7A-43D3-8B79-37D633B846F1}">
+                <asvg:svgBlip xmlns:asvg="http://schemas.microsoft.com/office/drawing/2016/SVG/main" r:embed="rId10"/>
+              </a:ext>
+            </a:extLst>
+          </a:blip>
+          <a:stretch>
+            <a:fillRect/>
+          </a:stretch>
+        </p:blipFill>
+        <p:spPr>
+          <a:xfrm>
+            <a:off x="33239465" y="8086318"/>
+            <a:ext cx="6056924" cy="4037949"/>
           </a:xfrm>
           <a:prstGeom prst="rect">
             <a:avLst/>
@@ -16544,10 +17396,10 @@
       </p:pic>
       <p:sp>
         <p:nvSpPr>
-          <p:cNvPr id="38" name="Text Placeholder 358">
+          <p:cNvPr id="50" name="Text Placeholder 362">
             <a:extLst>
               <a:ext uri="{FF2B5EF4-FFF2-40B4-BE49-F238E27FC236}">
-                <a16:creationId xmlns:a16="http://schemas.microsoft.com/office/drawing/2014/main" id="{B0798DC3-4C24-B14F-9172-5AFF41BB9E04}"/>
+                <a16:creationId xmlns:a16="http://schemas.microsoft.com/office/drawing/2014/main" id="{07AC20BC-1459-874F-9AE7-74E31BDBD8B9}"/>
               </a:ext>
             </a:extLst>
           </p:cNvPr>
@@ -16558,8 +17410,187 @@
         </p:nvSpPr>
         <p:spPr>
           <a:xfrm>
-            <a:off x="14050476" y="11196986"/>
-            <a:ext cx="12132653" cy="923307"/>
+            <a:off x="26941486" y="29614516"/>
+            <a:ext cx="12444693" cy="923322"/>
+          </a:xfrm>
+          <a:prstGeom prst="rect">
+            <a:avLst/>
+          </a:prstGeom>
+          <a:noFill/>
+        </p:spPr>
+        <p:txBody>
+          <a:bodyPr wrap="square" lIns="91436" tIns="91436" rIns="91436" bIns="91436" anchor="ctr" anchorCtr="0">
+            <a:spAutoFit/>
+          </a:bodyPr>
+          <a:lstStyle>
+            <a:lvl1pPr marL="0" indent="0" algn="ctr" defTabSz="4023305" rtl="0" eaLnBrk="1" latinLnBrk="0" hangingPunct="1">
+              <a:spcBef>
+                <a:spcPct val="20000"/>
+              </a:spcBef>
+              <a:buFont typeface="Arial" pitchFamily="34" charset="0"/>
+              <a:buNone/>
+              <a:defRPr sz="3392" b="1" u="sng" kern="1200" baseline="0">
+                <a:solidFill>
+                  <a:schemeClr val="accent5">
+                    <a:lumMod val="50000"/>
+                  </a:schemeClr>
+                </a:solidFill>
+                <a:latin typeface="+mn-lt"/>
+                <a:ea typeface="+mn-ea"/>
+                <a:cs typeface="+mn-cs"/>
+              </a:defRPr>
+            </a:lvl1pPr>
+            <a:lvl2pPr marL="3268936" indent="-1257282" algn="l" defTabSz="4023305" rtl="0" eaLnBrk="1" latinLnBrk="0" hangingPunct="1">
+              <a:spcBef>
+                <a:spcPct val="20000"/>
+              </a:spcBef>
+              <a:buFont typeface="Arial" pitchFamily="34" charset="0"/>
+              <a:buChar char="–"/>
+              <a:defRPr sz="12375" kern="1200">
+                <a:solidFill>
+                  <a:schemeClr val="tx1"/>
+                </a:solidFill>
+                <a:latin typeface="+mn-lt"/>
+                <a:ea typeface="+mn-ea"/>
+                <a:cs typeface="+mn-cs"/>
+              </a:defRPr>
+            </a:lvl2pPr>
+            <a:lvl3pPr marL="5029132" indent="-1005827" algn="l" defTabSz="4023305" rtl="0" eaLnBrk="1" latinLnBrk="0" hangingPunct="1">
+              <a:spcBef>
+                <a:spcPct val="20000"/>
+              </a:spcBef>
+              <a:buFont typeface="Arial" pitchFamily="34" charset="0"/>
+              <a:buChar char="•"/>
+              <a:defRPr sz="10634" kern="1200">
+                <a:solidFill>
+                  <a:schemeClr val="tx1"/>
+                </a:solidFill>
+                <a:latin typeface="+mn-lt"/>
+                <a:ea typeface="+mn-ea"/>
+                <a:cs typeface="+mn-cs"/>
+              </a:defRPr>
+            </a:lvl3pPr>
+            <a:lvl4pPr marL="7040785" indent="-1005827" algn="l" defTabSz="4023305" rtl="0" eaLnBrk="1" latinLnBrk="0" hangingPunct="1">
+              <a:spcBef>
+                <a:spcPct val="20000"/>
+              </a:spcBef>
+              <a:buFont typeface="Arial" pitchFamily="34" charset="0"/>
+              <a:buChar char="–"/>
+              <a:defRPr sz="8800" kern="1200">
+                <a:solidFill>
+                  <a:schemeClr val="tx1"/>
+                </a:solidFill>
+                <a:latin typeface="+mn-lt"/>
+                <a:ea typeface="+mn-ea"/>
+                <a:cs typeface="+mn-cs"/>
+              </a:defRPr>
+            </a:lvl4pPr>
+            <a:lvl5pPr marL="9052436" indent="-1005827" algn="l" defTabSz="4023305" rtl="0" eaLnBrk="1" latinLnBrk="0" hangingPunct="1">
+              <a:spcBef>
+                <a:spcPct val="20000"/>
+              </a:spcBef>
+              <a:buFont typeface="Arial" pitchFamily="34" charset="0"/>
+              <a:buChar char="»"/>
+              <a:defRPr sz="8800" kern="1200">
+                <a:solidFill>
+                  <a:schemeClr val="tx1"/>
+                </a:solidFill>
+                <a:latin typeface="+mn-lt"/>
+                <a:ea typeface="+mn-ea"/>
+                <a:cs typeface="+mn-cs"/>
+              </a:defRPr>
+            </a:lvl5pPr>
+            <a:lvl6pPr marL="11064090" indent="-1005827" algn="l" defTabSz="4023305" rtl="0" eaLnBrk="1" latinLnBrk="0" hangingPunct="1">
+              <a:spcBef>
+                <a:spcPct val="20000"/>
+              </a:spcBef>
+              <a:buFont typeface="Arial" pitchFamily="34" charset="0"/>
+              <a:buChar char="•"/>
+              <a:defRPr sz="8800" kern="1200">
+                <a:solidFill>
+                  <a:schemeClr val="tx1"/>
+                </a:solidFill>
+                <a:latin typeface="+mn-lt"/>
+                <a:ea typeface="+mn-ea"/>
+                <a:cs typeface="+mn-cs"/>
+              </a:defRPr>
+            </a:lvl6pPr>
+            <a:lvl7pPr marL="13075741" indent="-1005827" algn="l" defTabSz="4023305" rtl="0" eaLnBrk="1" latinLnBrk="0" hangingPunct="1">
+              <a:spcBef>
+                <a:spcPct val="20000"/>
+              </a:spcBef>
+              <a:buFont typeface="Arial" pitchFamily="34" charset="0"/>
+              <a:buChar char="•"/>
+              <a:defRPr sz="8800" kern="1200">
+                <a:solidFill>
+                  <a:schemeClr val="tx1"/>
+                </a:solidFill>
+                <a:latin typeface="+mn-lt"/>
+                <a:ea typeface="+mn-ea"/>
+                <a:cs typeface="+mn-cs"/>
+              </a:defRPr>
+            </a:lvl7pPr>
+            <a:lvl8pPr marL="15087394" indent="-1005827" algn="l" defTabSz="4023305" rtl="0" eaLnBrk="1" latinLnBrk="0" hangingPunct="1">
+              <a:spcBef>
+                <a:spcPct val="20000"/>
+              </a:spcBef>
+              <a:buFont typeface="Arial" pitchFamily="34" charset="0"/>
+              <a:buChar char="•"/>
+              <a:defRPr sz="8800" kern="1200">
+                <a:solidFill>
+                  <a:schemeClr val="tx1"/>
+                </a:solidFill>
+                <a:latin typeface="+mn-lt"/>
+                <a:ea typeface="+mn-ea"/>
+                <a:cs typeface="+mn-cs"/>
+              </a:defRPr>
+            </a:lvl8pPr>
+            <a:lvl9pPr marL="17099047" indent="-1005827" algn="l" defTabSz="4023305" rtl="0" eaLnBrk="1" latinLnBrk="0" hangingPunct="1">
+              <a:spcBef>
+                <a:spcPct val="20000"/>
+              </a:spcBef>
+              <a:buFont typeface="Arial" pitchFamily="34" charset="0"/>
+              <a:buChar char="•"/>
+              <a:defRPr sz="8800" kern="1200">
+                <a:solidFill>
+                  <a:schemeClr val="tx1"/>
+                </a:solidFill>
+                <a:latin typeface="+mn-lt"/>
+                <a:ea typeface="+mn-ea"/>
+                <a:cs typeface="+mn-cs"/>
+              </a:defRPr>
+            </a:lvl9pPr>
+          </a:lstStyle>
+          <a:p>
+            <a:r>
+              <a:rPr lang="en-US" sz="4800" dirty="0">
+                <a:latin typeface="Helvetica Neue" panose="02000503000000020004" pitchFamily="2" charset="0"/>
+                <a:ea typeface="Helvetica Neue" panose="02000503000000020004" pitchFamily="2" charset="0"/>
+                <a:cs typeface="Helvetica Neue" panose="02000503000000020004" pitchFamily="2" charset="0"/>
+              </a:rPr>
+              <a:t>REFERENCES</a:t>
+            </a:r>
+          </a:p>
+        </p:txBody>
+      </p:sp>
+      <p:sp>
+        <p:nvSpPr>
+          <p:cNvPr id="51" name="Text Placeholder 363">
+            <a:extLst>
+              <a:ext uri="{FF2B5EF4-FFF2-40B4-BE49-F238E27FC236}">
+                <a16:creationId xmlns:a16="http://schemas.microsoft.com/office/drawing/2014/main" id="{3D3C5F8D-CF8D-1D4C-A349-C1B2A9D06669}"/>
+              </a:ext>
+            </a:extLst>
+          </p:cNvPr>
+          <p:cNvSpPr txBox="1">
+            <a:spLocks/>
+          </p:cNvSpPr>
+          <p:nvPr/>
+        </p:nvSpPr>
+        <p:spPr>
+          <a:xfrm>
+            <a:off x="27107221" y="30460410"/>
+            <a:ext cx="12132653" cy="2400635"/>
           </a:xfrm>
           <a:prstGeom prst="rect">
             <a:avLst/>
@@ -16709,13 +17740,1574 @@
             </a:lvl9pPr>
           </a:lstStyle>
           <a:p>
+            <a:pPr marL="342900" indent="-342900">
+              <a:buFont typeface="Arial" pitchFamily="34" charset="0"/>
+              <a:buChar char="•"/>
+            </a:pPr>
             <a:r>
-              <a:rPr lang="en-US" sz="3000" b="1" dirty="0">
+              <a:rPr lang="en-US" sz="3000" dirty="0" err="1">
                 <a:latin typeface="Helvetica Neue" panose="02000503000000020004" pitchFamily="2" charset="0"/>
                 <a:ea typeface="Helvetica Neue" panose="02000503000000020004" pitchFamily="2" charset="0"/>
                 <a:cs typeface="Helvetica Neue" panose="02000503000000020004" pitchFamily="2" charset="0"/>
               </a:rPr>
-              <a:t>Multi-Class vs. Single-Class Detection</a:t>
+              <a:t>AlexeyAB</a:t>
+            </a:r>
+            <a:r>
+              <a:rPr lang="en-US" sz="3000" dirty="0">
+                <a:latin typeface="Helvetica Neue" panose="02000503000000020004" pitchFamily="2" charset="0"/>
+                <a:ea typeface="Helvetica Neue" panose="02000503000000020004" pitchFamily="2" charset="0"/>
+                <a:cs typeface="Helvetica Neue" panose="02000503000000020004" pitchFamily="2" charset="0"/>
+              </a:rPr>
+              <a:t>. “</a:t>
+            </a:r>
+            <a:r>
+              <a:rPr lang="en-US" sz="3000" dirty="0" err="1">
+                <a:latin typeface="Helvetica Neue" panose="02000503000000020004" pitchFamily="2" charset="0"/>
+                <a:ea typeface="Helvetica Neue" panose="02000503000000020004" pitchFamily="2" charset="0"/>
+                <a:cs typeface="Helvetica Neue" panose="02000503000000020004" pitchFamily="2" charset="0"/>
+              </a:rPr>
+              <a:t>AlexeyAB</a:t>
+            </a:r>
+            <a:r>
+              <a:rPr lang="en-US" sz="3000" dirty="0">
+                <a:latin typeface="Helvetica Neue" panose="02000503000000020004" pitchFamily="2" charset="0"/>
+                <a:ea typeface="Helvetica Neue" panose="02000503000000020004" pitchFamily="2" charset="0"/>
+                <a:cs typeface="Helvetica Neue" panose="02000503000000020004" pitchFamily="2" charset="0"/>
+              </a:rPr>
+              <a:t>/Darknet.” GitHub, January 10, 2020. </a:t>
+            </a:r>
+            <a:r>
+              <a:rPr lang="en-US" sz="3000" dirty="0">
+                <a:latin typeface="Helvetica Neue" panose="02000503000000020004" pitchFamily="2" charset="0"/>
+                <a:ea typeface="Helvetica Neue" panose="02000503000000020004" pitchFamily="2" charset="0"/>
+                <a:cs typeface="Helvetica Neue" panose="02000503000000020004" pitchFamily="2" charset="0"/>
+                <a:hlinkClick r:id="rId11"/>
+              </a:rPr>
+              <a:t>https://github.com/AlexeyAB/darknet/</a:t>
+            </a:r>
+            <a:r>
+              <a:rPr lang="en-US" sz="3000" dirty="0">
+                <a:latin typeface="Helvetica Neue" panose="02000503000000020004" pitchFamily="2" charset="0"/>
+                <a:ea typeface="Helvetica Neue" panose="02000503000000020004" pitchFamily="2" charset="0"/>
+                <a:cs typeface="Helvetica Neue" panose="02000503000000020004" pitchFamily="2" charset="0"/>
+              </a:rPr>
+              <a:t>. </a:t>
+            </a:r>
+          </a:p>
+          <a:p>
+            <a:pPr marL="342900" indent="-342900">
+              <a:buFont typeface="Arial" pitchFamily="34" charset="0"/>
+              <a:buChar char="•"/>
+            </a:pPr>
+            <a:r>
+              <a:rPr lang="en-US" sz="3000" dirty="0">
+                <a:latin typeface="Helvetica Neue" panose="02000503000000020004" pitchFamily="2" charset="0"/>
+                <a:ea typeface="Helvetica Neue" panose="02000503000000020004" pitchFamily="2" charset="0"/>
+                <a:cs typeface="Helvetica Neue" panose="02000503000000020004" pitchFamily="2" charset="0"/>
+              </a:rPr>
+              <a:t>Redmon, Joseph. YOLO: Real-Time Object Detection. Accessed January 13, 2020. </a:t>
+            </a:r>
+            <a:r>
+              <a:rPr lang="en-US" sz="3000" dirty="0">
+                <a:latin typeface="Helvetica Neue" panose="02000503000000020004" pitchFamily="2" charset="0"/>
+                <a:ea typeface="Helvetica Neue" panose="02000503000000020004" pitchFamily="2" charset="0"/>
+                <a:cs typeface="Helvetica Neue" panose="02000503000000020004" pitchFamily="2" charset="0"/>
+                <a:hlinkClick r:id="rId12"/>
+              </a:rPr>
+              <a:t>https://pjreddie.com/darknet/yolo/</a:t>
+            </a:r>
+            <a:r>
+              <a:rPr lang="en-US" sz="3000" dirty="0">
+                <a:latin typeface="Helvetica Neue" panose="02000503000000020004" pitchFamily="2" charset="0"/>
+                <a:ea typeface="Helvetica Neue" panose="02000503000000020004" pitchFamily="2" charset="0"/>
+                <a:cs typeface="Helvetica Neue" panose="02000503000000020004" pitchFamily="2" charset="0"/>
+              </a:rPr>
+              <a:t>. </a:t>
+            </a:r>
+          </a:p>
+        </p:txBody>
+      </p:sp>
+      <p:sp>
+        <p:nvSpPr>
+          <p:cNvPr id="54" name="Text Placeholder 360">
+            <a:extLst>
+              <a:ext uri="{FF2B5EF4-FFF2-40B4-BE49-F238E27FC236}">
+                <a16:creationId xmlns:a16="http://schemas.microsoft.com/office/drawing/2014/main" id="{E9A50399-BCB3-464D-BFAC-C6ECA2871476}"/>
+              </a:ext>
+            </a:extLst>
+          </p:cNvPr>
+          <p:cNvSpPr txBox="1">
+            <a:spLocks/>
+          </p:cNvSpPr>
+          <p:nvPr/>
+        </p:nvSpPr>
+        <p:spPr>
+          <a:xfrm>
+            <a:off x="26795181" y="21060290"/>
+            <a:ext cx="12444693" cy="923322"/>
+          </a:xfrm>
+          <a:prstGeom prst="rect">
+            <a:avLst/>
+          </a:prstGeom>
+          <a:noFill/>
+        </p:spPr>
+        <p:txBody>
+          <a:bodyPr wrap="square" lIns="91436" tIns="91436" rIns="91436" bIns="91436" anchor="ctr" anchorCtr="0">
+            <a:spAutoFit/>
+          </a:bodyPr>
+          <a:lstStyle>
+            <a:lvl1pPr marL="0" indent="0" algn="ctr" defTabSz="4023305" rtl="0" eaLnBrk="1" latinLnBrk="0" hangingPunct="1">
+              <a:spcBef>
+                <a:spcPct val="20000"/>
+              </a:spcBef>
+              <a:buFont typeface="Arial" pitchFamily="34" charset="0"/>
+              <a:buNone/>
+              <a:defRPr sz="3392" b="1" u="sng" kern="1200" baseline="0">
+                <a:solidFill>
+                  <a:schemeClr val="accent5">
+                    <a:lumMod val="50000"/>
+                  </a:schemeClr>
+                </a:solidFill>
+                <a:latin typeface="+mn-lt"/>
+                <a:ea typeface="+mn-ea"/>
+                <a:cs typeface="+mn-cs"/>
+              </a:defRPr>
+            </a:lvl1pPr>
+            <a:lvl2pPr marL="3268936" indent="-1257282" algn="l" defTabSz="4023305" rtl="0" eaLnBrk="1" latinLnBrk="0" hangingPunct="1">
+              <a:spcBef>
+                <a:spcPct val="20000"/>
+              </a:spcBef>
+              <a:buFont typeface="Arial" pitchFamily="34" charset="0"/>
+              <a:buChar char="–"/>
+              <a:defRPr sz="12375" kern="1200">
+                <a:solidFill>
+                  <a:schemeClr val="tx1"/>
+                </a:solidFill>
+                <a:latin typeface="+mn-lt"/>
+                <a:ea typeface="+mn-ea"/>
+                <a:cs typeface="+mn-cs"/>
+              </a:defRPr>
+            </a:lvl2pPr>
+            <a:lvl3pPr marL="5029132" indent="-1005827" algn="l" defTabSz="4023305" rtl="0" eaLnBrk="1" latinLnBrk="0" hangingPunct="1">
+              <a:spcBef>
+                <a:spcPct val="20000"/>
+              </a:spcBef>
+              <a:buFont typeface="Arial" pitchFamily="34" charset="0"/>
+              <a:buChar char="•"/>
+              <a:defRPr sz="10634" kern="1200">
+                <a:solidFill>
+                  <a:schemeClr val="tx1"/>
+                </a:solidFill>
+                <a:latin typeface="+mn-lt"/>
+                <a:ea typeface="+mn-ea"/>
+                <a:cs typeface="+mn-cs"/>
+              </a:defRPr>
+            </a:lvl3pPr>
+            <a:lvl4pPr marL="7040785" indent="-1005827" algn="l" defTabSz="4023305" rtl="0" eaLnBrk="1" latinLnBrk="0" hangingPunct="1">
+              <a:spcBef>
+                <a:spcPct val="20000"/>
+              </a:spcBef>
+              <a:buFont typeface="Arial" pitchFamily="34" charset="0"/>
+              <a:buChar char="–"/>
+              <a:defRPr sz="8800" kern="1200">
+                <a:solidFill>
+                  <a:schemeClr val="tx1"/>
+                </a:solidFill>
+                <a:latin typeface="+mn-lt"/>
+                <a:ea typeface="+mn-ea"/>
+                <a:cs typeface="+mn-cs"/>
+              </a:defRPr>
+            </a:lvl4pPr>
+            <a:lvl5pPr marL="9052436" indent="-1005827" algn="l" defTabSz="4023305" rtl="0" eaLnBrk="1" latinLnBrk="0" hangingPunct="1">
+              <a:spcBef>
+                <a:spcPct val="20000"/>
+              </a:spcBef>
+              <a:buFont typeface="Arial" pitchFamily="34" charset="0"/>
+              <a:buChar char="»"/>
+              <a:defRPr sz="8800" kern="1200">
+                <a:solidFill>
+                  <a:schemeClr val="tx1"/>
+                </a:solidFill>
+                <a:latin typeface="+mn-lt"/>
+                <a:ea typeface="+mn-ea"/>
+                <a:cs typeface="+mn-cs"/>
+              </a:defRPr>
+            </a:lvl5pPr>
+            <a:lvl6pPr marL="11064090" indent="-1005827" algn="l" defTabSz="4023305" rtl="0" eaLnBrk="1" latinLnBrk="0" hangingPunct="1">
+              <a:spcBef>
+                <a:spcPct val="20000"/>
+              </a:spcBef>
+              <a:buFont typeface="Arial" pitchFamily="34" charset="0"/>
+              <a:buChar char="•"/>
+              <a:defRPr sz="8800" kern="1200">
+                <a:solidFill>
+                  <a:schemeClr val="tx1"/>
+                </a:solidFill>
+                <a:latin typeface="+mn-lt"/>
+                <a:ea typeface="+mn-ea"/>
+                <a:cs typeface="+mn-cs"/>
+              </a:defRPr>
+            </a:lvl6pPr>
+            <a:lvl7pPr marL="13075741" indent="-1005827" algn="l" defTabSz="4023305" rtl="0" eaLnBrk="1" latinLnBrk="0" hangingPunct="1">
+              <a:spcBef>
+                <a:spcPct val="20000"/>
+              </a:spcBef>
+              <a:buFont typeface="Arial" pitchFamily="34" charset="0"/>
+              <a:buChar char="•"/>
+              <a:defRPr sz="8800" kern="1200">
+                <a:solidFill>
+                  <a:schemeClr val="tx1"/>
+                </a:solidFill>
+                <a:latin typeface="+mn-lt"/>
+                <a:ea typeface="+mn-ea"/>
+                <a:cs typeface="+mn-cs"/>
+              </a:defRPr>
+            </a:lvl7pPr>
+            <a:lvl8pPr marL="15087394" indent="-1005827" algn="l" defTabSz="4023305" rtl="0" eaLnBrk="1" latinLnBrk="0" hangingPunct="1">
+              <a:spcBef>
+                <a:spcPct val="20000"/>
+              </a:spcBef>
+              <a:buFont typeface="Arial" pitchFamily="34" charset="0"/>
+              <a:buChar char="•"/>
+              <a:defRPr sz="8800" kern="1200">
+                <a:solidFill>
+                  <a:schemeClr val="tx1"/>
+                </a:solidFill>
+                <a:latin typeface="+mn-lt"/>
+                <a:ea typeface="+mn-ea"/>
+                <a:cs typeface="+mn-cs"/>
+              </a:defRPr>
+            </a:lvl8pPr>
+            <a:lvl9pPr marL="17099047" indent="-1005827" algn="l" defTabSz="4023305" rtl="0" eaLnBrk="1" latinLnBrk="0" hangingPunct="1">
+              <a:spcBef>
+                <a:spcPct val="20000"/>
+              </a:spcBef>
+              <a:buFont typeface="Arial" pitchFamily="34" charset="0"/>
+              <a:buChar char="•"/>
+              <a:defRPr sz="8800" kern="1200">
+                <a:solidFill>
+                  <a:schemeClr val="tx1"/>
+                </a:solidFill>
+                <a:latin typeface="+mn-lt"/>
+                <a:ea typeface="+mn-ea"/>
+                <a:cs typeface="+mn-cs"/>
+              </a:defRPr>
+            </a:lvl9pPr>
+          </a:lstStyle>
+          <a:p>
+            <a:r>
+              <a:rPr lang="en-US" sz="4800" dirty="0">
+                <a:latin typeface="Helvetica Neue" panose="02000503000000020004" pitchFamily="2" charset="0"/>
+                <a:ea typeface="Helvetica Neue" panose="02000503000000020004" pitchFamily="2" charset="0"/>
+                <a:cs typeface="Helvetica Neue" panose="02000503000000020004" pitchFamily="2" charset="0"/>
+              </a:rPr>
+              <a:t>CONCLUSIONS</a:t>
+            </a:r>
+          </a:p>
+        </p:txBody>
+      </p:sp>
+      <p:sp>
+        <p:nvSpPr>
+          <p:cNvPr id="55" name="Text Placeholder 361">
+            <a:extLst>
+              <a:ext uri="{FF2B5EF4-FFF2-40B4-BE49-F238E27FC236}">
+                <a16:creationId xmlns:a16="http://schemas.microsoft.com/office/drawing/2014/main" id="{B3CD8915-56D4-EE49-8B15-EA236277332D}"/>
+              </a:ext>
+            </a:extLst>
+          </p:cNvPr>
+          <p:cNvSpPr txBox="1">
+            <a:spLocks/>
+          </p:cNvSpPr>
+          <p:nvPr/>
+        </p:nvSpPr>
+        <p:spPr>
+          <a:xfrm>
+            <a:off x="27107221" y="21885595"/>
+            <a:ext cx="12132653" cy="7996013"/>
+          </a:xfrm>
+          <a:prstGeom prst="rect">
+            <a:avLst/>
+          </a:prstGeom>
+        </p:spPr>
+        <p:txBody>
+          <a:bodyPr wrap="square" lIns="228589" tIns="228589" rIns="228589" bIns="228589">
+            <a:spAutoFit/>
+          </a:bodyPr>
+          <a:lstStyle>
+            <a:lvl1pPr marL="0" indent="0" algn="l" defTabSz="4023305" rtl="0" eaLnBrk="1" latinLnBrk="0" hangingPunct="1">
+              <a:spcBef>
+                <a:spcPct val="20000"/>
+              </a:spcBef>
+              <a:buFont typeface="Arial" pitchFamily="34" charset="0"/>
+              <a:buNone/>
+              <a:defRPr sz="2400" kern="1200">
+                <a:solidFill>
+                  <a:schemeClr val="accent5">
+                    <a:lumMod val="50000"/>
+                  </a:schemeClr>
+                </a:solidFill>
+                <a:latin typeface="Times New Roman" panose="02020603050405020304" pitchFamily="18" charset="0"/>
+                <a:ea typeface="+mn-ea"/>
+                <a:cs typeface="Times New Roman" panose="02020603050405020304" pitchFamily="18" charset="0"/>
+              </a:defRPr>
+            </a:lvl1pPr>
+            <a:lvl2pPr marL="1362056" indent="-523867" algn="l" defTabSz="4023305" rtl="0" eaLnBrk="1" latinLnBrk="0" hangingPunct="1">
+              <a:spcBef>
+                <a:spcPct val="20000"/>
+              </a:spcBef>
+              <a:buFont typeface="Arial" pitchFamily="34" charset="0"/>
+              <a:buChar char="–"/>
+              <a:defRPr sz="2292" kern="1200">
+                <a:solidFill>
+                  <a:schemeClr val="tx1"/>
+                </a:solidFill>
+                <a:latin typeface="Trebuchet MS" pitchFamily="34" charset="0"/>
+                <a:ea typeface="+mn-ea"/>
+                <a:cs typeface="+mn-cs"/>
+              </a:defRPr>
+            </a:lvl2pPr>
+            <a:lvl3pPr marL="1885924" indent="-523867" algn="l" defTabSz="4023305" rtl="0" eaLnBrk="1" latinLnBrk="0" hangingPunct="1">
+              <a:spcBef>
+                <a:spcPct val="20000"/>
+              </a:spcBef>
+              <a:buFont typeface="Arial" pitchFamily="34" charset="0"/>
+              <a:buChar char="•"/>
+              <a:defRPr sz="2292" kern="1200">
+                <a:solidFill>
+                  <a:schemeClr val="tx1"/>
+                </a:solidFill>
+                <a:latin typeface="Trebuchet MS" pitchFamily="34" charset="0"/>
+                <a:ea typeface="+mn-ea"/>
+                <a:cs typeface="+mn-cs"/>
+              </a:defRPr>
+            </a:lvl3pPr>
+            <a:lvl4pPr marL="2462179" indent="-576255" algn="l" defTabSz="4023305" rtl="0" eaLnBrk="1" latinLnBrk="0" hangingPunct="1">
+              <a:spcBef>
+                <a:spcPct val="20000"/>
+              </a:spcBef>
+              <a:buFont typeface="Arial" pitchFamily="34" charset="0"/>
+              <a:buChar char="–"/>
+              <a:defRPr sz="2292" kern="1200">
+                <a:solidFill>
+                  <a:schemeClr val="tx1"/>
+                </a:solidFill>
+                <a:latin typeface="Trebuchet MS" pitchFamily="34" charset="0"/>
+                <a:ea typeface="+mn-ea"/>
+                <a:cs typeface="+mn-cs"/>
+              </a:defRPr>
+            </a:lvl4pPr>
+            <a:lvl5pPr marL="2881273" indent="-419094" algn="l" defTabSz="4023305" rtl="0" eaLnBrk="1" latinLnBrk="0" hangingPunct="1">
+              <a:spcBef>
+                <a:spcPct val="20000"/>
+              </a:spcBef>
+              <a:buFont typeface="Arial" pitchFamily="34" charset="0"/>
+              <a:buChar char="»"/>
+              <a:defRPr sz="2292" kern="1200">
+                <a:solidFill>
+                  <a:schemeClr val="tx1"/>
+                </a:solidFill>
+                <a:latin typeface="Trebuchet MS" pitchFamily="34" charset="0"/>
+                <a:ea typeface="+mn-ea"/>
+                <a:cs typeface="+mn-cs"/>
+              </a:defRPr>
+            </a:lvl5pPr>
+            <a:lvl6pPr marL="11064090" indent="-1005827" algn="l" defTabSz="4023305" rtl="0" eaLnBrk="1" latinLnBrk="0" hangingPunct="1">
+              <a:spcBef>
+                <a:spcPct val="20000"/>
+              </a:spcBef>
+              <a:buFont typeface="Arial" pitchFamily="34" charset="0"/>
+              <a:buChar char="•"/>
+              <a:defRPr sz="8800" kern="1200">
+                <a:solidFill>
+                  <a:schemeClr val="tx1"/>
+                </a:solidFill>
+                <a:latin typeface="+mn-lt"/>
+                <a:ea typeface="+mn-ea"/>
+                <a:cs typeface="+mn-cs"/>
+              </a:defRPr>
+            </a:lvl6pPr>
+            <a:lvl7pPr marL="13075741" indent="-1005827" algn="l" defTabSz="4023305" rtl="0" eaLnBrk="1" latinLnBrk="0" hangingPunct="1">
+              <a:spcBef>
+                <a:spcPct val="20000"/>
+              </a:spcBef>
+              <a:buFont typeface="Arial" pitchFamily="34" charset="0"/>
+              <a:buChar char="•"/>
+              <a:defRPr sz="8800" kern="1200">
+                <a:solidFill>
+                  <a:schemeClr val="tx1"/>
+                </a:solidFill>
+                <a:latin typeface="+mn-lt"/>
+                <a:ea typeface="+mn-ea"/>
+                <a:cs typeface="+mn-cs"/>
+              </a:defRPr>
+            </a:lvl7pPr>
+            <a:lvl8pPr marL="15087394" indent="-1005827" algn="l" defTabSz="4023305" rtl="0" eaLnBrk="1" latinLnBrk="0" hangingPunct="1">
+              <a:spcBef>
+                <a:spcPct val="20000"/>
+              </a:spcBef>
+              <a:buFont typeface="Arial" pitchFamily="34" charset="0"/>
+              <a:buChar char="•"/>
+              <a:defRPr sz="8800" kern="1200">
+                <a:solidFill>
+                  <a:schemeClr val="tx1"/>
+                </a:solidFill>
+                <a:latin typeface="+mn-lt"/>
+                <a:ea typeface="+mn-ea"/>
+                <a:cs typeface="+mn-cs"/>
+              </a:defRPr>
+            </a:lvl8pPr>
+            <a:lvl9pPr marL="17099047" indent="-1005827" algn="l" defTabSz="4023305" rtl="0" eaLnBrk="1" latinLnBrk="0" hangingPunct="1">
+              <a:spcBef>
+                <a:spcPct val="20000"/>
+              </a:spcBef>
+              <a:buFont typeface="Arial" pitchFamily="34" charset="0"/>
+              <a:buChar char="•"/>
+              <a:defRPr sz="8800" kern="1200">
+                <a:solidFill>
+                  <a:schemeClr val="tx1"/>
+                </a:solidFill>
+                <a:latin typeface="+mn-lt"/>
+                <a:ea typeface="+mn-ea"/>
+                <a:cs typeface="+mn-cs"/>
+              </a:defRPr>
+            </a:lvl9pPr>
+          </a:lstStyle>
+          <a:p>
+            <a:r>
+              <a:rPr lang="en-US" sz="3600" b="1" dirty="0">
+                <a:latin typeface="Helvetica Neue" panose="02000503000000020004" pitchFamily="2" charset="0"/>
+                <a:ea typeface="Helvetica Neue" panose="02000503000000020004" pitchFamily="2" charset="0"/>
+                <a:cs typeface="Helvetica Neue" panose="02000503000000020004" pitchFamily="2" charset="0"/>
+              </a:rPr>
+              <a:t>Strengths</a:t>
+            </a:r>
+          </a:p>
+          <a:p>
+            <a:pPr marL="342900" indent="-342900">
+              <a:buFont typeface="Arial" pitchFamily="34" charset="0"/>
+              <a:buChar char="•"/>
+            </a:pPr>
+            <a:r>
+              <a:rPr lang="en-US" sz="3600" dirty="0">
+                <a:latin typeface="Helvetica Neue" panose="02000503000000020004" pitchFamily="2" charset="0"/>
+                <a:ea typeface="Helvetica Neue" panose="02000503000000020004" pitchFamily="2" charset="0"/>
+                <a:cs typeface="Helvetica Neue" panose="02000503000000020004" pitchFamily="2" charset="0"/>
+              </a:rPr>
+              <a:t>Dd</a:t>
+            </a:r>
+          </a:p>
+          <a:p>
+            <a:r>
+              <a:rPr lang="en-US" sz="3600" b="1" dirty="0">
+                <a:latin typeface="Helvetica Neue" panose="02000503000000020004" pitchFamily="2" charset="0"/>
+                <a:ea typeface="Helvetica Neue" panose="02000503000000020004" pitchFamily="2" charset="0"/>
+                <a:cs typeface="Helvetica Neue" panose="02000503000000020004" pitchFamily="2" charset="0"/>
+              </a:rPr>
+              <a:t>Weaknesses</a:t>
+            </a:r>
+          </a:p>
+          <a:p>
+            <a:pPr marL="342900" indent="-342900">
+              <a:buFont typeface="Arial" pitchFamily="34" charset="0"/>
+              <a:buChar char="•"/>
+            </a:pPr>
+            <a:r>
+              <a:rPr lang="en-US" sz="3600" dirty="0">
+                <a:latin typeface="Helvetica Neue" panose="02000503000000020004" pitchFamily="2" charset="0"/>
+                <a:ea typeface="Helvetica Neue" panose="02000503000000020004" pitchFamily="2" charset="0"/>
+                <a:cs typeface="Helvetica Neue" panose="02000503000000020004" pitchFamily="2" charset="0"/>
+              </a:rPr>
+              <a:t>Dd</a:t>
+            </a:r>
+          </a:p>
+          <a:p>
+            <a:r>
+              <a:rPr lang="en-US" sz="3600" b="1" dirty="0">
+                <a:latin typeface="Helvetica Neue" panose="02000503000000020004" pitchFamily="2" charset="0"/>
+                <a:ea typeface="Helvetica Neue" panose="02000503000000020004" pitchFamily="2" charset="0"/>
+                <a:cs typeface="Helvetica Neue" panose="02000503000000020004" pitchFamily="2" charset="0"/>
+              </a:rPr>
+              <a:t>Future Work</a:t>
+            </a:r>
+          </a:p>
+          <a:p>
+            <a:pPr marL="342900" indent="-342900">
+              <a:buFont typeface="Arial" pitchFamily="34" charset="0"/>
+              <a:buChar char="•"/>
+            </a:pPr>
+            <a:r>
+              <a:rPr lang="en-US" sz="3600" dirty="0">
+                <a:latin typeface="Helvetica Neue" panose="02000503000000020004" pitchFamily="2" charset="0"/>
+                <a:ea typeface="Helvetica Neue" panose="02000503000000020004" pitchFamily="2" charset="0"/>
+                <a:cs typeface="Helvetica Neue" panose="02000503000000020004" pitchFamily="2" charset="0"/>
+              </a:rPr>
+              <a:t>Autonomous price checking application for Princeton University students to use at Late Meal.</a:t>
+            </a:r>
+          </a:p>
+          <a:p>
+            <a:pPr marL="342900" indent="-342900">
+              <a:buFont typeface="Arial" pitchFamily="34" charset="0"/>
+              <a:buChar char="•"/>
+            </a:pPr>
+            <a:r>
+              <a:rPr lang="en-US" sz="3600" dirty="0">
+                <a:latin typeface="Helvetica Neue" panose="02000503000000020004" pitchFamily="2" charset="0"/>
+                <a:ea typeface="Helvetica Neue" panose="02000503000000020004" pitchFamily="2" charset="0"/>
+                <a:cs typeface="Helvetica Neue" panose="02000503000000020004" pitchFamily="2" charset="0"/>
+              </a:rPr>
+              <a:t>Optimizing detection with more precise images and  boundary box labeling for training.</a:t>
+            </a:r>
+          </a:p>
+          <a:p>
+            <a:pPr marL="342900" indent="-342900">
+              <a:buFont typeface="Arial" pitchFamily="34" charset="0"/>
+              <a:buChar char="•"/>
+            </a:pPr>
+            <a:r>
+              <a:rPr lang="en-US" sz="3600" dirty="0">
+                <a:latin typeface="Helvetica Neue" panose="02000503000000020004" pitchFamily="2" charset="0"/>
+                <a:ea typeface="Helvetica Neue" panose="02000503000000020004" pitchFamily="2" charset="0"/>
+                <a:cs typeface="Helvetica Neue" panose="02000503000000020004" pitchFamily="2" charset="0"/>
+              </a:rPr>
+              <a:t>Experimentation with training on images of the complete product versus logos.</a:t>
+            </a:r>
+          </a:p>
+          <a:p>
+            <a:pPr marL="342900" indent="-342900">
+              <a:buFont typeface="Arial" pitchFamily="34" charset="0"/>
+              <a:buChar char="•"/>
+            </a:pPr>
+            <a:endParaRPr lang="en-US" sz="3600" b="1" dirty="0">
+              <a:latin typeface="Helvetica Neue" panose="02000503000000020004" pitchFamily="2" charset="0"/>
+              <a:ea typeface="Helvetica Neue" panose="02000503000000020004" pitchFamily="2" charset="0"/>
+              <a:cs typeface="Helvetica Neue" panose="02000503000000020004" pitchFamily="2" charset="0"/>
+            </a:endParaRPr>
+          </a:p>
+        </p:txBody>
+      </p:sp>
+      <p:pic>
+        <p:nvPicPr>
+          <p:cNvPr id="56" name="Picture 55" descr="A picture containing food&#10;&#10;Description automatically generated">
+            <a:extLst>
+              <a:ext uri="{FF2B5EF4-FFF2-40B4-BE49-F238E27FC236}">
+                <a16:creationId xmlns:a16="http://schemas.microsoft.com/office/drawing/2014/main" id="{A2435279-1CC8-7248-8771-6BD5336C491F}"/>
+              </a:ext>
+            </a:extLst>
+          </p:cNvPr>
+          <p:cNvPicPr>
+            <a:picLocks noChangeAspect="1"/>
+          </p:cNvPicPr>
+          <p:nvPr/>
+        </p:nvPicPr>
+        <p:blipFill rotWithShape="1">
+          <a:blip r:embed="rId13">
+            <a:extLst>
+              <a:ext uri="{28A0092B-C50C-407E-A947-70E740481C1C}">
+                <a14:useLocalDpi xmlns:a14="http://schemas.microsoft.com/office/drawing/2010/main" val="0"/>
+              </a:ext>
+            </a:extLst>
+          </a:blip>
+          <a:srcRect t="1073" b="-1"/>
+          <a:stretch/>
+        </p:blipFill>
+        <p:spPr>
+          <a:xfrm>
+            <a:off x="14379127" y="22078342"/>
+            <a:ext cx="12321346" cy="9141887"/>
+          </a:xfrm>
+          <a:prstGeom prst="rect">
+            <a:avLst/>
+          </a:prstGeom>
+        </p:spPr>
+      </p:pic>
+      <p:sp>
+        <p:nvSpPr>
+          <p:cNvPr id="58" name="Text Placeholder 351">
+            <a:extLst>
+              <a:ext uri="{FF2B5EF4-FFF2-40B4-BE49-F238E27FC236}">
+                <a16:creationId xmlns:a16="http://schemas.microsoft.com/office/drawing/2014/main" id="{38DD1C03-ED0F-E647-9FF5-84A2B7E0C1E0}"/>
+              </a:ext>
+            </a:extLst>
+          </p:cNvPr>
+          <p:cNvSpPr txBox="1">
+            <a:spLocks/>
+          </p:cNvSpPr>
+          <p:nvPr/>
+        </p:nvSpPr>
+        <p:spPr>
+          <a:xfrm>
+            <a:off x="1049883" y="21882011"/>
+            <a:ext cx="13135280" cy="17857174"/>
+          </a:xfrm>
+          <a:prstGeom prst="rect">
+            <a:avLst/>
+          </a:prstGeom>
+        </p:spPr>
+        <p:txBody>
+          <a:bodyPr wrap="square" lIns="228589" tIns="228589" rIns="228589" bIns="228589">
+            <a:spAutoFit/>
+          </a:bodyPr>
+          <a:lstStyle>
+            <a:lvl1pPr marL="0" indent="0" algn="l" defTabSz="4023305" rtl="0" eaLnBrk="1" latinLnBrk="0" hangingPunct="1">
+              <a:spcBef>
+                <a:spcPct val="20000"/>
+              </a:spcBef>
+              <a:buFont typeface="Arial" pitchFamily="34" charset="0"/>
+              <a:buNone/>
+              <a:defRPr sz="2400" kern="1200">
+                <a:solidFill>
+                  <a:schemeClr val="accent5">
+                    <a:lumMod val="50000"/>
+                  </a:schemeClr>
+                </a:solidFill>
+                <a:latin typeface="Times New Roman" panose="02020603050405020304" pitchFamily="18" charset="0"/>
+                <a:ea typeface="+mn-ea"/>
+                <a:cs typeface="Times New Roman" panose="02020603050405020304" pitchFamily="18" charset="0"/>
+              </a:defRPr>
+            </a:lvl1pPr>
+            <a:lvl2pPr marL="1362056" indent="-523867" algn="l" defTabSz="4023305" rtl="0" eaLnBrk="1" latinLnBrk="0" hangingPunct="1">
+              <a:spcBef>
+                <a:spcPct val="20000"/>
+              </a:spcBef>
+              <a:buFont typeface="Arial" pitchFamily="34" charset="0"/>
+              <a:buChar char="–"/>
+              <a:defRPr sz="2292" kern="1200">
+                <a:solidFill>
+                  <a:schemeClr val="tx1"/>
+                </a:solidFill>
+                <a:latin typeface="Trebuchet MS" pitchFamily="34" charset="0"/>
+                <a:ea typeface="+mn-ea"/>
+                <a:cs typeface="+mn-cs"/>
+              </a:defRPr>
+            </a:lvl2pPr>
+            <a:lvl3pPr marL="1885924" indent="-523867" algn="l" defTabSz="4023305" rtl="0" eaLnBrk="1" latinLnBrk="0" hangingPunct="1">
+              <a:spcBef>
+                <a:spcPct val="20000"/>
+              </a:spcBef>
+              <a:buFont typeface="Arial" pitchFamily="34" charset="0"/>
+              <a:buChar char="•"/>
+              <a:defRPr sz="2292" kern="1200">
+                <a:solidFill>
+                  <a:schemeClr val="tx1"/>
+                </a:solidFill>
+                <a:latin typeface="Trebuchet MS" pitchFamily="34" charset="0"/>
+                <a:ea typeface="+mn-ea"/>
+                <a:cs typeface="+mn-cs"/>
+              </a:defRPr>
+            </a:lvl3pPr>
+            <a:lvl4pPr marL="2462179" indent="-576255" algn="l" defTabSz="4023305" rtl="0" eaLnBrk="1" latinLnBrk="0" hangingPunct="1">
+              <a:spcBef>
+                <a:spcPct val="20000"/>
+              </a:spcBef>
+              <a:buFont typeface="Arial" pitchFamily="34" charset="0"/>
+              <a:buChar char="–"/>
+              <a:defRPr sz="2292" kern="1200">
+                <a:solidFill>
+                  <a:schemeClr val="tx1"/>
+                </a:solidFill>
+                <a:latin typeface="Trebuchet MS" pitchFamily="34" charset="0"/>
+                <a:ea typeface="+mn-ea"/>
+                <a:cs typeface="+mn-cs"/>
+              </a:defRPr>
+            </a:lvl4pPr>
+            <a:lvl5pPr marL="2881273" indent="-419094" algn="l" defTabSz="4023305" rtl="0" eaLnBrk="1" latinLnBrk="0" hangingPunct="1">
+              <a:spcBef>
+                <a:spcPct val="20000"/>
+              </a:spcBef>
+              <a:buFont typeface="Arial" pitchFamily="34" charset="0"/>
+              <a:buChar char="»"/>
+              <a:defRPr sz="2292" kern="1200">
+                <a:solidFill>
+                  <a:schemeClr val="tx1"/>
+                </a:solidFill>
+                <a:latin typeface="Trebuchet MS" pitchFamily="34" charset="0"/>
+                <a:ea typeface="+mn-ea"/>
+                <a:cs typeface="+mn-cs"/>
+              </a:defRPr>
+            </a:lvl5pPr>
+            <a:lvl6pPr marL="11064090" indent="-1005827" algn="l" defTabSz="4023305" rtl="0" eaLnBrk="1" latinLnBrk="0" hangingPunct="1">
+              <a:spcBef>
+                <a:spcPct val="20000"/>
+              </a:spcBef>
+              <a:buFont typeface="Arial" pitchFamily="34" charset="0"/>
+              <a:buChar char="•"/>
+              <a:defRPr sz="8800" kern="1200">
+                <a:solidFill>
+                  <a:schemeClr val="tx1"/>
+                </a:solidFill>
+                <a:latin typeface="+mn-lt"/>
+                <a:ea typeface="+mn-ea"/>
+                <a:cs typeface="+mn-cs"/>
+              </a:defRPr>
+            </a:lvl6pPr>
+            <a:lvl7pPr marL="13075741" indent="-1005827" algn="l" defTabSz="4023305" rtl="0" eaLnBrk="1" latinLnBrk="0" hangingPunct="1">
+              <a:spcBef>
+                <a:spcPct val="20000"/>
+              </a:spcBef>
+              <a:buFont typeface="Arial" pitchFamily="34" charset="0"/>
+              <a:buChar char="•"/>
+              <a:defRPr sz="8800" kern="1200">
+                <a:solidFill>
+                  <a:schemeClr val="tx1"/>
+                </a:solidFill>
+                <a:latin typeface="+mn-lt"/>
+                <a:ea typeface="+mn-ea"/>
+                <a:cs typeface="+mn-cs"/>
+              </a:defRPr>
+            </a:lvl7pPr>
+            <a:lvl8pPr marL="15087394" indent="-1005827" algn="l" defTabSz="4023305" rtl="0" eaLnBrk="1" latinLnBrk="0" hangingPunct="1">
+              <a:spcBef>
+                <a:spcPct val="20000"/>
+              </a:spcBef>
+              <a:buFont typeface="Arial" pitchFamily="34" charset="0"/>
+              <a:buChar char="•"/>
+              <a:defRPr sz="8800" kern="1200">
+                <a:solidFill>
+                  <a:schemeClr val="tx1"/>
+                </a:solidFill>
+                <a:latin typeface="+mn-lt"/>
+                <a:ea typeface="+mn-ea"/>
+                <a:cs typeface="+mn-cs"/>
+              </a:defRPr>
+            </a:lvl8pPr>
+            <a:lvl9pPr marL="17099047" indent="-1005827" algn="l" defTabSz="4023305" rtl="0" eaLnBrk="1" latinLnBrk="0" hangingPunct="1">
+              <a:spcBef>
+                <a:spcPct val="20000"/>
+              </a:spcBef>
+              <a:buFont typeface="Arial" pitchFamily="34" charset="0"/>
+              <a:buChar char="•"/>
+              <a:defRPr sz="8800" kern="1200">
+                <a:solidFill>
+                  <a:schemeClr val="tx1"/>
+                </a:solidFill>
+                <a:latin typeface="+mn-lt"/>
+                <a:ea typeface="+mn-ea"/>
+                <a:cs typeface="+mn-cs"/>
+              </a:defRPr>
+            </a:lvl9pPr>
+          </a:lstStyle>
+          <a:p>
+            <a:r>
+              <a:rPr lang="en-US" sz="3600" b="1" dirty="0">
+                <a:latin typeface="Helvetica Neue" panose="02000503000000020004" pitchFamily="2" charset="0"/>
+                <a:ea typeface="Helvetica Neue" panose="02000503000000020004" pitchFamily="2" charset="0"/>
+                <a:cs typeface="Helvetica Neue" panose="02000503000000020004" pitchFamily="2" charset="0"/>
+              </a:rPr>
+              <a:t>Overview</a:t>
+            </a:r>
+          </a:p>
+          <a:p>
+            <a:pPr marL="571500" indent="-571500">
+              <a:buFont typeface="Arial" pitchFamily="34" charset="0"/>
+              <a:buChar char="•"/>
+            </a:pPr>
+            <a:r>
+              <a:rPr lang="en-US" sz="3600" dirty="0">
+                <a:latin typeface="Helvetica Neue" panose="02000503000000020004" pitchFamily="2" charset="0"/>
+                <a:ea typeface="Helvetica Neue" panose="02000503000000020004" pitchFamily="2" charset="0"/>
+                <a:cs typeface="Helvetica Neue" panose="02000503000000020004" pitchFamily="2" charset="0"/>
+              </a:rPr>
+              <a:t>Our dataset was self-curated with Google image scraping and manual photography at Late Meal, then annotated using </a:t>
+            </a:r>
+            <a:r>
+              <a:rPr lang="en-US" sz="3600" dirty="0" err="1">
+                <a:latin typeface="Helvetica Neue" panose="02000503000000020004" pitchFamily="2" charset="0"/>
+                <a:ea typeface="Helvetica Neue" panose="02000503000000020004" pitchFamily="2" charset="0"/>
+                <a:cs typeface="Helvetica Neue" panose="02000503000000020004" pitchFamily="2" charset="0"/>
+              </a:rPr>
+              <a:t>VoTT</a:t>
+            </a:r>
+            <a:r>
+              <a:rPr lang="en-US" sz="3600" dirty="0">
+                <a:latin typeface="Helvetica Neue" panose="02000503000000020004" pitchFamily="2" charset="0"/>
+                <a:ea typeface="Helvetica Neue" panose="02000503000000020004" pitchFamily="2" charset="0"/>
+                <a:cs typeface="Helvetica Neue" panose="02000503000000020004" pitchFamily="2" charset="0"/>
+              </a:rPr>
+              <a:t>. This allowed us to train a tiny YOLO v3 detector that is customized to items found in the Frist Gallery and can be a practical application of computer vision for Princeton University students.</a:t>
+            </a:r>
+          </a:p>
+          <a:p>
+            <a:pPr marL="571500" indent="-571500">
+              <a:buFont typeface="Arial" pitchFamily="34" charset="0"/>
+              <a:buChar char="•"/>
+            </a:pPr>
+            <a:endParaRPr lang="en-US" sz="3600" dirty="0">
+              <a:latin typeface="Helvetica Neue" panose="02000503000000020004" pitchFamily="2" charset="0"/>
+              <a:ea typeface="Helvetica Neue" panose="02000503000000020004" pitchFamily="2" charset="0"/>
+              <a:cs typeface="Helvetica Neue" panose="02000503000000020004" pitchFamily="2" charset="0"/>
+            </a:endParaRPr>
+          </a:p>
+          <a:p>
+            <a:r>
+              <a:rPr lang="en-US" sz="3600" b="1" dirty="0">
+                <a:latin typeface="Helvetica Neue" panose="02000503000000020004" pitchFamily="2" charset="0"/>
+                <a:ea typeface="Helvetica Neue" panose="02000503000000020004" pitchFamily="2" charset="0"/>
+                <a:cs typeface="Helvetica Neue" panose="02000503000000020004" pitchFamily="2" charset="0"/>
+              </a:rPr>
+              <a:t>Dataset</a:t>
+            </a:r>
+          </a:p>
+          <a:p>
+            <a:pPr marL="342900" indent="-342900">
+              <a:buFont typeface="Arial" panose="020B0604020202020204" pitchFamily="34" charset="0"/>
+              <a:buChar char="•"/>
+            </a:pPr>
+            <a:r>
+              <a:rPr lang="en-US" sz="3600" i="1" dirty="0">
+                <a:latin typeface="Helvetica Neue" panose="02000503000000020004" pitchFamily="2" charset="0"/>
+                <a:ea typeface="Helvetica Neue" panose="02000503000000020004" pitchFamily="2" charset="0"/>
+                <a:cs typeface="Helvetica Neue" panose="02000503000000020004" pitchFamily="2" charset="0"/>
+              </a:rPr>
+              <a:t>Preparation: </a:t>
+            </a:r>
+            <a:r>
+              <a:rPr lang="en-US" sz="3600" dirty="0">
+                <a:latin typeface="Helvetica Neue" panose="02000503000000020004" pitchFamily="2" charset="0"/>
+                <a:ea typeface="Helvetica Neue" panose="02000503000000020004" pitchFamily="2" charset="0"/>
+                <a:cs typeface="Helvetica Neue" panose="02000503000000020004" pitchFamily="2" charset="0"/>
+              </a:rPr>
+              <a:t>use of </a:t>
+            </a:r>
+            <a:r>
+              <a:rPr lang="en-US" sz="3600" dirty="0" err="1">
+                <a:latin typeface="Helvetica Neue" panose="02000503000000020004" pitchFamily="2" charset="0"/>
+                <a:ea typeface="Helvetica Neue" panose="02000503000000020004" pitchFamily="2" charset="0"/>
+                <a:cs typeface="Helvetica Neue" panose="02000503000000020004" pitchFamily="2" charset="0"/>
+              </a:rPr>
+              <a:t>Fatkun</a:t>
+            </a:r>
+            <a:r>
+              <a:rPr lang="en-US" sz="3600" dirty="0">
+                <a:latin typeface="Helvetica Neue" panose="02000503000000020004" pitchFamily="2" charset="0"/>
+                <a:ea typeface="Helvetica Neue" panose="02000503000000020004" pitchFamily="2" charset="0"/>
+                <a:cs typeface="Helvetica Neue" panose="02000503000000020004" pitchFamily="2" charset="0"/>
+              </a:rPr>
+              <a:t> batch download to mass download approximately 2,200 sample images total of varying dimensions, angles, and lighting across 15 distinct classes.</a:t>
+            </a:r>
+          </a:p>
+          <a:p>
+            <a:pPr marL="342900" indent="-342900">
+              <a:buFont typeface="Arial" panose="020B0604020202020204" pitchFamily="34" charset="0"/>
+              <a:buChar char="•"/>
+            </a:pPr>
+            <a:r>
+              <a:rPr lang="en-US" sz="3600" i="1" dirty="0">
+                <a:latin typeface="Helvetica Neue" panose="02000503000000020004" pitchFamily="2" charset="0"/>
+                <a:ea typeface="Helvetica Neue" panose="02000503000000020004" pitchFamily="2" charset="0"/>
+                <a:cs typeface="Helvetica Neue" panose="02000503000000020004" pitchFamily="2" charset="0"/>
+              </a:rPr>
+              <a:t>Annotation: </a:t>
+            </a:r>
+            <a:r>
+              <a:rPr lang="en-US" sz="3600" dirty="0">
+                <a:latin typeface="Helvetica Neue" panose="02000503000000020004" pitchFamily="2" charset="0"/>
+                <a:ea typeface="Helvetica Neue" panose="02000503000000020004" pitchFamily="2" charset="0"/>
+                <a:cs typeface="Helvetica Neue" panose="02000503000000020004" pitchFamily="2" charset="0"/>
+              </a:rPr>
+              <a:t>the bounding boxes of each item were drawn with </a:t>
+            </a:r>
+            <a:r>
+              <a:rPr lang="en-US" sz="3600" dirty="0" err="1">
+                <a:latin typeface="Helvetica Neue" panose="02000503000000020004" pitchFamily="2" charset="0"/>
+                <a:ea typeface="Helvetica Neue" panose="02000503000000020004" pitchFamily="2" charset="0"/>
+                <a:cs typeface="Helvetica Neue" panose="02000503000000020004" pitchFamily="2" charset="0"/>
+              </a:rPr>
+              <a:t>Vott</a:t>
+            </a:r>
+            <a:r>
+              <a:rPr lang="en-US" sz="3600" dirty="0">
+                <a:latin typeface="Helvetica Neue" panose="02000503000000020004" pitchFamily="2" charset="0"/>
+                <a:ea typeface="Helvetica Neue" panose="02000503000000020004" pitchFamily="2" charset="0"/>
+                <a:cs typeface="Helvetica Neue" panose="02000503000000020004" pitchFamily="2" charset="0"/>
+              </a:rPr>
+              <a:t> v1.7.2 and exported into the YOLO dataset format.</a:t>
+            </a:r>
+          </a:p>
+          <a:p>
+            <a:pPr marL="342900" indent="-342900">
+              <a:buFont typeface="Arial" panose="020B0604020202020204" pitchFamily="34" charset="0"/>
+              <a:buChar char="•"/>
+            </a:pPr>
+            <a:r>
+              <a:rPr lang="en-US" sz="3600" i="1" dirty="0">
+                <a:latin typeface="Helvetica Neue" panose="02000503000000020004" pitchFamily="2" charset="0"/>
+                <a:ea typeface="Helvetica Neue" panose="02000503000000020004" pitchFamily="2" charset="0"/>
+                <a:cs typeface="Helvetica Neue" panose="02000503000000020004" pitchFamily="2" charset="0"/>
+              </a:rPr>
+              <a:t>Aggregation: </a:t>
+            </a:r>
+            <a:r>
+              <a:rPr lang="en-US" sz="3600" dirty="0">
+                <a:latin typeface="Helvetica Neue" panose="02000503000000020004" pitchFamily="2" charset="0"/>
+                <a:ea typeface="Helvetica Neue" panose="02000503000000020004" pitchFamily="2" charset="0"/>
+                <a:cs typeface="Helvetica Neue" panose="02000503000000020004" pitchFamily="2" charset="0"/>
+              </a:rPr>
+              <a:t>each class was labeled separately, so a script was used to combine images and their corresponding annotations into one singular data folder.</a:t>
+            </a:r>
+          </a:p>
+          <a:p>
+            <a:endParaRPr lang="en-US" sz="3600" dirty="0">
+              <a:latin typeface="Helvetica Neue" panose="02000503000000020004" pitchFamily="2" charset="0"/>
+              <a:ea typeface="Helvetica Neue" panose="02000503000000020004" pitchFamily="2" charset="0"/>
+              <a:cs typeface="Helvetica Neue" panose="02000503000000020004" pitchFamily="2" charset="0"/>
+            </a:endParaRPr>
+          </a:p>
+          <a:p>
+            <a:r>
+              <a:rPr lang="en-US" sz="3600" b="1" dirty="0">
+                <a:latin typeface="Helvetica Neue" panose="02000503000000020004" pitchFamily="2" charset="0"/>
+                <a:ea typeface="Helvetica Neue" panose="02000503000000020004" pitchFamily="2" charset="0"/>
+                <a:cs typeface="Helvetica Neue" panose="02000503000000020004" pitchFamily="2" charset="0"/>
+              </a:rPr>
+              <a:t>Google </a:t>
+            </a:r>
+            <a:r>
+              <a:rPr lang="en-US" sz="3600" b="1" dirty="0" err="1">
+                <a:latin typeface="Helvetica Neue" panose="02000503000000020004" pitchFamily="2" charset="0"/>
+                <a:ea typeface="Helvetica Neue" panose="02000503000000020004" pitchFamily="2" charset="0"/>
+                <a:cs typeface="Helvetica Neue" panose="02000503000000020004" pitchFamily="2" charset="0"/>
+              </a:rPr>
+              <a:t>Colaboratory</a:t>
+            </a:r>
+            <a:endParaRPr lang="en-US" sz="3600" b="1" dirty="0">
+              <a:latin typeface="Helvetica Neue" panose="02000503000000020004" pitchFamily="2" charset="0"/>
+              <a:ea typeface="Helvetica Neue" panose="02000503000000020004" pitchFamily="2" charset="0"/>
+              <a:cs typeface="Helvetica Neue" panose="02000503000000020004" pitchFamily="2" charset="0"/>
+            </a:endParaRPr>
+          </a:p>
+          <a:p>
+            <a:pPr marL="457200" indent="-457200">
+              <a:buFont typeface="Arial" panose="020B0604020202020204" pitchFamily="34" charset="0"/>
+              <a:buChar char="•"/>
+            </a:pPr>
+            <a:r>
+              <a:rPr lang="en-US" sz="3600" dirty="0">
+                <a:latin typeface="Helvetica Neue" panose="02000503000000020004" pitchFamily="2" charset="0"/>
+                <a:ea typeface="Helvetica Neue" panose="02000503000000020004" pitchFamily="2" charset="0"/>
+                <a:cs typeface="Helvetica Neue" panose="02000503000000020004" pitchFamily="2" charset="0"/>
+              </a:rPr>
+              <a:t>To speed up the process of training for our object detection, we used Google </a:t>
+            </a:r>
+            <a:r>
+              <a:rPr lang="en-US" sz="3600" dirty="0" err="1">
+                <a:latin typeface="Helvetica Neue" panose="02000503000000020004" pitchFamily="2" charset="0"/>
+                <a:ea typeface="Helvetica Neue" panose="02000503000000020004" pitchFamily="2" charset="0"/>
+                <a:cs typeface="Helvetica Neue" panose="02000503000000020004" pitchFamily="2" charset="0"/>
+              </a:rPr>
+              <a:t>Colab</a:t>
+            </a:r>
+            <a:r>
+              <a:rPr lang="en-US" sz="3600" dirty="0">
+                <a:latin typeface="Helvetica Neue" panose="02000503000000020004" pitchFamily="2" charset="0"/>
+                <a:ea typeface="Helvetica Neue" panose="02000503000000020004" pitchFamily="2" charset="0"/>
+                <a:cs typeface="Helvetica Neue" panose="02000503000000020004" pitchFamily="2" charset="0"/>
+              </a:rPr>
+              <a:t> for its GPU.</a:t>
+            </a:r>
+          </a:p>
+          <a:p>
+            <a:pPr marL="571500" indent="-571500">
+              <a:buFont typeface="Arial" pitchFamily="34" charset="0"/>
+              <a:buChar char="•"/>
+            </a:pPr>
+            <a:endParaRPr lang="en-US" sz="3600" b="1" dirty="0">
+              <a:latin typeface="Helvetica Neue" panose="02000503000000020004" pitchFamily="2" charset="0"/>
+              <a:ea typeface="Helvetica Neue" panose="02000503000000020004" pitchFamily="2" charset="0"/>
+              <a:cs typeface="Helvetica Neue" panose="02000503000000020004" pitchFamily="2" charset="0"/>
+            </a:endParaRPr>
+          </a:p>
+          <a:p>
+            <a:r>
+              <a:rPr lang="en-US" sz="3600" b="1" dirty="0">
+                <a:latin typeface="Helvetica Neue" panose="02000503000000020004" pitchFamily="2" charset="0"/>
+                <a:ea typeface="Helvetica Neue" panose="02000503000000020004" pitchFamily="2" charset="0"/>
+                <a:cs typeface="Helvetica Neue" panose="02000503000000020004" pitchFamily="2" charset="0"/>
+              </a:rPr>
+              <a:t>Tiny YOLO-v3</a:t>
+            </a:r>
+          </a:p>
+          <a:p>
+            <a:pPr marL="571500" indent="-571500">
+              <a:buFont typeface="Arial" panose="020B0604020202020204" pitchFamily="34" charset="0"/>
+              <a:buChar char="•"/>
+            </a:pPr>
+            <a:r>
+              <a:rPr lang="en-US" sz="3600" dirty="0">
+                <a:latin typeface="Helvetica Neue" panose="02000503000000020004" pitchFamily="2" charset="0"/>
+                <a:ea typeface="Helvetica Neue" panose="02000503000000020004" pitchFamily="2" charset="0"/>
+                <a:cs typeface="Helvetica Neue" panose="02000503000000020004" pitchFamily="2" charset="0"/>
+              </a:rPr>
+              <a:t>We used a smaller, quicker version of YOLOv3, the You Only Look Once object detect algorithm known for its speed and use of only a single convolutional neural network.</a:t>
+            </a:r>
+          </a:p>
+        </p:txBody>
+      </p:sp>
+      <p:sp>
+        <p:nvSpPr>
+          <p:cNvPr id="61" name="Rectangle 60">
+            <a:extLst>
+              <a:ext uri="{FF2B5EF4-FFF2-40B4-BE49-F238E27FC236}">
+                <a16:creationId xmlns:a16="http://schemas.microsoft.com/office/drawing/2014/main" id="{9AE01472-9375-964C-A235-E3F8655783EE}"/>
+              </a:ext>
+            </a:extLst>
+          </p:cNvPr>
+          <p:cNvSpPr/>
+          <p:nvPr/>
+        </p:nvSpPr>
+        <p:spPr>
+          <a:xfrm>
+            <a:off x="14379126" y="31275647"/>
+            <a:ext cx="12321347" cy="461665"/>
+          </a:xfrm>
+          <a:prstGeom prst="rect">
+            <a:avLst/>
+          </a:prstGeom>
+        </p:spPr>
+        <p:txBody>
+          <a:bodyPr wrap="square">
+            <a:spAutoFit/>
+          </a:bodyPr>
+          <a:lstStyle/>
+          <a:p>
+            <a:pPr algn="ctr"/>
+            <a:r>
+              <a:rPr lang="en-US" sz="2400" dirty="0">
+                <a:solidFill>
+                  <a:schemeClr val="accent5"/>
+                </a:solidFill>
+                <a:latin typeface="Helvetica Neue" panose="02000503000000020004" pitchFamily="2" charset="0"/>
+                <a:ea typeface="Helvetica Neue" panose="02000503000000020004" pitchFamily="2" charset="0"/>
+                <a:cs typeface="Helvetica Neue" panose="02000503000000020004" pitchFamily="2" charset="0"/>
+              </a:rPr>
+              <a:t>Figure 4: images and labels of the 15 classes our detector can identify.</a:t>
+            </a:r>
+            <a:endParaRPr lang="en-US" sz="2400" dirty="0">
+              <a:solidFill>
+                <a:schemeClr val="accent5"/>
+              </a:solidFill>
+            </a:endParaRPr>
+          </a:p>
+        </p:txBody>
+      </p:sp>
+      <p:pic>
+        <p:nvPicPr>
+          <p:cNvPr id="40" name="Picture 39" descr="A picture containing indoor, open, monitor, refrigerator&#10;&#10;Description automatically generated">
+            <a:extLst>
+              <a:ext uri="{FF2B5EF4-FFF2-40B4-BE49-F238E27FC236}">
+                <a16:creationId xmlns:a16="http://schemas.microsoft.com/office/drawing/2014/main" id="{0A6C43EF-CE3C-5146-820C-B1D2D804F56B}"/>
+              </a:ext>
+            </a:extLst>
+          </p:cNvPr>
+          <p:cNvPicPr>
+            <a:picLocks noChangeAspect="1"/>
+          </p:cNvPicPr>
+          <p:nvPr/>
+        </p:nvPicPr>
+        <p:blipFill>
+          <a:blip r:embed="rId14">
+            <a:extLst>
+              <a:ext uri="{28A0092B-C50C-407E-A947-70E740481C1C}">
+                <a14:useLocalDpi xmlns:a14="http://schemas.microsoft.com/office/drawing/2010/main" val="0"/>
+              </a:ext>
+            </a:extLst>
+          </a:blip>
+          <a:stretch>
+            <a:fillRect/>
+          </a:stretch>
+        </p:blipFill>
+        <p:spPr>
+          <a:xfrm>
+            <a:off x="13858885" y="31776736"/>
+            <a:ext cx="7720213" cy="7029366"/>
+          </a:xfrm>
+          <a:prstGeom prst="rect">
+            <a:avLst/>
+          </a:prstGeom>
+        </p:spPr>
+      </p:pic>
+      <p:sp>
+        <p:nvSpPr>
+          <p:cNvPr id="66" name="Rectangle 65">
+            <a:extLst>
+              <a:ext uri="{FF2B5EF4-FFF2-40B4-BE49-F238E27FC236}">
+                <a16:creationId xmlns:a16="http://schemas.microsoft.com/office/drawing/2014/main" id="{D4BC0E55-DAFE-7346-9D03-068835B399B4}"/>
+              </a:ext>
+            </a:extLst>
+          </p:cNvPr>
+          <p:cNvSpPr/>
+          <p:nvPr/>
+        </p:nvSpPr>
+        <p:spPr>
+          <a:xfrm>
+            <a:off x="13858885" y="38289019"/>
+            <a:ext cx="7720213" cy="461665"/>
+          </a:xfrm>
+          <a:prstGeom prst="rect">
+            <a:avLst/>
+          </a:prstGeom>
+        </p:spPr>
+        <p:txBody>
+          <a:bodyPr wrap="square">
+            <a:spAutoFit/>
+          </a:bodyPr>
+          <a:lstStyle/>
+          <a:p>
+            <a:pPr algn="ctr"/>
+            <a:r>
+              <a:rPr lang="en-US" sz="2400" dirty="0">
+                <a:solidFill>
+                  <a:schemeClr val="accent5"/>
+                </a:solidFill>
+                <a:latin typeface="Helvetica Neue" panose="02000503000000020004" pitchFamily="2" charset="0"/>
+                <a:ea typeface="Helvetica Neue" panose="02000503000000020004" pitchFamily="2" charset="0"/>
+                <a:cs typeface="Helvetica Neue" panose="02000503000000020004" pitchFamily="2" charset="0"/>
+              </a:rPr>
+              <a:t>Figure 5: VOTT software used for tagging images</a:t>
+            </a:r>
+            <a:endParaRPr lang="en-US" sz="2400" dirty="0">
+              <a:solidFill>
+                <a:schemeClr val="accent5"/>
+              </a:solidFill>
+            </a:endParaRPr>
+          </a:p>
+        </p:txBody>
+      </p:sp>
+      <p:pic>
+        <p:nvPicPr>
+          <p:cNvPr id="43" name="Picture 42">
+            <a:extLst>
+              <a:ext uri="{FF2B5EF4-FFF2-40B4-BE49-F238E27FC236}">
+                <a16:creationId xmlns:a16="http://schemas.microsoft.com/office/drawing/2014/main" id="{320D7BB7-CB40-C44F-90A9-410B3DACF0C8}"/>
+              </a:ext>
+            </a:extLst>
+          </p:cNvPr>
+          <p:cNvPicPr>
+            <a:picLocks noChangeAspect="1"/>
+          </p:cNvPicPr>
+          <p:nvPr/>
+        </p:nvPicPr>
+        <p:blipFill>
+          <a:blip r:embed="rId15">
+            <a:extLst>
+              <a:ext uri="{28A0092B-C50C-407E-A947-70E740481C1C}">
+                <a14:useLocalDpi xmlns:a14="http://schemas.microsoft.com/office/drawing/2010/main" val="0"/>
+              </a:ext>
+            </a:extLst>
+          </a:blip>
+          <a:stretch>
+            <a:fillRect/>
+          </a:stretch>
+        </p:blipFill>
+        <p:spPr>
+          <a:xfrm>
+            <a:off x="24113067" y="15014486"/>
+            <a:ext cx="7009925" cy="4611793"/>
+          </a:xfrm>
+          <a:prstGeom prst="rect">
+            <a:avLst/>
+          </a:prstGeom>
+        </p:spPr>
+      </p:pic>
+      <p:pic>
+        <p:nvPicPr>
+          <p:cNvPr id="46" name="Picture 45" descr="A picture containing object, food, filled, box&#10;&#10;Description automatically generated">
+            <a:extLst>
+              <a:ext uri="{FF2B5EF4-FFF2-40B4-BE49-F238E27FC236}">
+                <a16:creationId xmlns:a16="http://schemas.microsoft.com/office/drawing/2014/main" id="{31F1A60C-1C46-AE43-AF77-94D2E5EB2253}"/>
+              </a:ext>
+            </a:extLst>
+          </p:cNvPr>
+          <p:cNvPicPr>
+            <a:picLocks noChangeAspect="1"/>
+          </p:cNvPicPr>
+          <p:nvPr/>
+        </p:nvPicPr>
+        <p:blipFill>
+          <a:blip r:embed="rId16">
+            <a:extLst>
+              <a:ext uri="{28A0092B-C50C-407E-A947-70E740481C1C}">
+                <a14:useLocalDpi xmlns:a14="http://schemas.microsoft.com/office/drawing/2010/main" val="0"/>
+              </a:ext>
+            </a:extLst>
+          </a:blip>
+          <a:stretch>
+            <a:fillRect/>
+          </a:stretch>
+        </p:blipFill>
+        <p:spPr>
+          <a:xfrm>
+            <a:off x="31907747" y="15021009"/>
+            <a:ext cx="7009925" cy="4611793"/>
+          </a:xfrm>
+          <a:prstGeom prst="rect">
+            <a:avLst/>
+          </a:prstGeom>
+        </p:spPr>
+      </p:pic>
+      <p:sp>
+        <p:nvSpPr>
+          <p:cNvPr id="73" name="Text Placeholder 351">
+            <a:extLst>
+              <a:ext uri="{FF2B5EF4-FFF2-40B4-BE49-F238E27FC236}">
+                <a16:creationId xmlns:a16="http://schemas.microsoft.com/office/drawing/2014/main" id="{DAD61328-1FDA-5645-B8CF-EC0151D2DC07}"/>
+              </a:ext>
+            </a:extLst>
+          </p:cNvPr>
+          <p:cNvSpPr txBox="1">
+            <a:spLocks/>
+          </p:cNvSpPr>
+          <p:nvPr/>
+        </p:nvSpPr>
+        <p:spPr>
+          <a:xfrm>
+            <a:off x="14185164" y="15340448"/>
+            <a:ext cx="9143150" cy="5004425"/>
+          </a:xfrm>
+          <a:prstGeom prst="rect">
+            <a:avLst/>
+          </a:prstGeom>
+        </p:spPr>
+        <p:txBody>
+          <a:bodyPr wrap="square" lIns="228589" tIns="228589" rIns="228589" bIns="228589">
+            <a:spAutoFit/>
+          </a:bodyPr>
+          <a:lstStyle>
+            <a:lvl1pPr marL="0" indent="0" algn="l" defTabSz="4023305" rtl="0" eaLnBrk="1" latinLnBrk="0" hangingPunct="1">
+              <a:spcBef>
+                <a:spcPct val="20000"/>
+              </a:spcBef>
+              <a:buFont typeface="Arial" pitchFamily="34" charset="0"/>
+              <a:buNone/>
+              <a:defRPr sz="2400" kern="1200">
+                <a:solidFill>
+                  <a:schemeClr val="accent5">
+                    <a:lumMod val="50000"/>
+                  </a:schemeClr>
+                </a:solidFill>
+                <a:latin typeface="Times New Roman" panose="02020603050405020304" pitchFamily="18" charset="0"/>
+                <a:ea typeface="+mn-ea"/>
+                <a:cs typeface="Times New Roman" panose="02020603050405020304" pitchFamily="18" charset="0"/>
+              </a:defRPr>
+            </a:lvl1pPr>
+            <a:lvl2pPr marL="1362056" indent="-523867" algn="l" defTabSz="4023305" rtl="0" eaLnBrk="1" latinLnBrk="0" hangingPunct="1">
+              <a:spcBef>
+                <a:spcPct val="20000"/>
+              </a:spcBef>
+              <a:buFont typeface="Arial" pitchFamily="34" charset="0"/>
+              <a:buChar char="–"/>
+              <a:defRPr sz="2292" kern="1200">
+                <a:solidFill>
+                  <a:schemeClr val="tx1"/>
+                </a:solidFill>
+                <a:latin typeface="Trebuchet MS" pitchFamily="34" charset="0"/>
+                <a:ea typeface="+mn-ea"/>
+                <a:cs typeface="+mn-cs"/>
+              </a:defRPr>
+            </a:lvl2pPr>
+            <a:lvl3pPr marL="1885924" indent="-523867" algn="l" defTabSz="4023305" rtl="0" eaLnBrk="1" latinLnBrk="0" hangingPunct="1">
+              <a:spcBef>
+                <a:spcPct val="20000"/>
+              </a:spcBef>
+              <a:buFont typeface="Arial" pitchFamily="34" charset="0"/>
+              <a:buChar char="•"/>
+              <a:defRPr sz="2292" kern="1200">
+                <a:solidFill>
+                  <a:schemeClr val="tx1"/>
+                </a:solidFill>
+                <a:latin typeface="Trebuchet MS" pitchFamily="34" charset="0"/>
+                <a:ea typeface="+mn-ea"/>
+                <a:cs typeface="+mn-cs"/>
+              </a:defRPr>
+            </a:lvl3pPr>
+            <a:lvl4pPr marL="2462179" indent="-576255" algn="l" defTabSz="4023305" rtl="0" eaLnBrk="1" latinLnBrk="0" hangingPunct="1">
+              <a:spcBef>
+                <a:spcPct val="20000"/>
+              </a:spcBef>
+              <a:buFont typeface="Arial" pitchFamily="34" charset="0"/>
+              <a:buChar char="–"/>
+              <a:defRPr sz="2292" kern="1200">
+                <a:solidFill>
+                  <a:schemeClr val="tx1"/>
+                </a:solidFill>
+                <a:latin typeface="Trebuchet MS" pitchFamily="34" charset="0"/>
+                <a:ea typeface="+mn-ea"/>
+                <a:cs typeface="+mn-cs"/>
+              </a:defRPr>
+            </a:lvl4pPr>
+            <a:lvl5pPr marL="2881273" indent="-419094" algn="l" defTabSz="4023305" rtl="0" eaLnBrk="1" latinLnBrk="0" hangingPunct="1">
+              <a:spcBef>
+                <a:spcPct val="20000"/>
+              </a:spcBef>
+              <a:buFont typeface="Arial" pitchFamily="34" charset="0"/>
+              <a:buChar char="»"/>
+              <a:defRPr sz="2292" kern="1200">
+                <a:solidFill>
+                  <a:schemeClr val="tx1"/>
+                </a:solidFill>
+                <a:latin typeface="Trebuchet MS" pitchFamily="34" charset="0"/>
+                <a:ea typeface="+mn-ea"/>
+                <a:cs typeface="+mn-cs"/>
+              </a:defRPr>
+            </a:lvl5pPr>
+            <a:lvl6pPr marL="11064090" indent="-1005827" algn="l" defTabSz="4023305" rtl="0" eaLnBrk="1" latinLnBrk="0" hangingPunct="1">
+              <a:spcBef>
+                <a:spcPct val="20000"/>
+              </a:spcBef>
+              <a:buFont typeface="Arial" pitchFamily="34" charset="0"/>
+              <a:buChar char="•"/>
+              <a:defRPr sz="8800" kern="1200">
+                <a:solidFill>
+                  <a:schemeClr val="tx1"/>
+                </a:solidFill>
+                <a:latin typeface="+mn-lt"/>
+                <a:ea typeface="+mn-ea"/>
+                <a:cs typeface="+mn-cs"/>
+              </a:defRPr>
+            </a:lvl6pPr>
+            <a:lvl7pPr marL="13075741" indent="-1005827" algn="l" defTabSz="4023305" rtl="0" eaLnBrk="1" latinLnBrk="0" hangingPunct="1">
+              <a:spcBef>
+                <a:spcPct val="20000"/>
+              </a:spcBef>
+              <a:buFont typeface="Arial" pitchFamily="34" charset="0"/>
+              <a:buChar char="•"/>
+              <a:defRPr sz="8800" kern="1200">
+                <a:solidFill>
+                  <a:schemeClr val="tx1"/>
+                </a:solidFill>
+                <a:latin typeface="+mn-lt"/>
+                <a:ea typeface="+mn-ea"/>
+                <a:cs typeface="+mn-cs"/>
+              </a:defRPr>
+            </a:lvl7pPr>
+            <a:lvl8pPr marL="15087394" indent="-1005827" algn="l" defTabSz="4023305" rtl="0" eaLnBrk="1" latinLnBrk="0" hangingPunct="1">
+              <a:spcBef>
+                <a:spcPct val="20000"/>
+              </a:spcBef>
+              <a:buFont typeface="Arial" pitchFamily="34" charset="0"/>
+              <a:buChar char="•"/>
+              <a:defRPr sz="8800" kern="1200">
+                <a:solidFill>
+                  <a:schemeClr val="tx1"/>
+                </a:solidFill>
+                <a:latin typeface="+mn-lt"/>
+                <a:ea typeface="+mn-ea"/>
+                <a:cs typeface="+mn-cs"/>
+              </a:defRPr>
+            </a:lvl8pPr>
+            <a:lvl9pPr marL="17099047" indent="-1005827" algn="l" defTabSz="4023305" rtl="0" eaLnBrk="1" latinLnBrk="0" hangingPunct="1">
+              <a:spcBef>
+                <a:spcPct val="20000"/>
+              </a:spcBef>
+              <a:buFont typeface="Arial" pitchFamily="34" charset="0"/>
+              <a:buChar char="•"/>
+              <a:defRPr sz="8800" kern="1200">
+                <a:solidFill>
+                  <a:schemeClr val="tx1"/>
+                </a:solidFill>
+                <a:latin typeface="+mn-lt"/>
+                <a:ea typeface="+mn-ea"/>
+                <a:cs typeface="+mn-cs"/>
+              </a:defRPr>
+            </a:lvl9pPr>
+          </a:lstStyle>
+          <a:p>
+            <a:pPr marL="571500" indent="-571500">
+              <a:buFont typeface="Arial" panose="020B0604020202020204" pitchFamily="34" charset="0"/>
+              <a:buChar char="•"/>
+            </a:pPr>
+            <a:r>
+              <a:rPr lang="en-US" sz="3600" dirty="0">
+                <a:latin typeface="Helvetica Neue" panose="02000503000000020004" pitchFamily="2" charset="0"/>
+                <a:ea typeface="Helvetica Neue" panose="02000503000000020004" pitchFamily="2" charset="0"/>
+                <a:cs typeface="Helvetica Neue" panose="02000503000000020004" pitchFamily="2" charset="0"/>
+              </a:rPr>
+              <a:t>We wanted to compare the accuracy of a multi-class detector vs. a single-class detector trained on the same dataset for one singular label.</a:t>
+            </a:r>
+          </a:p>
+          <a:p>
+            <a:pPr marL="571500" indent="-571500">
+              <a:buFont typeface="Arial" panose="020B0604020202020204" pitchFamily="34" charset="0"/>
+              <a:buChar char="•"/>
+            </a:pPr>
+            <a:r>
+              <a:rPr lang="en-US" sz="3600" dirty="0">
+                <a:latin typeface="Helvetica Neue" panose="02000503000000020004" pitchFamily="2" charset="0"/>
+                <a:ea typeface="Helvetica Neue" panose="02000503000000020004" pitchFamily="2" charset="0"/>
+                <a:cs typeface="Helvetica Neue" panose="02000503000000020004" pitchFamily="2" charset="0"/>
+              </a:rPr>
+              <a:t>We expected a single-class detection to have more false positives, whereas a model trained on many classes would have more false negatives. </a:t>
+            </a:r>
+          </a:p>
+        </p:txBody>
+      </p:sp>
+      <p:sp>
+        <p:nvSpPr>
+          <p:cNvPr id="75" name="Rectangle 74">
+            <a:extLst>
+              <a:ext uri="{FF2B5EF4-FFF2-40B4-BE49-F238E27FC236}">
+                <a16:creationId xmlns:a16="http://schemas.microsoft.com/office/drawing/2014/main" id="{59A66523-7498-1341-AF1E-CE3946DADAC3}"/>
+              </a:ext>
+            </a:extLst>
+          </p:cNvPr>
+          <p:cNvSpPr/>
+          <p:nvPr/>
+        </p:nvSpPr>
+        <p:spPr>
+          <a:xfrm>
+            <a:off x="24113067" y="19757595"/>
+            <a:ext cx="7009926" cy="1200329"/>
+          </a:xfrm>
+          <a:prstGeom prst="rect">
+            <a:avLst/>
+          </a:prstGeom>
+        </p:spPr>
+        <p:txBody>
+          <a:bodyPr wrap="square">
+            <a:spAutoFit/>
+          </a:bodyPr>
+          <a:lstStyle/>
+          <a:p>
+            <a:pPr algn="ctr"/>
+            <a:r>
+              <a:rPr lang="en-US" sz="2400" dirty="0">
+                <a:solidFill>
+                  <a:schemeClr val="accent5"/>
+                </a:solidFill>
+                <a:latin typeface="Helvetica Neue" panose="02000503000000020004" pitchFamily="2" charset="0"/>
+                <a:ea typeface="Helvetica Neue" panose="02000503000000020004" pitchFamily="2" charset="0"/>
+                <a:cs typeface="Helvetica Neue" panose="02000503000000020004" pitchFamily="2" charset="0"/>
+              </a:rPr>
+              <a:t>Figure 2: the items predicted by the single-class detector with </a:t>
+            </a:r>
+            <a:r>
+              <a:rPr lang="en-US" sz="2400" dirty="0" err="1">
+                <a:solidFill>
+                  <a:schemeClr val="accent5"/>
+                </a:solidFill>
+                <a:latin typeface="Helvetica Neue" panose="02000503000000020004" pitchFamily="2" charset="0"/>
+                <a:ea typeface="Helvetica Neue" panose="02000503000000020004" pitchFamily="2" charset="0"/>
+                <a:cs typeface="Helvetica Neue" panose="02000503000000020004" pitchFamily="2" charset="0"/>
+              </a:rPr>
+              <a:t>objectness</a:t>
+            </a:r>
+            <a:r>
+              <a:rPr lang="en-US" sz="2400" dirty="0">
+                <a:solidFill>
+                  <a:schemeClr val="accent5"/>
+                </a:solidFill>
+                <a:latin typeface="Helvetica Neue" panose="02000503000000020004" pitchFamily="2" charset="0"/>
+                <a:ea typeface="Helvetica Neue" panose="02000503000000020004" pitchFamily="2" charset="0"/>
+                <a:cs typeface="Helvetica Neue" panose="02000503000000020004" pitchFamily="2" charset="0"/>
+              </a:rPr>
+              <a:t> scores of 96%, 77%, 61%, 17%, and 65% under the label “</a:t>
+            </a:r>
+            <a:r>
+              <a:rPr lang="en-US" sz="2400" dirty="0" err="1">
+                <a:solidFill>
+                  <a:schemeClr val="accent5"/>
+                </a:solidFill>
+                <a:latin typeface="Helvetica Neue" panose="02000503000000020004" pitchFamily="2" charset="0"/>
+                <a:ea typeface="Helvetica Neue" panose="02000503000000020004" pitchFamily="2" charset="0"/>
+                <a:cs typeface="Helvetica Neue" panose="02000503000000020004" pitchFamily="2" charset="0"/>
+              </a:rPr>
+              <a:t>snapple</a:t>
+            </a:r>
+            <a:r>
+              <a:rPr lang="en-US" sz="2400" dirty="0">
+                <a:solidFill>
+                  <a:schemeClr val="accent5"/>
+                </a:solidFill>
+                <a:latin typeface="Helvetica Neue" panose="02000503000000020004" pitchFamily="2" charset="0"/>
+                <a:ea typeface="Helvetica Neue" panose="02000503000000020004" pitchFamily="2" charset="0"/>
+                <a:cs typeface="Helvetica Neue" panose="02000503000000020004" pitchFamily="2" charset="0"/>
+              </a:rPr>
+              <a:t>.”</a:t>
+            </a:r>
+          </a:p>
+        </p:txBody>
+      </p:sp>
+      <p:sp>
+        <p:nvSpPr>
+          <p:cNvPr id="76" name="Rectangle 75">
+            <a:extLst>
+              <a:ext uri="{FF2B5EF4-FFF2-40B4-BE49-F238E27FC236}">
+                <a16:creationId xmlns:a16="http://schemas.microsoft.com/office/drawing/2014/main" id="{238B9588-C73C-8341-9FFE-C6350016E0A8}"/>
+              </a:ext>
+            </a:extLst>
+          </p:cNvPr>
+          <p:cNvSpPr/>
+          <p:nvPr/>
+        </p:nvSpPr>
+        <p:spPr>
+          <a:xfrm>
+            <a:off x="31907747" y="19786986"/>
+            <a:ext cx="7009926" cy="1200329"/>
+          </a:xfrm>
+          <a:prstGeom prst="rect">
+            <a:avLst/>
+          </a:prstGeom>
+        </p:spPr>
+        <p:txBody>
+          <a:bodyPr wrap="square">
+            <a:spAutoFit/>
+          </a:bodyPr>
+          <a:lstStyle/>
+          <a:p>
+            <a:pPr algn="ctr"/>
+            <a:r>
+              <a:rPr lang="en-US" sz="2400" dirty="0">
+                <a:solidFill>
+                  <a:schemeClr val="accent5"/>
+                </a:solidFill>
+                <a:latin typeface="Helvetica Neue" panose="02000503000000020004" pitchFamily="2" charset="0"/>
+                <a:ea typeface="Helvetica Neue" panose="02000503000000020004" pitchFamily="2" charset="0"/>
+                <a:cs typeface="Helvetica Neue" panose="02000503000000020004" pitchFamily="2" charset="0"/>
+              </a:rPr>
+              <a:t>Figure 3: the items predicted by the multi-class detector with </a:t>
+            </a:r>
+            <a:r>
+              <a:rPr lang="en-US" sz="2400" dirty="0" err="1">
+                <a:solidFill>
+                  <a:schemeClr val="accent5"/>
+                </a:solidFill>
+                <a:latin typeface="Helvetica Neue" panose="02000503000000020004" pitchFamily="2" charset="0"/>
+                <a:ea typeface="Helvetica Neue" panose="02000503000000020004" pitchFamily="2" charset="0"/>
+                <a:cs typeface="Helvetica Neue" panose="02000503000000020004" pitchFamily="2" charset="0"/>
+              </a:rPr>
+              <a:t>objectness</a:t>
+            </a:r>
+            <a:r>
+              <a:rPr lang="en-US" sz="2400" dirty="0">
+                <a:solidFill>
+                  <a:schemeClr val="accent5"/>
+                </a:solidFill>
+                <a:latin typeface="Helvetica Neue" panose="02000503000000020004" pitchFamily="2" charset="0"/>
+                <a:ea typeface="Helvetica Neue" panose="02000503000000020004" pitchFamily="2" charset="0"/>
+                <a:cs typeface="Helvetica Neue" panose="02000503000000020004" pitchFamily="2" charset="0"/>
+              </a:rPr>
+              <a:t> scores of 30%, 31%, 16%, 30%, and 12% under the label “</a:t>
+            </a:r>
+            <a:r>
+              <a:rPr lang="en-US" sz="2400" dirty="0" err="1">
+                <a:solidFill>
+                  <a:schemeClr val="accent5"/>
+                </a:solidFill>
+                <a:latin typeface="Helvetica Neue" panose="02000503000000020004" pitchFamily="2" charset="0"/>
+                <a:ea typeface="Helvetica Neue" panose="02000503000000020004" pitchFamily="2" charset="0"/>
+                <a:cs typeface="Helvetica Neue" panose="02000503000000020004" pitchFamily="2" charset="0"/>
+              </a:rPr>
+              <a:t>snapple</a:t>
+            </a:r>
+            <a:r>
+              <a:rPr lang="en-US" sz="2400" dirty="0">
+                <a:solidFill>
+                  <a:schemeClr val="accent5"/>
+                </a:solidFill>
+                <a:latin typeface="Helvetica Neue" panose="02000503000000020004" pitchFamily="2" charset="0"/>
+                <a:ea typeface="Helvetica Neue" panose="02000503000000020004" pitchFamily="2" charset="0"/>
+                <a:cs typeface="Helvetica Neue" panose="02000503000000020004" pitchFamily="2" charset="0"/>
+              </a:rPr>
+              <a:t>.”</a:t>
             </a:r>
           </a:p>
         </p:txBody>
